--- a/김우석/화면구상도.pptx
+++ b/김우석/화면구상도.pptx
@@ -14,6 +14,7 @@
     <p:sldId id="260" r:id="rId8"/>
     <p:sldId id="262" r:id="rId9"/>
     <p:sldId id="263" r:id="rId10"/>
+    <p:sldId id="265" r:id="rId11"/>
   </p:sldIdLst>
   <p:sldSz cx="12192000" cy="6858000"/>
   <p:notesSz cx="6858000" cy="9144000"/>
@@ -3594,6 +3595,1435 @@
 </p:sld>
 </file>
 
+<file path=ppt/slides/slide10.xml><?xml version="1.0" encoding="utf-8"?>
+<p:sld xmlns:a="http://schemas.openxmlformats.org/drawingml/2006/main" xmlns:r="http://schemas.openxmlformats.org/officeDocument/2006/relationships" xmlns:p="http://schemas.openxmlformats.org/presentationml/2006/main">
+  <p:cSld>
+    <p:spTree>
+      <p:nvGrpSpPr>
+        <p:cNvPr id="1" name=""/>
+        <p:cNvGrpSpPr/>
+        <p:nvPr/>
+      </p:nvGrpSpPr>
+      <p:grpSpPr>
+        <a:xfrm>
+          <a:off x="0" y="0"/>
+          <a:ext cx="0" cy="0"/>
+          <a:chOff x="0" y="0"/>
+          <a:chExt cx="0" cy="0"/>
+        </a:xfrm>
+      </p:grpSpPr>
+      <p:sp>
+        <p:nvSpPr>
+          <p:cNvPr id="4" name="직사각형 3">
+            <a:extLst>
+              <a:ext uri="{FF2B5EF4-FFF2-40B4-BE49-F238E27FC236}">
+                <a16:creationId xmlns:a16="http://schemas.microsoft.com/office/drawing/2014/main" id="{141DB593-E74F-FC59-9500-E4AD7F2C1B45}"/>
+              </a:ext>
+            </a:extLst>
+          </p:cNvPr>
+          <p:cNvSpPr/>
+          <p:nvPr/>
+        </p:nvSpPr>
+        <p:spPr>
+          <a:xfrm>
+            <a:off x="335999" y="1504171"/>
+            <a:ext cx="5760000" cy="3849657"/>
+          </a:xfrm>
+          <a:prstGeom prst="rect">
+            <a:avLst/>
+          </a:prstGeom>
+          <a:noFill/>
+          <a:ln>
+            <a:solidFill>
+              <a:schemeClr val="tx1"/>
+            </a:solidFill>
+          </a:ln>
+        </p:spPr>
+        <p:style>
+          <a:lnRef idx="2">
+            <a:schemeClr val="accent1">
+              <a:shade val="50000"/>
+            </a:schemeClr>
+          </a:lnRef>
+          <a:fillRef idx="1">
+            <a:schemeClr val="accent1"/>
+          </a:fillRef>
+          <a:effectRef idx="0">
+            <a:schemeClr val="accent1"/>
+          </a:effectRef>
+          <a:fontRef idx="minor">
+            <a:schemeClr val="lt1"/>
+          </a:fontRef>
+        </p:style>
+        <p:txBody>
+          <a:bodyPr rtlCol="0" anchor="ctr"/>
+          <a:lstStyle/>
+          <a:p>
+            <a:pPr algn="ctr"/>
+            <a:endParaRPr lang="ko-KR" altLang="en-US" dirty="0">
+              <a:solidFill>
+                <a:schemeClr val="tx1"/>
+              </a:solidFill>
+            </a:endParaRPr>
+          </a:p>
+        </p:txBody>
+      </p:sp>
+      <p:sp>
+        <p:nvSpPr>
+          <p:cNvPr id="28" name="TextBox 27">
+            <a:extLst>
+              <a:ext uri="{FF2B5EF4-FFF2-40B4-BE49-F238E27FC236}">
+                <a16:creationId xmlns:a16="http://schemas.microsoft.com/office/drawing/2014/main" id="{EB02B3FF-AE8B-C626-9281-DBC6BA34793F}"/>
+              </a:ext>
+            </a:extLst>
+          </p:cNvPr>
+          <p:cNvSpPr txBox="1"/>
+          <p:nvPr/>
+        </p:nvSpPr>
+        <p:spPr>
+          <a:xfrm>
+            <a:off x="4475999" y="250504"/>
+            <a:ext cx="3240001" cy="369332"/>
+          </a:xfrm>
+          <a:prstGeom prst="rect">
+            <a:avLst/>
+          </a:prstGeom>
+          <a:noFill/>
+        </p:spPr>
+        <p:txBody>
+          <a:bodyPr wrap="square">
+            <a:spAutoFit/>
+          </a:bodyPr>
+          <a:lstStyle/>
+          <a:p>
+            <a:pPr algn="ctr"/>
+            <a:r>
+              <a:rPr lang="ko-KR" altLang="en-US" dirty="0">
+                <a:solidFill>
+                  <a:schemeClr val="tx1"/>
+                </a:solidFill>
+              </a:rPr>
+              <a:t>강의실</a:t>
+            </a:r>
+          </a:p>
+        </p:txBody>
+      </p:sp>
+      <p:sp>
+        <p:nvSpPr>
+          <p:cNvPr id="2" name="직사각형 1">
+            <a:extLst>
+              <a:ext uri="{FF2B5EF4-FFF2-40B4-BE49-F238E27FC236}">
+                <a16:creationId xmlns:a16="http://schemas.microsoft.com/office/drawing/2014/main" id="{6DA610C8-D647-2D6A-6A29-38D7D31C7CD4}"/>
+              </a:ext>
+            </a:extLst>
+          </p:cNvPr>
+          <p:cNvSpPr/>
+          <p:nvPr/>
+        </p:nvSpPr>
+        <p:spPr>
+          <a:xfrm>
+            <a:off x="785988" y="1661020"/>
+            <a:ext cx="1103625" cy="822121"/>
+          </a:xfrm>
+          <a:prstGeom prst="rect">
+            <a:avLst/>
+          </a:prstGeom>
+          <a:solidFill>
+            <a:schemeClr val="bg2"/>
+          </a:solidFill>
+          <a:ln>
+            <a:solidFill>
+              <a:schemeClr val="tx1"/>
+            </a:solidFill>
+          </a:ln>
+        </p:spPr>
+        <p:style>
+          <a:lnRef idx="2">
+            <a:schemeClr val="accent1">
+              <a:shade val="50000"/>
+            </a:schemeClr>
+          </a:lnRef>
+          <a:fillRef idx="1">
+            <a:schemeClr val="accent1"/>
+          </a:fillRef>
+          <a:effectRef idx="0">
+            <a:schemeClr val="accent1"/>
+          </a:effectRef>
+          <a:fontRef idx="minor">
+            <a:schemeClr val="lt1"/>
+          </a:fontRef>
+        </p:style>
+        <p:txBody>
+          <a:bodyPr rtlCol="0" anchor="ctr"/>
+          <a:lstStyle/>
+          <a:p>
+            <a:pPr algn="ctr"/>
+            <a:endParaRPr lang="ko-KR" altLang="en-US"/>
+          </a:p>
+        </p:txBody>
+      </p:sp>
+      <p:sp>
+        <p:nvSpPr>
+          <p:cNvPr id="31" name="직사각형 30">
+            <a:extLst>
+              <a:ext uri="{FF2B5EF4-FFF2-40B4-BE49-F238E27FC236}">
+                <a16:creationId xmlns:a16="http://schemas.microsoft.com/office/drawing/2014/main" id="{497DDB97-3D03-DF5B-FD38-B28F3D5BEBA7}"/>
+              </a:ext>
+            </a:extLst>
+          </p:cNvPr>
+          <p:cNvSpPr/>
+          <p:nvPr/>
+        </p:nvSpPr>
+        <p:spPr>
+          <a:xfrm>
+            <a:off x="2045987" y="1661020"/>
+            <a:ext cx="1103625" cy="822121"/>
+          </a:xfrm>
+          <a:prstGeom prst="rect">
+            <a:avLst/>
+          </a:prstGeom>
+          <a:solidFill>
+            <a:schemeClr val="bg2"/>
+          </a:solidFill>
+          <a:ln>
+            <a:solidFill>
+              <a:schemeClr val="tx1"/>
+            </a:solidFill>
+          </a:ln>
+        </p:spPr>
+        <p:style>
+          <a:lnRef idx="2">
+            <a:schemeClr val="accent1">
+              <a:shade val="50000"/>
+            </a:schemeClr>
+          </a:lnRef>
+          <a:fillRef idx="1">
+            <a:schemeClr val="accent1"/>
+          </a:fillRef>
+          <a:effectRef idx="0">
+            <a:schemeClr val="accent1"/>
+          </a:effectRef>
+          <a:fontRef idx="minor">
+            <a:schemeClr val="lt1"/>
+          </a:fontRef>
+        </p:style>
+        <p:txBody>
+          <a:bodyPr rtlCol="0" anchor="ctr"/>
+          <a:lstStyle/>
+          <a:p>
+            <a:pPr algn="ctr"/>
+            <a:endParaRPr lang="ko-KR" altLang="en-US"/>
+          </a:p>
+        </p:txBody>
+      </p:sp>
+      <p:sp>
+        <p:nvSpPr>
+          <p:cNvPr id="32" name="직사각형 31">
+            <a:extLst>
+              <a:ext uri="{FF2B5EF4-FFF2-40B4-BE49-F238E27FC236}">
+                <a16:creationId xmlns:a16="http://schemas.microsoft.com/office/drawing/2014/main" id="{A3443B8E-9373-8780-5400-5545C38AD7F3}"/>
+              </a:ext>
+            </a:extLst>
+          </p:cNvPr>
+          <p:cNvSpPr/>
+          <p:nvPr/>
+        </p:nvSpPr>
+        <p:spPr>
+          <a:xfrm>
+            <a:off x="3305986" y="1661020"/>
+            <a:ext cx="1103625" cy="822121"/>
+          </a:xfrm>
+          <a:prstGeom prst="rect">
+            <a:avLst/>
+          </a:prstGeom>
+          <a:solidFill>
+            <a:schemeClr val="bg2"/>
+          </a:solidFill>
+          <a:ln>
+            <a:solidFill>
+              <a:schemeClr val="tx1"/>
+            </a:solidFill>
+          </a:ln>
+        </p:spPr>
+        <p:style>
+          <a:lnRef idx="2">
+            <a:schemeClr val="accent1">
+              <a:shade val="50000"/>
+            </a:schemeClr>
+          </a:lnRef>
+          <a:fillRef idx="1">
+            <a:schemeClr val="accent1"/>
+          </a:fillRef>
+          <a:effectRef idx="0">
+            <a:schemeClr val="accent1"/>
+          </a:effectRef>
+          <a:fontRef idx="minor">
+            <a:schemeClr val="lt1"/>
+          </a:fontRef>
+        </p:style>
+        <p:txBody>
+          <a:bodyPr rtlCol="0" anchor="ctr"/>
+          <a:lstStyle/>
+          <a:p>
+            <a:pPr algn="ctr"/>
+            <a:endParaRPr lang="ko-KR" altLang="en-US"/>
+          </a:p>
+        </p:txBody>
+      </p:sp>
+      <p:sp>
+        <p:nvSpPr>
+          <p:cNvPr id="33" name="직사각형 32">
+            <a:extLst>
+              <a:ext uri="{FF2B5EF4-FFF2-40B4-BE49-F238E27FC236}">
+                <a16:creationId xmlns:a16="http://schemas.microsoft.com/office/drawing/2014/main" id="{FA2557CD-1C80-D0CA-2529-577E9C15F07C}"/>
+              </a:ext>
+            </a:extLst>
+          </p:cNvPr>
+          <p:cNvSpPr/>
+          <p:nvPr/>
+        </p:nvSpPr>
+        <p:spPr>
+          <a:xfrm>
+            <a:off x="4565985" y="1661020"/>
+            <a:ext cx="1103625" cy="822121"/>
+          </a:xfrm>
+          <a:prstGeom prst="rect">
+            <a:avLst/>
+          </a:prstGeom>
+          <a:solidFill>
+            <a:schemeClr val="bg2"/>
+          </a:solidFill>
+          <a:ln>
+            <a:solidFill>
+              <a:schemeClr val="tx1"/>
+            </a:solidFill>
+          </a:ln>
+        </p:spPr>
+        <p:style>
+          <a:lnRef idx="2">
+            <a:schemeClr val="accent1">
+              <a:shade val="50000"/>
+            </a:schemeClr>
+          </a:lnRef>
+          <a:fillRef idx="1">
+            <a:schemeClr val="accent1"/>
+          </a:fillRef>
+          <a:effectRef idx="0">
+            <a:schemeClr val="accent1"/>
+          </a:effectRef>
+          <a:fontRef idx="minor">
+            <a:schemeClr val="lt1"/>
+          </a:fontRef>
+        </p:style>
+        <p:txBody>
+          <a:bodyPr rtlCol="0" anchor="ctr"/>
+          <a:lstStyle/>
+          <a:p>
+            <a:pPr algn="ctr"/>
+            <a:endParaRPr lang="ko-KR" altLang="en-US"/>
+          </a:p>
+        </p:txBody>
+      </p:sp>
+      <p:sp>
+        <p:nvSpPr>
+          <p:cNvPr id="3" name="타원 2">
+            <a:extLst>
+              <a:ext uri="{FF2B5EF4-FFF2-40B4-BE49-F238E27FC236}">
+                <a16:creationId xmlns:a16="http://schemas.microsoft.com/office/drawing/2014/main" id="{D532E767-39DC-F7EF-6245-04B2683A53D5}"/>
+              </a:ext>
+            </a:extLst>
+          </p:cNvPr>
+          <p:cNvSpPr/>
+          <p:nvPr/>
+        </p:nvSpPr>
+        <p:spPr>
+          <a:xfrm>
+            <a:off x="460326" y="1963024"/>
+            <a:ext cx="201336" cy="201336"/>
+          </a:xfrm>
+          <a:prstGeom prst="ellipse">
+            <a:avLst/>
+          </a:prstGeom>
+          <a:solidFill>
+            <a:schemeClr val="bg2">
+              <a:lumMod val="50000"/>
+            </a:schemeClr>
+          </a:solidFill>
+          <a:ln>
+            <a:noFill/>
+          </a:ln>
+        </p:spPr>
+        <p:style>
+          <a:lnRef idx="2">
+            <a:schemeClr val="accent1">
+              <a:shade val="50000"/>
+            </a:schemeClr>
+          </a:lnRef>
+          <a:fillRef idx="1">
+            <a:schemeClr val="accent1"/>
+          </a:fillRef>
+          <a:effectRef idx="0">
+            <a:schemeClr val="accent1"/>
+          </a:effectRef>
+          <a:fontRef idx="minor">
+            <a:schemeClr val="lt1"/>
+          </a:fontRef>
+        </p:style>
+        <p:txBody>
+          <a:bodyPr rtlCol="0" anchor="ctr"/>
+          <a:lstStyle/>
+          <a:p>
+            <a:pPr algn="ctr"/>
+            <a:endParaRPr lang="ko-KR" altLang="en-US"/>
+          </a:p>
+        </p:txBody>
+      </p:sp>
+      <p:sp>
+        <p:nvSpPr>
+          <p:cNvPr id="35" name="타원 34">
+            <a:extLst>
+              <a:ext uri="{FF2B5EF4-FFF2-40B4-BE49-F238E27FC236}">
+                <a16:creationId xmlns:a16="http://schemas.microsoft.com/office/drawing/2014/main" id="{1A223058-EFE6-1003-22C2-E0E991CE6AA6}"/>
+              </a:ext>
+            </a:extLst>
+          </p:cNvPr>
+          <p:cNvSpPr/>
+          <p:nvPr/>
+        </p:nvSpPr>
+        <p:spPr>
+          <a:xfrm>
+            <a:off x="5782136" y="1963024"/>
+            <a:ext cx="201336" cy="201336"/>
+          </a:xfrm>
+          <a:prstGeom prst="ellipse">
+            <a:avLst/>
+          </a:prstGeom>
+          <a:solidFill>
+            <a:schemeClr val="bg2">
+              <a:lumMod val="50000"/>
+            </a:schemeClr>
+          </a:solidFill>
+          <a:ln>
+            <a:noFill/>
+          </a:ln>
+        </p:spPr>
+        <p:style>
+          <a:lnRef idx="2">
+            <a:schemeClr val="accent1">
+              <a:shade val="50000"/>
+            </a:schemeClr>
+          </a:lnRef>
+          <a:fillRef idx="1">
+            <a:schemeClr val="accent1"/>
+          </a:fillRef>
+          <a:effectRef idx="0">
+            <a:schemeClr val="accent1"/>
+          </a:effectRef>
+          <a:fontRef idx="minor">
+            <a:schemeClr val="lt1"/>
+          </a:fontRef>
+        </p:style>
+        <p:txBody>
+          <a:bodyPr rtlCol="0" anchor="ctr"/>
+          <a:lstStyle/>
+          <a:p>
+            <a:pPr algn="ctr"/>
+            <a:endParaRPr lang="ko-KR" altLang="en-US"/>
+          </a:p>
+        </p:txBody>
+      </p:sp>
+      <p:sp>
+        <p:nvSpPr>
+          <p:cNvPr id="7" name="이등변 삼각형 6">
+            <a:extLst>
+              <a:ext uri="{FF2B5EF4-FFF2-40B4-BE49-F238E27FC236}">
+                <a16:creationId xmlns:a16="http://schemas.microsoft.com/office/drawing/2014/main" id="{055954EB-7528-1A74-EA02-8A78344B2DE6}"/>
+              </a:ext>
+            </a:extLst>
+          </p:cNvPr>
+          <p:cNvSpPr/>
+          <p:nvPr/>
+        </p:nvSpPr>
+        <p:spPr>
+          <a:xfrm rot="16200000">
+            <a:off x="485829" y="2013357"/>
+            <a:ext cx="116775" cy="100668"/>
+          </a:xfrm>
+          <a:prstGeom prst="triangle">
+            <a:avLst/>
+          </a:prstGeom>
+          <a:solidFill>
+            <a:schemeClr val="bg1"/>
+          </a:solidFill>
+          <a:ln>
+            <a:noFill/>
+          </a:ln>
+        </p:spPr>
+        <p:style>
+          <a:lnRef idx="2">
+            <a:schemeClr val="accent1">
+              <a:shade val="50000"/>
+            </a:schemeClr>
+          </a:lnRef>
+          <a:fillRef idx="1">
+            <a:schemeClr val="accent1"/>
+          </a:fillRef>
+          <a:effectRef idx="0">
+            <a:schemeClr val="accent1"/>
+          </a:effectRef>
+          <a:fontRef idx="minor">
+            <a:schemeClr val="lt1"/>
+          </a:fontRef>
+        </p:style>
+        <p:txBody>
+          <a:bodyPr rtlCol="0" anchor="ctr"/>
+          <a:lstStyle/>
+          <a:p>
+            <a:pPr algn="ctr"/>
+            <a:endParaRPr lang="ko-KR" altLang="en-US"/>
+          </a:p>
+        </p:txBody>
+      </p:sp>
+      <p:sp>
+        <p:nvSpPr>
+          <p:cNvPr id="37" name="이등변 삼각형 36">
+            <a:extLst>
+              <a:ext uri="{FF2B5EF4-FFF2-40B4-BE49-F238E27FC236}">
+                <a16:creationId xmlns:a16="http://schemas.microsoft.com/office/drawing/2014/main" id="{339A70F0-26B0-AE2B-DEB2-1F3A4EAE6044}"/>
+              </a:ext>
+            </a:extLst>
+          </p:cNvPr>
+          <p:cNvSpPr/>
+          <p:nvPr/>
+        </p:nvSpPr>
+        <p:spPr>
+          <a:xfrm rot="5400000" flipH="1">
+            <a:off x="5834709" y="2013358"/>
+            <a:ext cx="116775" cy="100668"/>
+          </a:xfrm>
+          <a:prstGeom prst="triangle">
+            <a:avLst/>
+          </a:prstGeom>
+          <a:solidFill>
+            <a:schemeClr val="bg1"/>
+          </a:solidFill>
+          <a:ln>
+            <a:noFill/>
+          </a:ln>
+        </p:spPr>
+        <p:style>
+          <a:lnRef idx="2">
+            <a:schemeClr val="accent1">
+              <a:shade val="50000"/>
+            </a:schemeClr>
+          </a:lnRef>
+          <a:fillRef idx="1">
+            <a:schemeClr val="accent1"/>
+          </a:fillRef>
+          <a:effectRef idx="0">
+            <a:schemeClr val="accent1"/>
+          </a:effectRef>
+          <a:fontRef idx="minor">
+            <a:schemeClr val="lt1"/>
+          </a:fontRef>
+        </p:style>
+        <p:txBody>
+          <a:bodyPr rtlCol="0" anchor="ctr"/>
+          <a:lstStyle/>
+          <a:p>
+            <a:pPr algn="ctr"/>
+            <a:endParaRPr lang="ko-KR" altLang="en-US"/>
+          </a:p>
+        </p:txBody>
+      </p:sp>
+      <p:sp>
+        <p:nvSpPr>
+          <p:cNvPr id="9" name="직사각형 8">
+            <a:extLst>
+              <a:ext uri="{FF2B5EF4-FFF2-40B4-BE49-F238E27FC236}">
+                <a16:creationId xmlns:a16="http://schemas.microsoft.com/office/drawing/2014/main" id="{FC8B2DEE-3DBC-A12C-7E7B-68E953E26857}"/>
+              </a:ext>
+            </a:extLst>
+          </p:cNvPr>
+          <p:cNvSpPr/>
+          <p:nvPr/>
+        </p:nvSpPr>
+        <p:spPr>
+          <a:xfrm>
+            <a:off x="785988" y="2726422"/>
+            <a:ext cx="4883622" cy="2470558"/>
+          </a:xfrm>
+          <a:prstGeom prst="rect">
+            <a:avLst/>
+          </a:prstGeom>
+          <a:solidFill>
+            <a:schemeClr val="bg2">
+              <a:lumMod val="50000"/>
+            </a:schemeClr>
+          </a:solidFill>
+          <a:ln>
+            <a:solidFill>
+              <a:schemeClr val="tx1"/>
+            </a:solidFill>
+          </a:ln>
+        </p:spPr>
+        <p:style>
+          <a:lnRef idx="2">
+            <a:schemeClr val="accent1">
+              <a:shade val="50000"/>
+            </a:schemeClr>
+          </a:lnRef>
+          <a:fillRef idx="1">
+            <a:schemeClr val="accent1"/>
+          </a:fillRef>
+          <a:effectRef idx="0">
+            <a:schemeClr val="accent1"/>
+          </a:effectRef>
+          <a:fontRef idx="minor">
+            <a:schemeClr val="lt1"/>
+          </a:fontRef>
+        </p:style>
+        <p:txBody>
+          <a:bodyPr rtlCol="0" anchor="ctr"/>
+          <a:lstStyle/>
+          <a:p>
+            <a:pPr algn="ctr"/>
+            <a:endParaRPr lang="ko-KR" altLang="en-US"/>
+          </a:p>
+        </p:txBody>
+      </p:sp>
+      <p:pic>
+        <p:nvPicPr>
+          <p:cNvPr id="11" name="그래픽 10" descr="말풍선 단색으로 채워진">
+            <a:extLst>
+              <a:ext uri="{FF2B5EF4-FFF2-40B4-BE49-F238E27FC236}">
+                <a16:creationId xmlns:a16="http://schemas.microsoft.com/office/drawing/2014/main" id="{915C0037-7D0C-6FD9-30DD-51A13DF8CAC4}"/>
+              </a:ext>
+            </a:extLst>
+          </p:cNvPr>
+          <p:cNvPicPr>
+            <a:picLocks noChangeAspect="1"/>
+          </p:cNvPicPr>
+          <p:nvPr/>
+        </p:nvPicPr>
+        <p:blipFill>
+          <a:blip r:embed="rId2">
+            <a:extLst>
+              <a:ext uri="{28A0092B-C50C-407E-A947-70E740481C1C}">
+                <a14:useLocalDpi xmlns:a14="http://schemas.microsoft.com/office/drawing/2010/main" val="0"/>
+              </a:ext>
+              <a:ext uri="{96DAC541-7B7A-43D3-8B79-37D633B846F1}">
+                <asvg:svgBlip xmlns:asvg="http://schemas.microsoft.com/office/drawing/2016/SVG/main" r:embed="rId3"/>
+              </a:ext>
+            </a:extLst>
+          </a:blip>
+          <a:stretch>
+            <a:fillRect/>
+          </a:stretch>
+        </p:blipFill>
+        <p:spPr>
+          <a:xfrm>
+            <a:off x="5685690" y="4939017"/>
+            <a:ext cx="414811" cy="414811"/>
+          </a:xfrm>
+          <a:prstGeom prst="rect">
+            <a:avLst/>
+          </a:prstGeom>
+        </p:spPr>
+      </p:pic>
+      <p:sp>
+        <p:nvSpPr>
+          <p:cNvPr id="12" name="타원 11">
+            <a:extLst>
+              <a:ext uri="{FF2B5EF4-FFF2-40B4-BE49-F238E27FC236}">
+                <a16:creationId xmlns:a16="http://schemas.microsoft.com/office/drawing/2014/main" id="{14766774-8264-4235-DC47-F556930FDC18}"/>
+              </a:ext>
+            </a:extLst>
+          </p:cNvPr>
+          <p:cNvSpPr/>
+          <p:nvPr/>
+        </p:nvSpPr>
+        <p:spPr>
+          <a:xfrm>
+            <a:off x="460326" y="4647057"/>
+            <a:ext cx="201336" cy="201336"/>
+          </a:xfrm>
+          <a:prstGeom prst="ellipse">
+            <a:avLst/>
+          </a:prstGeom>
+          <a:solidFill>
+            <a:schemeClr val="bg1"/>
+          </a:solidFill>
+          <a:ln>
+            <a:solidFill>
+              <a:schemeClr val="tx1"/>
+            </a:solidFill>
+          </a:ln>
+        </p:spPr>
+        <p:style>
+          <a:lnRef idx="2">
+            <a:schemeClr val="accent1">
+              <a:shade val="50000"/>
+            </a:schemeClr>
+          </a:lnRef>
+          <a:fillRef idx="1">
+            <a:schemeClr val="accent1"/>
+          </a:fillRef>
+          <a:effectRef idx="0">
+            <a:schemeClr val="accent1"/>
+          </a:effectRef>
+          <a:fontRef idx="minor">
+            <a:schemeClr val="lt1"/>
+          </a:fontRef>
+        </p:style>
+        <p:txBody>
+          <a:bodyPr rtlCol="0" anchor="ctr"/>
+          <a:lstStyle/>
+          <a:p>
+            <a:pPr algn="ctr"/>
+            <a:endParaRPr lang="ko-KR" altLang="en-US"/>
+          </a:p>
+        </p:txBody>
+      </p:sp>
+      <p:sp>
+        <p:nvSpPr>
+          <p:cNvPr id="42" name="타원 41">
+            <a:extLst>
+              <a:ext uri="{FF2B5EF4-FFF2-40B4-BE49-F238E27FC236}">
+                <a16:creationId xmlns:a16="http://schemas.microsoft.com/office/drawing/2014/main" id="{127D91F1-EE45-4AB2-799A-58F7A1F3B6A2}"/>
+              </a:ext>
+            </a:extLst>
+          </p:cNvPr>
+          <p:cNvSpPr/>
+          <p:nvPr/>
+        </p:nvSpPr>
+        <p:spPr>
+          <a:xfrm>
+            <a:off x="460326" y="4980518"/>
+            <a:ext cx="201336" cy="201336"/>
+          </a:xfrm>
+          <a:prstGeom prst="ellipse">
+            <a:avLst/>
+          </a:prstGeom>
+          <a:solidFill>
+            <a:schemeClr val="bg1"/>
+          </a:solidFill>
+          <a:ln>
+            <a:solidFill>
+              <a:schemeClr val="tx1"/>
+            </a:solidFill>
+          </a:ln>
+        </p:spPr>
+        <p:style>
+          <a:lnRef idx="2">
+            <a:schemeClr val="accent1">
+              <a:shade val="50000"/>
+            </a:schemeClr>
+          </a:lnRef>
+          <a:fillRef idx="1">
+            <a:schemeClr val="accent1"/>
+          </a:fillRef>
+          <a:effectRef idx="0">
+            <a:schemeClr val="accent1"/>
+          </a:effectRef>
+          <a:fontRef idx="minor">
+            <a:schemeClr val="lt1"/>
+          </a:fontRef>
+        </p:style>
+        <p:txBody>
+          <a:bodyPr rtlCol="0" anchor="ctr"/>
+          <a:lstStyle/>
+          <a:p>
+            <a:pPr algn="ctr"/>
+            <a:endParaRPr lang="ko-KR" altLang="en-US"/>
+          </a:p>
+        </p:txBody>
+      </p:sp>
+      <p:pic>
+        <p:nvPicPr>
+          <p:cNvPr id="17" name="그래픽 16" descr="웹 캠 윤곽선">
+            <a:extLst>
+              <a:ext uri="{FF2B5EF4-FFF2-40B4-BE49-F238E27FC236}">
+                <a16:creationId xmlns:a16="http://schemas.microsoft.com/office/drawing/2014/main" id="{8FCEF164-EEFF-D25F-6F60-D9D4BC5113DF}"/>
+              </a:ext>
+            </a:extLst>
+          </p:cNvPr>
+          <p:cNvPicPr>
+            <a:picLocks noChangeAspect="1"/>
+          </p:cNvPicPr>
+          <p:nvPr/>
+        </p:nvPicPr>
+        <p:blipFill>
+          <a:blip r:embed="rId4">
+            <a:extLst>
+              <a:ext uri="{28A0092B-C50C-407E-A947-70E740481C1C}">
+                <a14:useLocalDpi xmlns:a14="http://schemas.microsoft.com/office/drawing/2010/main" val="0"/>
+              </a:ext>
+              <a:ext uri="{96DAC541-7B7A-43D3-8B79-37D633B846F1}">
+                <asvg:svgBlip xmlns:asvg="http://schemas.microsoft.com/office/drawing/2016/SVG/main" r:embed="rId5"/>
+              </a:ext>
+            </a:extLst>
+          </a:blip>
+          <a:stretch>
+            <a:fillRect/>
+          </a:stretch>
+        </p:blipFill>
+        <p:spPr>
+          <a:xfrm>
+            <a:off x="443518" y="4630249"/>
+            <a:ext cx="234952" cy="234952"/>
+          </a:xfrm>
+          <a:prstGeom prst="rect">
+            <a:avLst/>
+          </a:prstGeom>
+        </p:spPr>
+      </p:pic>
+      <p:pic>
+        <p:nvPicPr>
+          <p:cNvPr id="19" name="그래픽 18" descr="무선 마이크 윤곽선">
+            <a:extLst>
+              <a:ext uri="{FF2B5EF4-FFF2-40B4-BE49-F238E27FC236}">
+                <a16:creationId xmlns:a16="http://schemas.microsoft.com/office/drawing/2014/main" id="{B25BD7D2-EF0A-E1E5-1514-C902F5C00766}"/>
+              </a:ext>
+            </a:extLst>
+          </p:cNvPr>
+          <p:cNvPicPr>
+            <a:picLocks noChangeAspect="1"/>
+          </p:cNvPicPr>
+          <p:nvPr/>
+        </p:nvPicPr>
+        <p:blipFill>
+          <a:blip r:embed="rId6">
+            <a:extLst>
+              <a:ext uri="{28A0092B-C50C-407E-A947-70E740481C1C}">
+                <a14:useLocalDpi xmlns:a14="http://schemas.microsoft.com/office/drawing/2010/main" val="0"/>
+              </a:ext>
+              <a:ext uri="{96DAC541-7B7A-43D3-8B79-37D633B846F1}">
+                <asvg:svgBlip xmlns:asvg="http://schemas.microsoft.com/office/drawing/2016/SVG/main" r:embed="rId7"/>
+              </a:ext>
+            </a:extLst>
+          </a:blip>
+          <a:stretch>
+            <a:fillRect/>
+          </a:stretch>
+        </p:blipFill>
+        <p:spPr>
+          <a:xfrm>
+            <a:off x="463712" y="4982252"/>
+            <a:ext cx="197950" cy="197950"/>
+          </a:xfrm>
+          <a:prstGeom prst="rect">
+            <a:avLst/>
+          </a:prstGeom>
+        </p:spPr>
+      </p:pic>
+      <p:sp>
+        <p:nvSpPr>
+          <p:cNvPr id="20" name="직사각형 19">
+            <a:extLst>
+              <a:ext uri="{FF2B5EF4-FFF2-40B4-BE49-F238E27FC236}">
+                <a16:creationId xmlns:a16="http://schemas.microsoft.com/office/drawing/2014/main" id="{2275485C-2E4C-5CE1-260B-6982BBFB982E}"/>
+              </a:ext>
+            </a:extLst>
+          </p:cNvPr>
+          <p:cNvSpPr/>
+          <p:nvPr/>
+        </p:nvSpPr>
+        <p:spPr>
+          <a:xfrm>
+            <a:off x="6180056" y="1501629"/>
+            <a:ext cx="1862356" cy="3852199"/>
+          </a:xfrm>
+          <a:prstGeom prst="rect">
+            <a:avLst/>
+          </a:prstGeom>
+          <a:solidFill>
+            <a:schemeClr val="bg2">
+              <a:lumMod val="90000"/>
+            </a:schemeClr>
+          </a:solidFill>
+          <a:ln>
+            <a:solidFill>
+              <a:schemeClr val="tx1"/>
+            </a:solidFill>
+          </a:ln>
+        </p:spPr>
+        <p:style>
+          <a:lnRef idx="2">
+            <a:schemeClr val="accent1">
+              <a:shade val="50000"/>
+            </a:schemeClr>
+          </a:lnRef>
+          <a:fillRef idx="1">
+            <a:schemeClr val="accent1"/>
+          </a:fillRef>
+          <a:effectRef idx="0">
+            <a:schemeClr val="accent1"/>
+          </a:effectRef>
+          <a:fontRef idx="minor">
+            <a:schemeClr val="lt1"/>
+          </a:fontRef>
+        </p:style>
+        <p:txBody>
+          <a:bodyPr rtlCol="0" anchor="ctr"/>
+          <a:lstStyle/>
+          <a:p>
+            <a:pPr algn="ctr"/>
+            <a:endParaRPr lang="ko-KR" altLang="en-US"/>
+          </a:p>
+        </p:txBody>
+      </p:sp>
+      <p:sp>
+        <p:nvSpPr>
+          <p:cNvPr id="21" name="곱하기 기호 20">
+            <a:extLst>
+              <a:ext uri="{FF2B5EF4-FFF2-40B4-BE49-F238E27FC236}">
+                <a16:creationId xmlns:a16="http://schemas.microsoft.com/office/drawing/2014/main" id="{9A1FB1DE-B0AE-D33F-E3F6-F6638E84DBB2}"/>
+              </a:ext>
+            </a:extLst>
+          </p:cNvPr>
+          <p:cNvSpPr/>
+          <p:nvPr/>
+        </p:nvSpPr>
+        <p:spPr>
+          <a:xfrm>
+            <a:off x="7790742" y="1585519"/>
+            <a:ext cx="201336" cy="184558"/>
+          </a:xfrm>
+          <a:prstGeom prst="mathMultiply">
+            <a:avLst/>
+          </a:prstGeom>
+          <a:solidFill>
+            <a:schemeClr val="tx1"/>
+          </a:solidFill>
+          <a:ln>
+            <a:noFill/>
+          </a:ln>
+        </p:spPr>
+        <p:style>
+          <a:lnRef idx="2">
+            <a:schemeClr val="accent1">
+              <a:shade val="50000"/>
+            </a:schemeClr>
+          </a:lnRef>
+          <a:fillRef idx="1">
+            <a:schemeClr val="accent1"/>
+          </a:fillRef>
+          <a:effectRef idx="0">
+            <a:schemeClr val="accent1"/>
+          </a:effectRef>
+          <a:fontRef idx="minor">
+            <a:schemeClr val="lt1"/>
+          </a:fontRef>
+        </p:style>
+        <p:txBody>
+          <a:bodyPr rtlCol="0" anchor="ctr"/>
+          <a:lstStyle/>
+          <a:p>
+            <a:pPr algn="ctr"/>
+            <a:endParaRPr lang="ko-KR" altLang="en-US"/>
+          </a:p>
+        </p:txBody>
+      </p:sp>
+      <p:sp>
+        <p:nvSpPr>
+          <p:cNvPr id="22" name="TextBox 21">
+            <a:extLst>
+              <a:ext uri="{FF2B5EF4-FFF2-40B4-BE49-F238E27FC236}">
+                <a16:creationId xmlns:a16="http://schemas.microsoft.com/office/drawing/2014/main" id="{E1EF830D-5CB3-31D2-B5CE-15A226C1D479}"/>
+              </a:ext>
+            </a:extLst>
+          </p:cNvPr>
+          <p:cNvSpPr txBox="1"/>
+          <p:nvPr/>
+        </p:nvSpPr>
+        <p:spPr>
+          <a:xfrm>
+            <a:off x="6620034" y="1661020"/>
+            <a:ext cx="1044873" cy="276999"/>
+          </a:xfrm>
+          <a:prstGeom prst="rect">
+            <a:avLst/>
+          </a:prstGeom>
+          <a:noFill/>
+        </p:spPr>
+        <p:txBody>
+          <a:bodyPr wrap="square" rtlCol="0">
+            <a:spAutoFit/>
+          </a:bodyPr>
+          <a:lstStyle/>
+          <a:p>
+            <a:pPr algn="ctr"/>
+            <a:r>
+              <a:rPr lang="ko-KR" altLang="en-US" sz="1200" dirty="0"/>
+              <a:t>채팅</a:t>
+            </a:r>
+          </a:p>
+        </p:txBody>
+      </p:sp>
+      <p:cxnSp>
+        <p:nvCxnSpPr>
+          <p:cNvPr id="24" name="직선 연결선 23">
+            <a:extLst>
+              <a:ext uri="{FF2B5EF4-FFF2-40B4-BE49-F238E27FC236}">
+                <a16:creationId xmlns:a16="http://schemas.microsoft.com/office/drawing/2014/main" id="{DD084A1C-0656-5A57-9B1E-440E18E58FDB}"/>
+              </a:ext>
+            </a:extLst>
+          </p:cNvPr>
+          <p:cNvCxnSpPr/>
+          <p:nvPr/>
+        </p:nvCxnSpPr>
+        <p:spPr>
+          <a:xfrm>
+            <a:off x="6180056" y="4980518"/>
+            <a:ext cx="1862356" cy="0"/>
+          </a:xfrm>
+          <a:prstGeom prst="line">
+            <a:avLst/>
+          </a:prstGeom>
+          <a:ln w="19050">
+            <a:solidFill>
+              <a:schemeClr val="tx1"/>
+            </a:solidFill>
+          </a:ln>
+        </p:spPr>
+        <p:style>
+          <a:lnRef idx="1">
+            <a:schemeClr val="accent1"/>
+          </a:lnRef>
+          <a:fillRef idx="0">
+            <a:schemeClr val="accent1"/>
+          </a:fillRef>
+          <a:effectRef idx="0">
+            <a:schemeClr val="accent1"/>
+          </a:effectRef>
+          <a:fontRef idx="minor">
+            <a:schemeClr val="tx1"/>
+          </a:fontRef>
+        </p:style>
+      </p:cxnSp>
+      <p:sp>
+        <p:nvSpPr>
+          <p:cNvPr id="25" name="이등변 삼각형 24">
+            <a:extLst>
+              <a:ext uri="{FF2B5EF4-FFF2-40B4-BE49-F238E27FC236}">
+                <a16:creationId xmlns:a16="http://schemas.microsoft.com/office/drawing/2014/main" id="{9BA60AF9-C4D5-06D3-0878-18F323ADFCFC}"/>
+              </a:ext>
+            </a:extLst>
+          </p:cNvPr>
+          <p:cNvSpPr/>
+          <p:nvPr/>
+        </p:nvSpPr>
+        <p:spPr>
+          <a:xfrm rot="5400000">
+            <a:off x="7811714" y="5094498"/>
+            <a:ext cx="159390" cy="137405"/>
+          </a:xfrm>
+          <a:prstGeom prst="triangle">
+            <a:avLst/>
+          </a:prstGeom>
+          <a:solidFill>
+            <a:schemeClr val="tx1"/>
+          </a:solidFill>
+          <a:ln>
+            <a:noFill/>
+          </a:ln>
+        </p:spPr>
+        <p:style>
+          <a:lnRef idx="2">
+            <a:schemeClr val="accent1">
+              <a:shade val="50000"/>
+            </a:schemeClr>
+          </a:lnRef>
+          <a:fillRef idx="1">
+            <a:schemeClr val="accent1"/>
+          </a:fillRef>
+          <a:effectRef idx="0">
+            <a:schemeClr val="accent1"/>
+          </a:effectRef>
+          <a:fontRef idx="minor">
+            <a:schemeClr val="lt1"/>
+          </a:fontRef>
+        </p:style>
+        <p:txBody>
+          <a:bodyPr rtlCol="0" anchor="ctr"/>
+          <a:lstStyle/>
+          <a:p>
+            <a:pPr algn="ctr"/>
+            <a:endParaRPr lang="ko-KR" altLang="en-US"/>
+          </a:p>
+        </p:txBody>
+      </p:sp>
+      <p:sp>
+        <p:nvSpPr>
+          <p:cNvPr id="53" name="타원 52">
+            <a:extLst>
+              <a:ext uri="{FF2B5EF4-FFF2-40B4-BE49-F238E27FC236}">
+                <a16:creationId xmlns:a16="http://schemas.microsoft.com/office/drawing/2014/main" id="{C045F352-7431-705D-69A8-156CC46A107D}"/>
+              </a:ext>
+            </a:extLst>
+          </p:cNvPr>
+          <p:cNvSpPr/>
+          <p:nvPr/>
+        </p:nvSpPr>
+        <p:spPr>
+          <a:xfrm>
+            <a:off x="5753667" y="4647057"/>
+            <a:ext cx="276590" cy="269569"/>
+          </a:xfrm>
+          <a:prstGeom prst="ellipse">
+            <a:avLst/>
+          </a:prstGeom>
+          <a:solidFill>
+            <a:schemeClr val="bg2"/>
+          </a:solidFill>
+          <a:ln>
+            <a:noFill/>
+          </a:ln>
+        </p:spPr>
+        <p:style>
+          <a:lnRef idx="2">
+            <a:schemeClr val="accent1">
+              <a:shade val="50000"/>
+            </a:schemeClr>
+          </a:lnRef>
+          <a:fillRef idx="1">
+            <a:schemeClr val="accent1"/>
+          </a:fillRef>
+          <a:effectRef idx="0">
+            <a:schemeClr val="accent1"/>
+          </a:effectRef>
+          <a:fontRef idx="minor">
+            <a:schemeClr val="lt1"/>
+          </a:fontRef>
+        </p:style>
+        <p:txBody>
+          <a:bodyPr rtlCol="0" anchor="ctr"/>
+          <a:lstStyle/>
+          <a:p>
+            <a:pPr algn="ctr"/>
+            <a:endParaRPr lang="ko-KR" altLang="en-US" dirty="0"/>
+          </a:p>
+        </p:txBody>
+      </p:sp>
+      <p:pic>
+        <p:nvPicPr>
+          <p:cNvPr id="54" name="그래픽 53" descr="사용자 윤곽선">
+            <a:extLst>
+              <a:ext uri="{FF2B5EF4-FFF2-40B4-BE49-F238E27FC236}">
+                <a16:creationId xmlns:a16="http://schemas.microsoft.com/office/drawing/2014/main" id="{E400225B-4B1D-C804-4877-9241D6674E4C}"/>
+              </a:ext>
+            </a:extLst>
+          </p:cNvPr>
+          <p:cNvPicPr>
+            <a:picLocks noChangeAspect="1"/>
+          </p:cNvPicPr>
+          <p:nvPr/>
+        </p:nvPicPr>
+        <p:blipFill>
+          <a:blip r:embed="rId8">
+            <a:extLst>
+              <a:ext uri="{28A0092B-C50C-407E-A947-70E740481C1C}">
+                <a14:useLocalDpi xmlns:a14="http://schemas.microsoft.com/office/drawing/2010/main" val="0"/>
+              </a:ext>
+              <a:ext uri="{96DAC541-7B7A-43D3-8B79-37D633B846F1}">
+                <asvg:svgBlip xmlns:asvg="http://schemas.microsoft.com/office/drawing/2016/SVG/main" r:embed="rId9"/>
+              </a:ext>
+            </a:extLst>
+          </a:blip>
+          <a:stretch>
+            <a:fillRect/>
+          </a:stretch>
+        </p:blipFill>
+        <p:spPr>
+          <a:xfrm>
+            <a:off x="5762125" y="4647057"/>
+            <a:ext cx="266036" cy="266036"/>
+          </a:xfrm>
+          <a:prstGeom prst="rect">
+            <a:avLst/>
+          </a:prstGeom>
+        </p:spPr>
+      </p:pic>
+      <p:sp>
+        <p:nvSpPr>
+          <p:cNvPr id="55" name="직사각형 54">
+            <a:extLst>
+              <a:ext uri="{FF2B5EF4-FFF2-40B4-BE49-F238E27FC236}">
+                <a16:creationId xmlns:a16="http://schemas.microsoft.com/office/drawing/2014/main" id="{DB9E689F-A2BA-9F7C-CDDB-015E5C980817}"/>
+              </a:ext>
+            </a:extLst>
+          </p:cNvPr>
+          <p:cNvSpPr/>
+          <p:nvPr/>
+        </p:nvSpPr>
+        <p:spPr>
+          <a:xfrm>
+            <a:off x="8571956" y="1501629"/>
+            <a:ext cx="1862356" cy="3852199"/>
+          </a:xfrm>
+          <a:prstGeom prst="rect">
+            <a:avLst/>
+          </a:prstGeom>
+          <a:solidFill>
+            <a:schemeClr val="bg2">
+              <a:lumMod val="90000"/>
+            </a:schemeClr>
+          </a:solidFill>
+          <a:ln>
+            <a:solidFill>
+              <a:schemeClr val="tx1"/>
+            </a:solidFill>
+          </a:ln>
+        </p:spPr>
+        <p:style>
+          <a:lnRef idx="2">
+            <a:schemeClr val="accent1">
+              <a:shade val="50000"/>
+            </a:schemeClr>
+          </a:lnRef>
+          <a:fillRef idx="1">
+            <a:schemeClr val="accent1"/>
+          </a:fillRef>
+          <a:effectRef idx="0">
+            <a:schemeClr val="accent1"/>
+          </a:effectRef>
+          <a:fontRef idx="minor">
+            <a:schemeClr val="lt1"/>
+          </a:fontRef>
+        </p:style>
+        <p:txBody>
+          <a:bodyPr rtlCol="0" anchor="ctr"/>
+          <a:lstStyle/>
+          <a:p>
+            <a:pPr algn="ctr"/>
+            <a:endParaRPr lang="ko-KR" altLang="en-US"/>
+          </a:p>
+        </p:txBody>
+      </p:sp>
+      <p:sp>
+        <p:nvSpPr>
+          <p:cNvPr id="56" name="곱하기 기호 55">
+            <a:extLst>
+              <a:ext uri="{FF2B5EF4-FFF2-40B4-BE49-F238E27FC236}">
+                <a16:creationId xmlns:a16="http://schemas.microsoft.com/office/drawing/2014/main" id="{554A5536-648B-6DA8-2A25-5D9719BB9C9D}"/>
+              </a:ext>
+            </a:extLst>
+          </p:cNvPr>
+          <p:cNvSpPr/>
+          <p:nvPr/>
+        </p:nvSpPr>
+        <p:spPr>
+          <a:xfrm>
+            <a:off x="10182642" y="1585519"/>
+            <a:ext cx="201336" cy="184558"/>
+          </a:xfrm>
+          <a:prstGeom prst="mathMultiply">
+            <a:avLst/>
+          </a:prstGeom>
+          <a:solidFill>
+            <a:schemeClr val="tx1"/>
+          </a:solidFill>
+          <a:ln>
+            <a:noFill/>
+          </a:ln>
+        </p:spPr>
+        <p:style>
+          <a:lnRef idx="2">
+            <a:schemeClr val="accent1">
+              <a:shade val="50000"/>
+            </a:schemeClr>
+          </a:lnRef>
+          <a:fillRef idx="1">
+            <a:schemeClr val="accent1"/>
+          </a:fillRef>
+          <a:effectRef idx="0">
+            <a:schemeClr val="accent1"/>
+          </a:effectRef>
+          <a:fontRef idx="minor">
+            <a:schemeClr val="lt1"/>
+          </a:fontRef>
+        </p:style>
+        <p:txBody>
+          <a:bodyPr rtlCol="0" anchor="ctr"/>
+          <a:lstStyle/>
+          <a:p>
+            <a:pPr algn="ctr"/>
+            <a:endParaRPr lang="ko-KR" altLang="en-US"/>
+          </a:p>
+        </p:txBody>
+      </p:sp>
+      <p:sp>
+        <p:nvSpPr>
+          <p:cNvPr id="57" name="TextBox 56">
+            <a:extLst>
+              <a:ext uri="{FF2B5EF4-FFF2-40B4-BE49-F238E27FC236}">
+                <a16:creationId xmlns:a16="http://schemas.microsoft.com/office/drawing/2014/main" id="{A6969245-8135-6A6A-CEB2-67B0DCC047FA}"/>
+              </a:ext>
+            </a:extLst>
+          </p:cNvPr>
+          <p:cNvSpPr txBox="1"/>
+          <p:nvPr/>
+        </p:nvSpPr>
+        <p:spPr>
+          <a:xfrm>
+            <a:off x="9011934" y="1661020"/>
+            <a:ext cx="1044873" cy="276999"/>
+          </a:xfrm>
+          <a:prstGeom prst="rect">
+            <a:avLst/>
+          </a:prstGeom>
+          <a:noFill/>
+        </p:spPr>
+        <p:txBody>
+          <a:bodyPr wrap="square" rtlCol="0">
+            <a:spAutoFit/>
+          </a:bodyPr>
+          <a:lstStyle/>
+          <a:p>
+            <a:pPr algn="ctr"/>
+            <a:r>
+              <a:rPr lang="ko-KR" altLang="en-US" sz="1200" dirty="0"/>
+              <a:t>참여자</a:t>
+            </a:r>
+          </a:p>
+        </p:txBody>
+      </p:sp>
+      <p:sp>
+        <p:nvSpPr>
+          <p:cNvPr id="26" name="사각형: 둥근 모서리 25">
+            <a:extLst>
+              <a:ext uri="{FF2B5EF4-FFF2-40B4-BE49-F238E27FC236}">
+                <a16:creationId xmlns:a16="http://schemas.microsoft.com/office/drawing/2014/main" id="{13369085-E2A7-D934-DA9C-E4FF5184399B}"/>
+              </a:ext>
+            </a:extLst>
+          </p:cNvPr>
+          <p:cNvSpPr/>
+          <p:nvPr/>
+        </p:nvSpPr>
+        <p:spPr>
+          <a:xfrm>
+            <a:off x="6234389" y="4748168"/>
+            <a:ext cx="1208015" cy="190845"/>
+          </a:xfrm>
+          <a:prstGeom prst="roundRect">
+            <a:avLst/>
+          </a:prstGeom>
+          <a:solidFill>
+            <a:schemeClr val="bg2">
+              <a:lumMod val="75000"/>
+            </a:schemeClr>
+          </a:solidFill>
+          <a:ln>
+            <a:solidFill>
+              <a:schemeClr val="tx1"/>
+            </a:solidFill>
+          </a:ln>
+        </p:spPr>
+        <p:style>
+          <a:lnRef idx="2">
+            <a:schemeClr val="accent1">
+              <a:shade val="50000"/>
+            </a:schemeClr>
+          </a:lnRef>
+          <a:fillRef idx="1">
+            <a:schemeClr val="accent1"/>
+          </a:fillRef>
+          <a:effectRef idx="0">
+            <a:schemeClr val="accent1"/>
+          </a:effectRef>
+          <a:fontRef idx="minor">
+            <a:schemeClr val="lt1"/>
+          </a:fontRef>
+        </p:style>
+        <p:txBody>
+          <a:bodyPr rtlCol="0" anchor="ctr"/>
+          <a:lstStyle/>
+          <a:p>
+            <a:r>
+              <a:rPr lang="en-US" altLang="ko-KR" sz="1000" dirty="0"/>
+              <a:t>(</a:t>
+            </a:r>
+            <a:r>
+              <a:rPr lang="ko-KR" altLang="en-US" sz="1000" dirty="0"/>
+              <a:t>모두</a:t>
+            </a:r>
+            <a:r>
+              <a:rPr lang="en-US" altLang="ko-KR" sz="1000" dirty="0"/>
+              <a:t>)</a:t>
+            </a:r>
+            <a:r>
+              <a:rPr lang="ko-KR" altLang="en-US" sz="1000" dirty="0"/>
+              <a:t>         에게</a:t>
+            </a:r>
+          </a:p>
+        </p:txBody>
+      </p:sp>
+      <p:sp>
+        <p:nvSpPr>
+          <p:cNvPr id="27" name="이등변 삼각형 26">
+            <a:extLst>
+              <a:ext uri="{FF2B5EF4-FFF2-40B4-BE49-F238E27FC236}">
+                <a16:creationId xmlns:a16="http://schemas.microsoft.com/office/drawing/2014/main" id="{B6563FA0-D387-99F6-CA01-D055E8C99E04}"/>
+              </a:ext>
+            </a:extLst>
+          </p:cNvPr>
+          <p:cNvSpPr/>
+          <p:nvPr/>
+        </p:nvSpPr>
+        <p:spPr>
+          <a:xfrm flipV="1">
+            <a:off x="6742118" y="4811982"/>
+            <a:ext cx="67112" cy="85126"/>
+          </a:xfrm>
+          <a:prstGeom prst="triangle">
+            <a:avLst/>
+          </a:prstGeom>
+          <a:solidFill>
+            <a:schemeClr val="tx1"/>
+          </a:solidFill>
+          <a:ln>
+            <a:noFill/>
+          </a:ln>
+        </p:spPr>
+        <p:style>
+          <a:lnRef idx="2">
+            <a:schemeClr val="accent1">
+              <a:shade val="50000"/>
+            </a:schemeClr>
+          </a:lnRef>
+          <a:fillRef idx="1">
+            <a:schemeClr val="accent1"/>
+          </a:fillRef>
+          <a:effectRef idx="0">
+            <a:schemeClr val="accent1"/>
+          </a:effectRef>
+          <a:fontRef idx="minor">
+            <a:schemeClr val="lt1"/>
+          </a:fontRef>
+        </p:style>
+        <p:txBody>
+          <a:bodyPr rtlCol="0" anchor="ctr"/>
+          <a:lstStyle/>
+          <a:p>
+            <a:pPr algn="ctr"/>
+            <a:endParaRPr lang="ko-KR" altLang="en-US"/>
+          </a:p>
+        </p:txBody>
+      </p:sp>
+    </p:spTree>
+    <p:extLst>
+      <p:ext uri="{BB962C8B-B14F-4D97-AF65-F5344CB8AC3E}">
+        <p14:creationId xmlns:p14="http://schemas.microsoft.com/office/powerpoint/2010/main" val="100081353"/>
+      </p:ext>
+    </p:extLst>
+  </p:cSld>
+  <p:clrMapOvr>
+    <a:masterClrMapping/>
+  </p:clrMapOvr>
+</p:sld>
+</file>
+
 <file path=ppt/slides/slide2.xml><?xml version="1.0" encoding="utf-8"?>
 <p:sld xmlns:a="http://schemas.openxmlformats.org/drawingml/2006/main" xmlns:r="http://schemas.openxmlformats.org/officeDocument/2006/relationships" xmlns:p="http://schemas.openxmlformats.org/presentationml/2006/main">
   <p:cSld>
@@ -4177,7 +5607,7 @@
         </p:blipFill>
         <p:spPr>
           <a:xfrm>
-            <a:off x="0" y="3210186"/>
+            <a:off x="0" y="3162877"/>
             <a:ext cx="2303528" cy="3695123"/>
           </a:xfrm>
           <a:prstGeom prst="rect">
@@ -4247,382 +5677,6 @@
               <a:t>footer</a:t>
             </a:r>
             <a:endParaRPr lang="ko-KR" altLang="en-US" sz="1400" dirty="0">
-              <a:solidFill>
-                <a:schemeClr val="tx1"/>
-              </a:solidFill>
-              <a:latin typeface="여기어때 잘난체" panose="020B0600000101010101" pitchFamily="50" charset="-127"/>
-              <a:ea typeface="여기어때 잘난체" panose="020B0600000101010101" pitchFamily="50" charset="-127"/>
-            </a:endParaRPr>
-          </a:p>
-        </p:txBody>
-      </p:sp>
-      <p:sp>
-        <p:nvSpPr>
-          <p:cNvPr id="28" name="직사각형 27">
-            <a:extLst>
-              <a:ext uri="{FF2B5EF4-FFF2-40B4-BE49-F238E27FC236}">
-                <a16:creationId xmlns:a16="http://schemas.microsoft.com/office/drawing/2014/main" id="{EBA9BE26-54D4-8AF4-3579-85D3C7F585FC}"/>
-              </a:ext>
-            </a:extLst>
-          </p:cNvPr>
-          <p:cNvSpPr/>
-          <p:nvPr/>
-        </p:nvSpPr>
-        <p:spPr>
-          <a:xfrm>
-            <a:off x="7482124" y="978935"/>
-            <a:ext cx="3240000" cy="5112627"/>
-          </a:xfrm>
-          <a:prstGeom prst="rect">
-            <a:avLst/>
-          </a:prstGeom>
-          <a:noFill/>
-          <a:ln>
-            <a:solidFill>
-              <a:schemeClr val="tx1"/>
-            </a:solidFill>
-          </a:ln>
-        </p:spPr>
-        <p:style>
-          <a:lnRef idx="2">
-            <a:schemeClr val="accent1">
-              <a:shade val="50000"/>
-            </a:schemeClr>
-          </a:lnRef>
-          <a:fillRef idx="1">
-            <a:schemeClr val="accent1"/>
-          </a:fillRef>
-          <a:effectRef idx="0">
-            <a:schemeClr val="accent1"/>
-          </a:effectRef>
-          <a:fontRef idx="minor">
-            <a:schemeClr val="lt1"/>
-          </a:fontRef>
-        </p:style>
-        <p:txBody>
-          <a:bodyPr rtlCol="0" anchor="ctr"/>
-          <a:lstStyle/>
-          <a:p>
-            <a:pPr algn="ctr"/>
-            <a:endParaRPr lang="ko-KR" altLang="en-US" dirty="0">
-              <a:solidFill>
-                <a:schemeClr val="tx1"/>
-              </a:solidFill>
-            </a:endParaRPr>
-          </a:p>
-        </p:txBody>
-      </p:sp>
-      <p:sp>
-        <p:nvSpPr>
-          <p:cNvPr id="29" name="TextBox 28">
-            <a:extLst>
-              <a:ext uri="{FF2B5EF4-FFF2-40B4-BE49-F238E27FC236}">
-                <a16:creationId xmlns:a16="http://schemas.microsoft.com/office/drawing/2014/main" id="{1616DF13-52D5-AE4F-278A-3C2C530A2525}"/>
-              </a:ext>
-            </a:extLst>
-          </p:cNvPr>
-          <p:cNvSpPr txBox="1"/>
-          <p:nvPr/>
-        </p:nvSpPr>
-        <p:spPr>
-          <a:xfrm>
-            <a:off x="6063213" y="233116"/>
-            <a:ext cx="6094602" cy="369332"/>
-          </a:xfrm>
-          <a:prstGeom prst="rect">
-            <a:avLst/>
-          </a:prstGeom>
-          <a:noFill/>
-        </p:spPr>
-        <p:txBody>
-          <a:bodyPr wrap="square">
-            <a:spAutoFit/>
-          </a:bodyPr>
-          <a:lstStyle/>
-          <a:p>
-            <a:pPr algn="ctr"/>
-            <a:r>
-              <a:rPr lang="ko-KR" altLang="en-US" dirty="0">
-                <a:solidFill>
-                  <a:schemeClr val="tx1"/>
-                </a:solidFill>
-              </a:rPr>
-              <a:t>대기 페이지</a:t>
-            </a:r>
-          </a:p>
-        </p:txBody>
-      </p:sp>
-      <p:sp>
-        <p:nvSpPr>
-          <p:cNvPr id="30" name="직사각형 29">
-            <a:extLst>
-              <a:ext uri="{FF2B5EF4-FFF2-40B4-BE49-F238E27FC236}">
-                <a16:creationId xmlns:a16="http://schemas.microsoft.com/office/drawing/2014/main" id="{7F13042D-860A-6ADE-C47D-53EC0D6CFD70}"/>
-              </a:ext>
-            </a:extLst>
-          </p:cNvPr>
-          <p:cNvSpPr/>
-          <p:nvPr/>
-        </p:nvSpPr>
-        <p:spPr>
-          <a:xfrm>
-            <a:off x="8196113" y="1912318"/>
-            <a:ext cx="1828800" cy="519868"/>
-          </a:xfrm>
-          <a:prstGeom prst="rect">
-            <a:avLst/>
-          </a:prstGeom>
-          <a:solidFill>
-            <a:schemeClr val="accent2">
-              <a:lumMod val="20000"/>
-              <a:lumOff val="80000"/>
-            </a:schemeClr>
-          </a:solidFill>
-          <a:ln>
-            <a:noFill/>
-          </a:ln>
-        </p:spPr>
-        <p:style>
-          <a:lnRef idx="2">
-            <a:schemeClr val="accent1">
-              <a:shade val="50000"/>
-            </a:schemeClr>
-          </a:lnRef>
-          <a:fillRef idx="1">
-            <a:schemeClr val="accent1"/>
-          </a:fillRef>
-          <a:effectRef idx="0">
-            <a:schemeClr val="accent1"/>
-          </a:effectRef>
-          <a:fontRef idx="minor">
-            <a:schemeClr val="lt1"/>
-          </a:fontRef>
-        </p:style>
-        <p:txBody>
-          <a:bodyPr rtlCol="0" anchor="ctr"/>
-          <a:lstStyle/>
-          <a:p>
-            <a:pPr algn="ctr"/>
-            <a:r>
-              <a:rPr lang="ko-KR" altLang="en-US" sz="1600" dirty="0">
-                <a:solidFill>
-                  <a:schemeClr val="tx1"/>
-                </a:solidFill>
-                <a:latin typeface="여기어때 잘난체" panose="020B0600000101010101" pitchFamily="50" charset="-127"/>
-                <a:ea typeface="여기어때 잘난체" panose="020B0600000101010101" pitchFamily="50" charset="-127"/>
-              </a:rPr>
-              <a:t>사이트 로고</a:t>
-            </a:r>
-          </a:p>
-        </p:txBody>
-      </p:sp>
-      <p:sp>
-        <p:nvSpPr>
-          <p:cNvPr id="33" name="직사각형 32">
-            <a:extLst>
-              <a:ext uri="{FF2B5EF4-FFF2-40B4-BE49-F238E27FC236}">
-                <a16:creationId xmlns:a16="http://schemas.microsoft.com/office/drawing/2014/main" id="{ABA97CF3-E2BD-E676-D341-AC203113D055}"/>
-              </a:ext>
-            </a:extLst>
-          </p:cNvPr>
-          <p:cNvSpPr/>
-          <p:nvPr/>
-        </p:nvSpPr>
-        <p:spPr>
-          <a:xfrm>
-            <a:off x="7991828" y="3011649"/>
-            <a:ext cx="2234266" cy="835034"/>
-          </a:xfrm>
-          <a:prstGeom prst="rect">
-            <a:avLst/>
-          </a:prstGeom>
-          <a:solidFill>
-            <a:schemeClr val="accent2">
-              <a:lumMod val="20000"/>
-              <a:lumOff val="80000"/>
-            </a:schemeClr>
-          </a:solidFill>
-          <a:ln>
-            <a:noFill/>
-          </a:ln>
-        </p:spPr>
-        <p:style>
-          <a:lnRef idx="2">
-            <a:schemeClr val="accent1">
-              <a:shade val="50000"/>
-            </a:schemeClr>
-          </a:lnRef>
-          <a:fillRef idx="1">
-            <a:schemeClr val="accent1"/>
-          </a:fillRef>
-          <a:effectRef idx="0">
-            <a:schemeClr val="accent1"/>
-          </a:effectRef>
-          <a:fontRef idx="minor">
-            <a:schemeClr val="lt1"/>
-          </a:fontRef>
-        </p:style>
-        <p:txBody>
-          <a:bodyPr rtlCol="0" anchor="ctr"/>
-          <a:lstStyle/>
-          <a:p>
-            <a:pPr algn="ctr"/>
-            <a:r>
-              <a:rPr lang="ko-KR" altLang="en-US" sz="1200" dirty="0">
-                <a:solidFill>
-                  <a:schemeClr val="tx1"/>
-                </a:solidFill>
-                <a:latin typeface="여기어때 잘난체" panose="020B0600000101010101" pitchFamily="50" charset="-127"/>
-                <a:ea typeface="여기어때 잘난체" panose="020B0600000101010101" pitchFamily="50" charset="-127"/>
-              </a:rPr>
-              <a:t>이메일 인증을 완료해주세요</a:t>
-            </a:r>
-            <a:r>
-              <a:rPr lang="en-US" altLang="ko-KR" sz="1200" dirty="0">
-                <a:solidFill>
-                  <a:schemeClr val="tx1"/>
-                </a:solidFill>
-                <a:latin typeface="여기어때 잘난체" panose="020B0600000101010101" pitchFamily="50" charset="-127"/>
-                <a:ea typeface="여기어때 잘난체" panose="020B0600000101010101" pitchFamily="50" charset="-127"/>
-              </a:rPr>
-              <a:t>.</a:t>
-            </a:r>
-          </a:p>
-        </p:txBody>
-      </p:sp>
-      <p:sp>
-        <p:nvSpPr>
-          <p:cNvPr id="36" name="직사각형 35">
-            <a:extLst>
-              <a:ext uri="{FF2B5EF4-FFF2-40B4-BE49-F238E27FC236}">
-                <a16:creationId xmlns:a16="http://schemas.microsoft.com/office/drawing/2014/main" id="{4D5DAE45-3440-59F0-EFDA-7FA4601DF8AB}"/>
-              </a:ext>
-            </a:extLst>
-          </p:cNvPr>
-          <p:cNvSpPr/>
-          <p:nvPr/>
-        </p:nvSpPr>
-        <p:spPr>
-          <a:xfrm>
-            <a:off x="7490513" y="5870676"/>
-            <a:ext cx="3231611" cy="212496"/>
-          </a:xfrm>
-          <a:prstGeom prst="rect">
-            <a:avLst/>
-          </a:prstGeom>
-          <a:solidFill>
-            <a:schemeClr val="accent2">
-              <a:lumMod val="20000"/>
-              <a:lumOff val="80000"/>
-            </a:schemeClr>
-          </a:solidFill>
-          <a:ln>
-            <a:noFill/>
-          </a:ln>
-        </p:spPr>
-        <p:style>
-          <a:lnRef idx="2">
-            <a:schemeClr val="accent1">
-              <a:shade val="50000"/>
-            </a:schemeClr>
-          </a:lnRef>
-          <a:fillRef idx="1">
-            <a:schemeClr val="accent1"/>
-          </a:fillRef>
-          <a:effectRef idx="0">
-            <a:schemeClr val="accent1"/>
-          </a:effectRef>
-          <a:fontRef idx="minor">
-            <a:schemeClr val="lt1"/>
-          </a:fontRef>
-        </p:style>
-        <p:txBody>
-          <a:bodyPr rtlCol="0" anchor="ctr"/>
-          <a:lstStyle/>
-          <a:p>
-            <a:pPr algn="ctr"/>
-            <a:r>
-              <a:rPr lang="en-US" altLang="ko-KR" sz="1400" dirty="0">
-                <a:solidFill>
-                  <a:schemeClr val="tx1"/>
-                </a:solidFill>
-                <a:latin typeface="여기어때 잘난체" panose="020B0600000101010101" pitchFamily="50" charset="-127"/>
-                <a:ea typeface="여기어때 잘난체" panose="020B0600000101010101" pitchFamily="50" charset="-127"/>
-              </a:rPr>
-              <a:t>footer</a:t>
-            </a:r>
-            <a:endParaRPr lang="ko-KR" altLang="en-US" sz="1400" dirty="0">
-              <a:solidFill>
-                <a:schemeClr val="tx1"/>
-              </a:solidFill>
-              <a:latin typeface="여기어때 잘난체" panose="020B0600000101010101" pitchFamily="50" charset="-127"/>
-              <a:ea typeface="여기어때 잘난체" panose="020B0600000101010101" pitchFamily="50" charset="-127"/>
-            </a:endParaRPr>
-          </a:p>
-        </p:txBody>
-      </p:sp>
-      <p:sp>
-        <p:nvSpPr>
-          <p:cNvPr id="37" name="직사각형 36">
-            <a:extLst>
-              <a:ext uri="{FF2B5EF4-FFF2-40B4-BE49-F238E27FC236}">
-                <a16:creationId xmlns:a16="http://schemas.microsoft.com/office/drawing/2014/main" id="{E327E613-8D92-3AE3-2013-2FF24D27CA55}"/>
-              </a:ext>
-            </a:extLst>
-          </p:cNvPr>
-          <p:cNvSpPr/>
-          <p:nvPr/>
-        </p:nvSpPr>
-        <p:spPr>
-          <a:xfrm>
-            <a:off x="7991828" y="4403574"/>
-            <a:ext cx="2234266" cy="212496"/>
-          </a:xfrm>
-          <a:prstGeom prst="rect">
-            <a:avLst/>
-          </a:prstGeom>
-          <a:solidFill>
-            <a:schemeClr val="accent2">
-              <a:lumMod val="20000"/>
-              <a:lumOff val="80000"/>
-            </a:schemeClr>
-          </a:solidFill>
-          <a:ln>
-            <a:noFill/>
-          </a:ln>
-        </p:spPr>
-        <p:style>
-          <a:lnRef idx="2">
-            <a:schemeClr val="accent1">
-              <a:shade val="50000"/>
-            </a:schemeClr>
-          </a:lnRef>
-          <a:fillRef idx="1">
-            <a:schemeClr val="accent1"/>
-          </a:fillRef>
-          <a:effectRef idx="0">
-            <a:schemeClr val="accent1"/>
-          </a:effectRef>
-          <a:fontRef idx="minor">
-            <a:schemeClr val="lt1"/>
-          </a:fontRef>
-        </p:style>
-        <p:txBody>
-          <a:bodyPr rtlCol="0" anchor="ctr"/>
-          <a:lstStyle/>
-          <a:p>
-            <a:pPr algn="ctr"/>
-            <a:r>
-              <a:rPr lang="ko-KR" altLang="en-US" sz="1200" dirty="0">
-                <a:solidFill>
-                  <a:schemeClr val="tx1"/>
-                </a:solidFill>
-                <a:latin typeface="여기어때 잘난체" panose="020B0600000101010101" pitchFamily="50" charset="-127"/>
-                <a:ea typeface="여기어때 잘난체" panose="020B0600000101010101" pitchFamily="50" charset="-127"/>
-              </a:rPr>
-              <a:t>이메일 다시 보내기</a:t>
-            </a:r>
-            <a:endParaRPr lang="en-US" altLang="ko-KR" sz="1200" dirty="0">
               <a:solidFill>
                 <a:schemeClr val="tx1"/>
               </a:solidFill>
@@ -4853,7 +5907,7 @@
         </p:nvSpPr>
         <p:spPr>
           <a:xfrm>
-            <a:off x="1228986" y="3242486"/>
+            <a:off x="1228986" y="3460634"/>
             <a:ext cx="2234267" cy="212496"/>
           </a:xfrm>
           <a:prstGeom prst="rect">
@@ -5204,7 +6258,7 @@
         </p:nvSpPr>
         <p:spPr>
           <a:xfrm>
-            <a:off x="1228986" y="3527246"/>
+            <a:off x="1228986" y="3745394"/>
             <a:ext cx="2234267" cy="212496"/>
           </a:xfrm>
           <a:prstGeom prst="rect">
@@ -5366,7 +6420,7 @@
         </p:nvSpPr>
         <p:spPr>
           <a:xfrm>
-            <a:off x="1228985" y="4097486"/>
+            <a:off x="1228985" y="4315634"/>
             <a:ext cx="2234267" cy="212496"/>
           </a:xfrm>
           <a:prstGeom prst="rect">
@@ -5447,7 +6501,7 @@
         </p:nvSpPr>
         <p:spPr>
           <a:xfrm>
-            <a:off x="1228985" y="4289659"/>
+            <a:off x="1228985" y="4507807"/>
             <a:ext cx="2234267" cy="152044"/>
           </a:xfrm>
           <a:prstGeom prst="rect">
@@ -5553,7 +6607,7 @@
         </p:nvSpPr>
         <p:spPr>
           <a:xfrm>
-            <a:off x="1228986" y="3803849"/>
+            <a:off x="1228986" y="4021997"/>
             <a:ext cx="1036042" cy="212496"/>
           </a:xfrm>
           <a:prstGeom prst="rect">
@@ -5624,7 +6678,7 @@
         </p:nvSpPr>
         <p:spPr>
           <a:xfrm>
-            <a:off x="2434048" y="3803849"/>
+            <a:off x="2434048" y="4021997"/>
             <a:ext cx="1036042" cy="212496"/>
           </a:xfrm>
           <a:prstGeom prst="rect">
@@ -6681,6 +7735,143 @@
                 <a:ea typeface="여기어때 잘난체" panose="020B0600000101010101" pitchFamily="50" charset="-127"/>
               </a:rPr>
               <a:t>:	 </a:t>
+            </a:r>
+            <a:endParaRPr lang="ko-KR" altLang="en-US" sz="1100" dirty="0">
+              <a:solidFill>
+                <a:schemeClr val="tx1"/>
+              </a:solidFill>
+              <a:latin typeface="여기어때 잘난체" panose="020B0600000101010101" pitchFamily="50" charset="-127"/>
+              <a:ea typeface="여기어때 잘난체" panose="020B0600000101010101" pitchFamily="50" charset="-127"/>
+            </a:endParaRPr>
+          </a:p>
+        </p:txBody>
+      </p:sp>
+      <p:sp>
+        <p:nvSpPr>
+          <p:cNvPr id="53" name="직사각형 52">
+            <a:extLst>
+              <a:ext uri="{FF2B5EF4-FFF2-40B4-BE49-F238E27FC236}">
+                <a16:creationId xmlns:a16="http://schemas.microsoft.com/office/drawing/2014/main" id="{D767CE6C-A2A4-A617-BEEB-362AFFB9C68C}"/>
+              </a:ext>
+            </a:extLst>
+          </p:cNvPr>
+          <p:cNvSpPr/>
+          <p:nvPr/>
+        </p:nvSpPr>
+        <p:spPr>
+          <a:xfrm>
+            <a:off x="2994870" y="2982469"/>
+            <a:ext cx="468382" cy="176893"/>
+          </a:xfrm>
+          <a:prstGeom prst="rect">
+            <a:avLst/>
+          </a:prstGeom>
+          <a:solidFill>
+            <a:schemeClr val="bg2"/>
+          </a:solidFill>
+          <a:ln>
+            <a:noFill/>
+          </a:ln>
+        </p:spPr>
+        <p:style>
+          <a:lnRef idx="2">
+            <a:schemeClr val="accent1">
+              <a:shade val="50000"/>
+            </a:schemeClr>
+          </a:lnRef>
+          <a:fillRef idx="1">
+            <a:schemeClr val="accent1"/>
+          </a:fillRef>
+          <a:effectRef idx="0">
+            <a:schemeClr val="accent1"/>
+          </a:effectRef>
+          <a:fontRef idx="minor">
+            <a:schemeClr val="lt1"/>
+          </a:fontRef>
+        </p:style>
+        <p:txBody>
+          <a:bodyPr rtlCol="0" anchor="ctr"/>
+          <a:lstStyle/>
+          <a:p>
+            <a:pPr algn="ctr"/>
+            <a:r>
+              <a:rPr lang="ko-KR" altLang="en-US" sz="500"/>
+              <a:t>인증하기</a:t>
+            </a:r>
+            <a:endParaRPr lang="ko-KR" altLang="en-US" sz="500" dirty="0"/>
+          </a:p>
+        </p:txBody>
+      </p:sp>
+      <p:sp>
+        <p:nvSpPr>
+          <p:cNvPr id="54" name="직사각형 53">
+            <a:extLst>
+              <a:ext uri="{FF2B5EF4-FFF2-40B4-BE49-F238E27FC236}">
+                <a16:creationId xmlns:a16="http://schemas.microsoft.com/office/drawing/2014/main" id="{2792CA4E-5AF9-FD86-1871-8602161CCE2B}"/>
+              </a:ext>
+            </a:extLst>
+          </p:cNvPr>
+          <p:cNvSpPr/>
+          <p:nvPr/>
+        </p:nvSpPr>
+        <p:spPr>
+          <a:xfrm>
+            <a:off x="1228986" y="3183728"/>
+            <a:ext cx="2234268" cy="212496"/>
+          </a:xfrm>
+          <a:prstGeom prst="rect">
+            <a:avLst/>
+          </a:prstGeom>
+          <a:solidFill>
+            <a:schemeClr val="accent2">
+              <a:lumMod val="20000"/>
+              <a:lumOff val="80000"/>
+            </a:schemeClr>
+          </a:solidFill>
+          <a:ln>
+            <a:noFill/>
+          </a:ln>
+        </p:spPr>
+        <p:style>
+          <a:lnRef idx="2">
+            <a:schemeClr val="accent1">
+              <a:shade val="50000"/>
+            </a:schemeClr>
+          </a:lnRef>
+          <a:fillRef idx="1">
+            <a:schemeClr val="accent1"/>
+          </a:fillRef>
+          <a:effectRef idx="0">
+            <a:schemeClr val="accent1"/>
+          </a:effectRef>
+          <a:fontRef idx="minor">
+            <a:schemeClr val="lt1"/>
+          </a:fontRef>
+        </p:style>
+        <p:txBody>
+          <a:bodyPr rtlCol="0" anchor="ctr"/>
+          <a:lstStyle/>
+          <a:p>
+            <a:pPr algn="ctr"/>
+            <a:r>
+              <a:rPr lang="ko-KR" altLang="en-US" sz="1100" dirty="0">
+                <a:solidFill>
+                  <a:schemeClr val="tx1"/>
+                </a:solidFill>
+                <a:latin typeface="여기어때 잘난체" panose="020B0600000101010101" pitchFamily="50" charset="-127"/>
+                <a:ea typeface="여기어때 잘난체" panose="020B0600000101010101" pitchFamily="50" charset="-127"/>
+              </a:rPr>
+              <a:t>인증번호</a:t>
+            </a:r>
+            <a:r>
+              <a:rPr lang="en-US" altLang="ko-KR" sz="1100" dirty="0">
+                <a:solidFill>
+                  <a:schemeClr val="tx1"/>
+                </a:solidFill>
+                <a:latin typeface="여기어때 잘난체" panose="020B0600000101010101" pitchFamily="50" charset="-127"/>
+                <a:ea typeface="여기어때 잘난체" panose="020B0600000101010101" pitchFamily="50" charset="-127"/>
+              </a:rPr>
+              <a:t>:		 </a:t>
             </a:r>
             <a:endParaRPr lang="ko-KR" altLang="en-US" sz="1100" dirty="0">
               <a:solidFill>
@@ -25067,8 +26258,8 @@
         </p:nvCxnSpPr>
         <p:spPr>
           <a:xfrm>
-            <a:off x="4239755" y="2541486"/>
-            <a:ext cx="5233777" cy="0"/>
+            <a:off x="6065651" y="2541486"/>
+            <a:ext cx="3382856" cy="0"/>
           </a:xfrm>
           <a:prstGeom prst="line">
             <a:avLst/>
@@ -28279,80 +29470,28 @@
       </p:grpSpPr>
       <p:sp>
         <p:nvSpPr>
-          <p:cNvPr id="108" name="직사각형 107">
-            <a:extLst>
-              <a:ext uri="{FF2B5EF4-FFF2-40B4-BE49-F238E27FC236}">
-                <a16:creationId xmlns:a16="http://schemas.microsoft.com/office/drawing/2014/main" id="{59A0B232-1698-C470-F821-4527CBEE259F}"/>
-              </a:ext>
-            </a:extLst>
-          </p:cNvPr>
-          <p:cNvSpPr/>
-          <p:nvPr/>
-        </p:nvSpPr>
-        <p:spPr>
-          <a:xfrm>
-            <a:off x="9731117" y="817233"/>
-            <a:ext cx="2322597" cy="609654"/>
-          </a:xfrm>
-          <a:prstGeom prst="rect">
-            <a:avLst/>
-          </a:prstGeom>
-          <a:solidFill>
-            <a:srgbClr val="FBE5D6"/>
-          </a:solidFill>
-          <a:ln>
-            <a:solidFill>
-              <a:schemeClr val="tx1"/>
-            </a:solidFill>
-          </a:ln>
-        </p:spPr>
-        <p:style>
-          <a:lnRef idx="2">
-            <a:schemeClr val="accent1">
-              <a:shade val="50000"/>
-            </a:schemeClr>
-          </a:lnRef>
-          <a:fillRef idx="1">
-            <a:schemeClr val="accent1"/>
-          </a:fillRef>
-          <a:effectRef idx="0">
-            <a:schemeClr val="accent1"/>
-          </a:effectRef>
-          <a:fontRef idx="minor">
-            <a:schemeClr val="lt1"/>
-          </a:fontRef>
-        </p:style>
-        <p:txBody>
-          <a:bodyPr rtlCol="0" anchor="ctr"/>
-          <a:lstStyle/>
-          <a:p>
-            <a:pPr algn="ctr"/>
-            <a:endParaRPr lang="ko-KR" altLang="en-US"/>
-          </a:p>
-        </p:txBody>
-      </p:sp>
-      <p:sp>
-        <p:nvSpPr>
-          <p:cNvPr id="107" name="직사각형 106">
-            <a:extLst>
-              <a:ext uri="{FF2B5EF4-FFF2-40B4-BE49-F238E27FC236}">
-                <a16:creationId xmlns:a16="http://schemas.microsoft.com/office/drawing/2014/main" id="{477F9B23-495F-0305-6666-8229085517CF}"/>
-              </a:ext>
-            </a:extLst>
-          </p:cNvPr>
-          <p:cNvSpPr/>
-          <p:nvPr/>
-        </p:nvSpPr>
-        <p:spPr>
-          <a:xfrm>
-            <a:off x="5963816" y="817233"/>
-            <a:ext cx="3613975" cy="609654"/>
-          </a:xfrm>
-          <a:prstGeom prst="rect">
-            <a:avLst/>
-          </a:prstGeom>
-          <a:solidFill>
-            <a:srgbClr val="FBE5D6"/>
+          <p:cNvPr id="5" name="직사각형 4">
+            <a:extLst>
+              <a:ext uri="{FF2B5EF4-FFF2-40B4-BE49-F238E27FC236}">
+                <a16:creationId xmlns:a16="http://schemas.microsoft.com/office/drawing/2014/main" id="{A839BB2E-252A-A36C-DD9F-C1B8CBB187BC}"/>
+              </a:ext>
+            </a:extLst>
+          </p:cNvPr>
+          <p:cNvSpPr/>
+          <p:nvPr/>
+        </p:nvSpPr>
+        <p:spPr>
+          <a:xfrm>
+            <a:off x="2044789" y="2212874"/>
+            <a:ext cx="1862356" cy="2328432"/>
+          </a:xfrm>
+          <a:prstGeom prst="rect">
+            <a:avLst/>
+          </a:prstGeom>
+          <a:solidFill>
+            <a:schemeClr val="bg2">
+              <a:lumMod val="75000"/>
+            </a:schemeClr>
           </a:solidFill>
           <a:ln>
             <a:solidFill>
@@ -28613,1135 +29752,6 @@
       </p:sp>
       <p:sp>
         <p:nvSpPr>
-          <p:cNvPr id="2" name="직사각형 1">
-            <a:extLst>
-              <a:ext uri="{FF2B5EF4-FFF2-40B4-BE49-F238E27FC236}">
-                <a16:creationId xmlns:a16="http://schemas.microsoft.com/office/drawing/2014/main" id="{95D9D32B-6234-AECB-8F57-11E06F51C1C6}"/>
-              </a:ext>
-            </a:extLst>
-          </p:cNvPr>
-          <p:cNvSpPr/>
-          <p:nvPr/>
-        </p:nvSpPr>
-        <p:spPr>
-          <a:xfrm>
-            <a:off x="390265" y="2635439"/>
-            <a:ext cx="1569185" cy="1912209"/>
-          </a:xfrm>
-          <a:prstGeom prst="rect">
-            <a:avLst/>
-          </a:prstGeom>
-          <a:solidFill>
-            <a:schemeClr val="bg1">
-              <a:lumMod val="95000"/>
-            </a:schemeClr>
-          </a:solidFill>
-          <a:ln>
-            <a:solidFill>
-              <a:schemeClr val="tx1"/>
-            </a:solidFill>
-          </a:ln>
-        </p:spPr>
-        <p:style>
-          <a:lnRef idx="2">
-            <a:schemeClr val="accent1">
-              <a:shade val="50000"/>
-            </a:schemeClr>
-          </a:lnRef>
-          <a:fillRef idx="1">
-            <a:schemeClr val="accent1"/>
-          </a:fillRef>
-          <a:effectRef idx="0">
-            <a:schemeClr val="accent1"/>
-          </a:effectRef>
-          <a:fontRef idx="minor">
-            <a:schemeClr val="lt1"/>
-          </a:fontRef>
-        </p:style>
-        <p:txBody>
-          <a:bodyPr rtlCol="0" anchor="ctr"/>
-          <a:lstStyle/>
-          <a:p>
-            <a:pPr algn="ctr"/>
-            <a:endParaRPr lang="ko-KR" altLang="en-US" dirty="0"/>
-          </a:p>
-        </p:txBody>
-      </p:sp>
-      <p:sp>
-        <p:nvSpPr>
-          <p:cNvPr id="35" name="직사각형 34">
-            <a:extLst>
-              <a:ext uri="{FF2B5EF4-FFF2-40B4-BE49-F238E27FC236}">
-                <a16:creationId xmlns:a16="http://schemas.microsoft.com/office/drawing/2014/main" id="{07EEF75D-2088-CB9E-6515-EDE48A8C8664}"/>
-              </a:ext>
-            </a:extLst>
-          </p:cNvPr>
-          <p:cNvSpPr/>
-          <p:nvPr/>
-        </p:nvSpPr>
-        <p:spPr>
-          <a:xfrm>
-            <a:off x="470181" y="4103183"/>
-            <a:ext cx="738231" cy="146768"/>
-          </a:xfrm>
-          <a:prstGeom prst="rect">
-            <a:avLst/>
-          </a:prstGeom>
-          <a:solidFill>
-            <a:schemeClr val="bg1"/>
-          </a:solidFill>
-          <a:ln>
-            <a:solidFill>
-              <a:schemeClr val="tx1"/>
-            </a:solidFill>
-          </a:ln>
-        </p:spPr>
-        <p:style>
-          <a:lnRef idx="2">
-            <a:schemeClr val="accent1">
-              <a:shade val="50000"/>
-            </a:schemeClr>
-          </a:lnRef>
-          <a:fillRef idx="1">
-            <a:schemeClr val="accent1"/>
-          </a:fillRef>
-          <a:effectRef idx="0">
-            <a:schemeClr val="accent1"/>
-          </a:effectRef>
-          <a:fontRef idx="minor">
-            <a:schemeClr val="lt1"/>
-          </a:fontRef>
-        </p:style>
-        <p:txBody>
-          <a:bodyPr rtlCol="0" anchor="ctr"/>
-          <a:lstStyle/>
-          <a:p>
-            <a:pPr algn="ctr"/>
-            <a:r>
-              <a:rPr lang="ko-KR" altLang="en-US" sz="900" dirty="0" err="1">
-                <a:solidFill>
-                  <a:schemeClr val="tx1"/>
-                </a:solidFill>
-              </a:rPr>
-              <a:t>강의자</a:t>
-            </a:r>
-            <a:endParaRPr lang="ko-KR" altLang="en-US" sz="900" dirty="0">
-              <a:solidFill>
-                <a:schemeClr val="tx1"/>
-              </a:solidFill>
-            </a:endParaRPr>
-          </a:p>
-        </p:txBody>
-      </p:sp>
-      <p:sp>
-        <p:nvSpPr>
-          <p:cNvPr id="36" name="직사각형 35">
-            <a:extLst>
-              <a:ext uri="{FF2B5EF4-FFF2-40B4-BE49-F238E27FC236}">
-                <a16:creationId xmlns:a16="http://schemas.microsoft.com/office/drawing/2014/main" id="{D1D82E9C-45B5-BE05-9041-CFCF2D1D095C}"/>
-              </a:ext>
-            </a:extLst>
-          </p:cNvPr>
-          <p:cNvSpPr/>
-          <p:nvPr/>
-        </p:nvSpPr>
-        <p:spPr>
-          <a:xfrm>
-            <a:off x="493621" y="2762806"/>
-            <a:ext cx="1333851" cy="827735"/>
-          </a:xfrm>
-          <a:prstGeom prst="rect">
-            <a:avLst/>
-          </a:prstGeom>
-          <a:solidFill>
-            <a:srgbClr val="FBE5D6"/>
-          </a:solidFill>
-          <a:ln>
-            <a:solidFill>
-              <a:schemeClr val="tx1"/>
-            </a:solidFill>
-          </a:ln>
-        </p:spPr>
-        <p:style>
-          <a:lnRef idx="2">
-            <a:schemeClr val="accent1">
-              <a:shade val="50000"/>
-            </a:schemeClr>
-          </a:lnRef>
-          <a:fillRef idx="1">
-            <a:schemeClr val="accent1"/>
-          </a:fillRef>
-          <a:effectRef idx="0">
-            <a:schemeClr val="accent1"/>
-          </a:effectRef>
-          <a:fontRef idx="minor">
-            <a:schemeClr val="lt1"/>
-          </a:fontRef>
-        </p:style>
-        <p:txBody>
-          <a:bodyPr rtlCol="0" anchor="ctr"/>
-          <a:lstStyle/>
-          <a:p>
-            <a:pPr algn="ctr"/>
-            <a:r>
-              <a:rPr lang="ko-KR" altLang="en-US" sz="1000" dirty="0">
-                <a:solidFill>
-                  <a:schemeClr val="tx1"/>
-                </a:solidFill>
-              </a:rPr>
-              <a:t>강의 이름</a:t>
-            </a:r>
-            <a:endParaRPr lang="en-US" altLang="ko-KR" sz="1000" dirty="0">
-              <a:solidFill>
-                <a:schemeClr val="tx1"/>
-              </a:solidFill>
-            </a:endParaRPr>
-          </a:p>
-          <a:p>
-            <a:pPr algn="ctr"/>
-            <a:r>
-              <a:rPr lang="en-US" altLang="ko-KR" sz="1000" dirty="0">
-                <a:solidFill>
-                  <a:schemeClr val="tx1"/>
-                </a:solidFill>
-              </a:rPr>
-              <a:t>(</a:t>
-            </a:r>
-            <a:r>
-              <a:rPr lang="ko-KR" altLang="en-US" sz="1000" dirty="0" err="1">
-                <a:solidFill>
-                  <a:schemeClr val="tx1"/>
-                </a:solidFill>
-              </a:rPr>
-              <a:t>뒷배경</a:t>
-            </a:r>
-            <a:r>
-              <a:rPr lang="ko-KR" altLang="en-US" sz="1000" dirty="0">
-                <a:solidFill>
-                  <a:schemeClr val="tx1"/>
-                </a:solidFill>
-              </a:rPr>
-              <a:t> 카테고리별</a:t>
-            </a:r>
-            <a:r>
-              <a:rPr lang="en-US" altLang="ko-KR" sz="1000" dirty="0">
-                <a:solidFill>
-                  <a:schemeClr val="tx1"/>
-                </a:solidFill>
-              </a:rPr>
-              <a:t>)</a:t>
-            </a:r>
-            <a:endParaRPr lang="ko-KR" altLang="en-US" sz="1000" dirty="0">
-              <a:solidFill>
-                <a:schemeClr val="tx1"/>
-              </a:solidFill>
-            </a:endParaRPr>
-          </a:p>
-        </p:txBody>
-      </p:sp>
-      <p:sp>
-        <p:nvSpPr>
-          <p:cNvPr id="38" name="직사각형 37">
-            <a:extLst>
-              <a:ext uri="{FF2B5EF4-FFF2-40B4-BE49-F238E27FC236}">
-                <a16:creationId xmlns:a16="http://schemas.microsoft.com/office/drawing/2014/main" id="{9721B3D9-13B7-5A60-464F-DC3311596992}"/>
-              </a:ext>
-            </a:extLst>
-          </p:cNvPr>
-          <p:cNvSpPr/>
-          <p:nvPr/>
-        </p:nvSpPr>
-        <p:spPr>
-          <a:xfrm>
-            <a:off x="470180" y="4325415"/>
-            <a:ext cx="738232" cy="146768"/>
-          </a:xfrm>
-          <a:prstGeom prst="rect">
-            <a:avLst/>
-          </a:prstGeom>
-          <a:solidFill>
-            <a:schemeClr val="bg1"/>
-          </a:solidFill>
-          <a:ln>
-            <a:solidFill>
-              <a:schemeClr val="tx1"/>
-            </a:solidFill>
-          </a:ln>
-        </p:spPr>
-        <p:style>
-          <a:lnRef idx="2">
-            <a:schemeClr val="accent1">
-              <a:shade val="50000"/>
-            </a:schemeClr>
-          </a:lnRef>
-          <a:fillRef idx="1">
-            <a:schemeClr val="accent1"/>
-          </a:fillRef>
-          <a:effectRef idx="0">
-            <a:schemeClr val="accent1"/>
-          </a:effectRef>
-          <a:fontRef idx="minor">
-            <a:schemeClr val="lt1"/>
-          </a:fontRef>
-        </p:style>
-        <p:txBody>
-          <a:bodyPr rtlCol="0" anchor="ctr"/>
-          <a:lstStyle/>
-          <a:p>
-            <a:pPr algn="ctr"/>
-            <a:r>
-              <a:rPr lang="ko-KR" altLang="en-US" sz="900" dirty="0">
-                <a:solidFill>
-                  <a:schemeClr val="tx1"/>
-                </a:solidFill>
-              </a:rPr>
-              <a:t>강의 시간</a:t>
-            </a:r>
-          </a:p>
-        </p:txBody>
-      </p:sp>
-      <p:sp>
-        <p:nvSpPr>
-          <p:cNvPr id="49" name="직사각형 48">
-            <a:extLst>
-              <a:ext uri="{FF2B5EF4-FFF2-40B4-BE49-F238E27FC236}">
-                <a16:creationId xmlns:a16="http://schemas.microsoft.com/office/drawing/2014/main" id="{83208B58-4809-846A-FF8B-1BC019EED00E}"/>
-              </a:ext>
-            </a:extLst>
-          </p:cNvPr>
-          <p:cNvSpPr/>
-          <p:nvPr/>
-        </p:nvSpPr>
-        <p:spPr>
-          <a:xfrm>
-            <a:off x="470181" y="3815091"/>
-            <a:ext cx="1322003" cy="146768"/>
-          </a:xfrm>
-          <a:prstGeom prst="rect">
-            <a:avLst/>
-          </a:prstGeom>
-          <a:solidFill>
-            <a:schemeClr val="bg1"/>
-          </a:solidFill>
-          <a:ln>
-            <a:solidFill>
-              <a:schemeClr val="tx1"/>
-            </a:solidFill>
-          </a:ln>
-        </p:spPr>
-        <p:style>
-          <a:lnRef idx="2">
-            <a:schemeClr val="accent1">
-              <a:shade val="50000"/>
-            </a:schemeClr>
-          </a:lnRef>
-          <a:fillRef idx="1">
-            <a:schemeClr val="accent1"/>
-          </a:fillRef>
-          <a:effectRef idx="0">
-            <a:schemeClr val="accent1"/>
-          </a:effectRef>
-          <a:fontRef idx="minor">
-            <a:schemeClr val="lt1"/>
-          </a:fontRef>
-        </p:style>
-        <p:txBody>
-          <a:bodyPr rtlCol="0" anchor="ctr"/>
-          <a:lstStyle/>
-          <a:p>
-            <a:pPr algn="ctr"/>
-            <a:r>
-              <a:rPr lang="ko-KR" altLang="en-US" sz="900" dirty="0" err="1">
-                <a:solidFill>
-                  <a:schemeClr val="tx1"/>
-                </a:solidFill>
-              </a:rPr>
-              <a:t>강의명</a:t>
-            </a:r>
-            <a:endParaRPr lang="ko-KR" altLang="en-US" sz="900" dirty="0">
-              <a:solidFill>
-                <a:schemeClr val="tx1"/>
-              </a:solidFill>
-            </a:endParaRPr>
-          </a:p>
-        </p:txBody>
-      </p:sp>
-      <p:sp>
-        <p:nvSpPr>
-          <p:cNvPr id="50" name="직사각형 49">
-            <a:extLst>
-              <a:ext uri="{FF2B5EF4-FFF2-40B4-BE49-F238E27FC236}">
-                <a16:creationId xmlns:a16="http://schemas.microsoft.com/office/drawing/2014/main" id="{5571DD4A-1A61-B794-55FF-5C9A07FDBBF2}"/>
-              </a:ext>
-            </a:extLst>
-          </p:cNvPr>
-          <p:cNvSpPr/>
-          <p:nvPr/>
-        </p:nvSpPr>
-        <p:spPr>
-          <a:xfrm>
-            <a:off x="2248606" y="2635439"/>
-            <a:ext cx="1569185" cy="1912209"/>
-          </a:xfrm>
-          <a:prstGeom prst="rect">
-            <a:avLst/>
-          </a:prstGeom>
-          <a:solidFill>
-            <a:schemeClr val="bg1">
-              <a:lumMod val="95000"/>
-            </a:schemeClr>
-          </a:solidFill>
-          <a:ln>
-            <a:solidFill>
-              <a:schemeClr val="tx1"/>
-            </a:solidFill>
-          </a:ln>
-        </p:spPr>
-        <p:style>
-          <a:lnRef idx="2">
-            <a:schemeClr val="accent1">
-              <a:shade val="50000"/>
-            </a:schemeClr>
-          </a:lnRef>
-          <a:fillRef idx="1">
-            <a:schemeClr val="accent1"/>
-          </a:fillRef>
-          <a:effectRef idx="0">
-            <a:schemeClr val="accent1"/>
-          </a:effectRef>
-          <a:fontRef idx="minor">
-            <a:schemeClr val="lt1"/>
-          </a:fontRef>
-        </p:style>
-        <p:txBody>
-          <a:bodyPr rtlCol="0" anchor="ctr"/>
-          <a:lstStyle/>
-          <a:p>
-            <a:pPr algn="ctr"/>
-            <a:endParaRPr lang="ko-KR" altLang="en-US"/>
-          </a:p>
-        </p:txBody>
-      </p:sp>
-      <p:sp>
-        <p:nvSpPr>
-          <p:cNvPr id="53" name="직사각형 52">
-            <a:extLst>
-              <a:ext uri="{FF2B5EF4-FFF2-40B4-BE49-F238E27FC236}">
-                <a16:creationId xmlns:a16="http://schemas.microsoft.com/office/drawing/2014/main" id="{8CF42DF4-9861-7AD9-062F-D1B60824B13A}"/>
-              </a:ext>
-            </a:extLst>
-          </p:cNvPr>
-          <p:cNvSpPr/>
-          <p:nvPr/>
-        </p:nvSpPr>
-        <p:spPr>
-          <a:xfrm>
-            <a:off x="2328522" y="4103183"/>
-            <a:ext cx="738231" cy="146768"/>
-          </a:xfrm>
-          <a:prstGeom prst="rect">
-            <a:avLst/>
-          </a:prstGeom>
-          <a:solidFill>
-            <a:schemeClr val="bg1"/>
-          </a:solidFill>
-          <a:ln>
-            <a:solidFill>
-              <a:schemeClr val="tx1"/>
-            </a:solidFill>
-          </a:ln>
-        </p:spPr>
-        <p:style>
-          <a:lnRef idx="2">
-            <a:schemeClr val="accent1">
-              <a:shade val="50000"/>
-            </a:schemeClr>
-          </a:lnRef>
-          <a:fillRef idx="1">
-            <a:schemeClr val="accent1"/>
-          </a:fillRef>
-          <a:effectRef idx="0">
-            <a:schemeClr val="accent1"/>
-          </a:effectRef>
-          <a:fontRef idx="minor">
-            <a:schemeClr val="lt1"/>
-          </a:fontRef>
-        </p:style>
-        <p:txBody>
-          <a:bodyPr rtlCol="0" anchor="ctr"/>
-          <a:lstStyle/>
-          <a:p>
-            <a:pPr algn="ctr"/>
-            <a:r>
-              <a:rPr lang="ko-KR" altLang="en-US" sz="900" dirty="0" err="1">
-                <a:solidFill>
-                  <a:schemeClr val="tx1"/>
-                </a:solidFill>
-              </a:rPr>
-              <a:t>강의자</a:t>
-            </a:r>
-            <a:endParaRPr lang="ko-KR" altLang="en-US" sz="900" dirty="0">
-              <a:solidFill>
-                <a:schemeClr val="tx1"/>
-              </a:solidFill>
-            </a:endParaRPr>
-          </a:p>
-        </p:txBody>
-      </p:sp>
-      <p:sp>
-        <p:nvSpPr>
-          <p:cNvPr id="54" name="직사각형 53">
-            <a:extLst>
-              <a:ext uri="{FF2B5EF4-FFF2-40B4-BE49-F238E27FC236}">
-                <a16:creationId xmlns:a16="http://schemas.microsoft.com/office/drawing/2014/main" id="{6045EA09-ECCA-EE39-6272-2FD6EEF834E9}"/>
-              </a:ext>
-            </a:extLst>
-          </p:cNvPr>
-          <p:cNvSpPr/>
-          <p:nvPr/>
-        </p:nvSpPr>
-        <p:spPr>
-          <a:xfrm>
-            <a:off x="2351962" y="2762806"/>
-            <a:ext cx="1333851" cy="827735"/>
-          </a:xfrm>
-          <a:prstGeom prst="rect">
-            <a:avLst/>
-          </a:prstGeom>
-          <a:solidFill>
-            <a:srgbClr val="FBE5D6"/>
-          </a:solidFill>
-          <a:ln>
-            <a:solidFill>
-              <a:schemeClr val="tx1"/>
-            </a:solidFill>
-          </a:ln>
-        </p:spPr>
-        <p:style>
-          <a:lnRef idx="2">
-            <a:schemeClr val="accent1">
-              <a:shade val="50000"/>
-            </a:schemeClr>
-          </a:lnRef>
-          <a:fillRef idx="1">
-            <a:schemeClr val="accent1"/>
-          </a:fillRef>
-          <a:effectRef idx="0">
-            <a:schemeClr val="accent1"/>
-          </a:effectRef>
-          <a:fontRef idx="minor">
-            <a:schemeClr val="lt1"/>
-          </a:fontRef>
-        </p:style>
-        <p:txBody>
-          <a:bodyPr rtlCol="0" anchor="ctr"/>
-          <a:lstStyle/>
-          <a:p>
-            <a:pPr algn="ctr"/>
-            <a:r>
-              <a:rPr lang="ko-KR" altLang="en-US" sz="1000" dirty="0">
-                <a:solidFill>
-                  <a:schemeClr val="tx1"/>
-                </a:solidFill>
-              </a:rPr>
-              <a:t>강의 이름</a:t>
-            </a:r>
-            <a:endParaRPr lang="en-US" altLang="ko-KR" sz="1000" dirty="0">
-              <a:solidFill>
-                <a:schemeClr val="tx1"/>
-              </a:solidFill>
-            </a:endParaRPr>
-          </a:p>
-          <a:p>
-            <a:pPr algn="ctr"/>
-            <a:r>
-              <a:rPr lang="en-US" altLang="ko-KR" sz="1000" dirty="0">
-                <a:solidFill>
-                  <a:schemeClr val="tx1"/>
-                </a:solidFill>
-              </a:rPr>
-              <a:t>(</a:t>
-            </a:r>
-            <a:r>
-              <a:rPr lang="ko-KR" altLang="en-US" sz="1000" dirty="0" err="1">
-                <a:solidFill>
-                  <a:schemeClr val="tx1"/>
-                </a:solidFill>
-              </a:rPr>
-              <a:t>뒷배경</a:t>
-            </a:r>
-            <a:r>
-              <a:rPr lang="ko-KR" altLang="en-US" sz="1000" dirty="0">
-                <a:solidFill>
-                  <a:schemeClr val="tx1"/>
-                </a:solidFill>
-              </a:rPr>
-              <a:t> 카테고리별</a:t>
-            </a:r>
-            <a:r>
-              <a:rPr lang="en-US" altLang="ko-KR" sz="1000" dirty="0">
-                <a:solidFill>
-                  <a:schemeClr val="tx1"/>
-                </a:solidFill>
-              </a:rPr>
-              <a:t>)</a:t>
-            </a:r>
-            <a:endParaRPr lang="ko-KR" altLang="en-US" sz="1000" dirty="0">
-              <a:solidFill>
-                <a:schemeClr val="tx1"/>
-              </a:solidFill>
-            </a:endParaRPr>
-          </a:p>
-        </p:txBody>
-      </p:sp>
-      <p:sp>
-        <p:nvSpPr>
-          <p:cNvPr id="55" name="직사각형 54">
-            <a:extLst>
-              <a:ext uri="{FF2B5EF4-FFF2-40B4-BE49-F238E27FC236}">
-                <a16:creationId xmlns:a16="http://schemas.microsoft.com/office/drawing/2014/main" id="{5D52EAC5-6805-B01D-A194-C41FC2228EA6}"/>
-              </a:ext>
-            </a:extLst>
-          </p:cNvPr>
-          <p:cNvSpPr/>
-          <p:nvPr/>
-        </p:nvSpPr>
-        <p:spPr>
-          <a:xfrm>
-            <a:off x="2328521" y="4325415"/>
-            <a:ext cx="738232" cy="146768"/>
-          </a:xfrm>
-          <a:prstGeom prst="rect">
-            <a:avLst/>
-          </a:prstGeom>
-          <a:solidFill>
-            <a:schemeClr val="bg1"/>
-          </a:solidFill>
-          <a:ln>
-            <a:solidFill>
-              <a:schemeClr val="tx1"/>
-            </a:solidFill>
-          </a:ln>
-        </p:spPr>
-        <p:style>
-          <a:lnRef idx="2">
-            <a:schemeClr val="accent1">
-              <a:shade val="50000"/>
-            </a:schemeClr>
-          </a:lnRef>
-          <a:fillRef idx="1">
-            <a:schemeClr val="accent1"/>
-          </a:fillRef>
-          <a:effectRef idx="0">
-            <a:schemeClr val="accent1"/>
-          </a:effectRef>
-          <a:fontRef idx="minor">
-            <a:schemeClr val="lt1"/>
-          </a:fontRef>
-        </p:style>
-        <p:txBody>
-          <a:bodyPr rtlCol="0" anchor="ctr"/>
-          <a:lstStyle/>
-          <a:p>
-            <a:pPr algn="ctr"/>
-            <a:r>
-              <a:rPr lang="ko-KR" altLang="en-US" sz="900" dirty="0">
-                <a:solidFill>
-                  <a:schemeClr val="tx1"/>
-                </a:solidFill>
-              </a:rPr>
-              <a:t>강의 시간</a:t>
-            </a:r>
-          </a:p>
-        </p:txBody>
-      </p:sp>
-      <p:sp>
-        <p:nvSpPr>
-          <p:cNvPr id="56" name="직사각형 55">
-            <a:extLst>
-              <a:ext uri="{FF2B5EF4-FFF2-40B4-BE49-F238E27FC236}">
-                <a16:creationId xmlns:a16="http://schemas.microsoft.com/office/drawing/2014/main" id="{1B4647C5-716D-1EA8-3386-E3A5F54ADCD0}"/>
-              </a:ext>
-            </a:extLst>
-          </p:cNvPr>
-          <p:cNvSpPr/>
-          <p:nvPr/>
-        </p:nvSpPr>
-        <p:spPr>
-          <a:xfrm>
-            <a:off x="2328522" y="3815091"/>
-            <a:ext cx="1322003" cy="146768"/>
-          </a:xfrm>
-          <a:prstGeom prst="rect">
-            <a:avLst/>
-          </a:prstGeom>
-          <a:solidFill>
-            <a:schemeClr val="bg1"/>
-          </a:solidFill>
-          <a:ln>
-            <a:solidFill>
-              <a:schemeClr val="tx1"/>
-            </a:solidFill>
-          </a:ln>
-        </p:spPr>
-        <p:style>
-          <a:lnRef idx="2">
-            <a:schemeClr val="accent1">
-              <a:shade val="50000"/>
-            </a:schemeClr>
-          </a:lnRef>
-          <a:fillRef idx="1">
-            <a:schemeClr val="accent1"/>
-          </a:fillRef>
-          <a:effectRef idx="0">
-            <a:schemeClr val="accent1"/>
-          </a:effectRef>
-          <a:fontRef idx="minor">
-            <a:schemeClr val="lt1"/>
-          </a:fontRef>
-        </p:style>
-        <p:txBody>
-          <a:bodyPr rtlCol="0" anchor="ctr"/>
-          <a:lstStyle/>
-          <a:p>
-            <a:pPr algn="ctr"/>
-            <a:r>
-              <a:rPr lang="ko-KR" altLang="en-US" sz="900" dirty="0" err="1">
-                <a:solidFill>
-                  <a:schemeClr val="tx1"/>
-                </a:solidFill>
-              </a:rPr>
-              <a:t>강의명</a:t>
-            </a:r>
-            <a:endParaRPr lang="ko-KR" altLang="en-US" sz="900" dirty="0">
-              <a:solidFill>
-                <a:schemeClr val="tx1"/>
-              </a:solidFill>
-            </a:endParaRPr>
-          </a:p>
-        </p:txBody>
-      </p:sp>
-      <p:sp>
-        <p:nvSpPr>
-          <p:cNvPr id="57" name="직사각형 56">
-            <a:extLst>
-              <a:ext uri="{FF2B5EF4-FFF2-40B4-BE49-F238E27FC236}">
-                <a16:creationId xmlns:a16="http://schemas.microsoft.com/office/drawing/2014/main" id="{DE9095F1-335D-0509-133F-51E0396197BE}"/>
-              </a:ext>
-            </a:extLst>
-          </p:cNvPr>
-          <p:cNvSpPr/>
-          <p:nvPr/>
-        </p:nvSpPr>
-        <p:spPr>
-          <a:xfrm>
-            <a:off x="4054857" y="2644174"/>
-            <a:ext cx="1569185" cy="1912209"/>
-          </a:xfrm>
-          <a:prstGeom prst="rect">
-            <a:avLst/>
-          </a:prstGeom>
-          <a:solidFill>
-            <a:schemeClr val="bg1">
-              <a:lumMod val="95000"/>
-            </a:schemeClr>
-          </a:solidFill>
-          <a:ln>
-            <a:solidFill>
-              <a:schemeClr val="tx1"/>
-            </a:solidFill>
-          </a:ln>
-        </p:spPr>
-        <p:style>
-          <a:lnRef idx="2">
-            <a:schemeClr val="accent1">
-              <a:shade val="50000"/>
-            </a:schemeClr>
-          </a:lnRef>
-          <a:fillRef idx="1">
-            <a:schemeClr val="accent1"/>
-          </a:fillRef>
-          <a:effectRef idx="0">
-            <a:schemeClr val="accent1"/>
-          </a:effectRef>
-          <a:fontRef idx="minor">
-            <a:schemeClr val="lt1"/>
-          </a:fontRef>
-        </p:style>
-        <p:txBody>
-          <a:bodyPr rtlCol="0" anchor="ctr"/>
-          <a:lstStyle/>
-          <a:p>
-            <a:pPr algn="ctr"/>
-            <a:endParaRPr lang="ko-KR" altLang="en-US"/>
-          </a:p>
-        </p:txBody>
-      </p:sp>
-      <p:sp>
-        <p:nvSpPr>
-          <p:cNvPr id="58" name="직사각형 57">
-            <a:extLst>
-              <a:ext uri="{FF2B5EF4-FFF2-40B4-BE49-F238E27FC236}">
-                <a16:creationId xmlns:a16="http://schemas.microsoft.com/office/drawing/2014/main" id="{F7720B68-3A15-4CA0-E9A0-ACBC5D6CD52F}"/>
-              </a:ext>
-            </a:extLst>
-          </p:cNvPr>
-          <p:cNvSpPr/>
-          <p:nvPr/>
-        </p:nvSpPr>
-        <p:spPr>
-          <a:xfrm>
-            <a:off x="4134773" y="4111918"/>
-            <a:ext cx="738231" cy="146768"/>
-          </a:xfrm>
-          <a:prstGeom prst="rect">
-            <a:avLst/>
-          </a:prstGeom>
-          <a:solidFill>
-            <a:schemeClr val="bg1"/>
-          </a:solidFill>
-          <a:ln>
-            <a:solidFill>
-              <a:schemeClr val="tx1"/>
-            </a:solidFill>
-          </a:ln>
-        </p:spPr>
-        <p:style>
-          <a:lnRef idx="2">
-            <a:schemeClr val="accent1">
-              <a:shade val="50000"/>
-            </a:schemeClr>
-          </a:lnRef>
-          <a:fillRef idx="1">
-            <a:schemeClr val="accent1"/>
-          </a:fillRef>
-          <a:effectRef idx="0">
-            <a:schemeClr val="accent1"/>
-          </a:effectRef>
-          <a:fontRef idx="minor">
-            <a:schemeClr val="lt1"/>
-          </a:fontRef>
-        </p:style>
-        <p:txBody>
-          <a:bodyPr rtlCol="0" anchor="ctr"/>
-          <a:lstStyle/>
-          <a:p>
-            <a:pPr algn="ctr"/>
-            <a:r>
-              <a:rPr lang="ko-KR" altLang="en-US" sz="900" dirty="0" err="1">
-                <a:solidFill>
-                  <a:schemeClr val="tx1"/>
-                </a:solidFill>
-              </a:rPr>
-              <a:t>강의자</a:t>
-            </a:r>
-            <a:endParaRPr lang="ko-KR" altLang="en-US" sz="900" dirty="0">
-              <a:solidFill>
-                <a:schemeClr val="tx1"/>
-              </a:solidFill>
-            </a:endParaRPr>
-          </a:p>
-        </p:txBody>
-      </p:sp>
-      <p:sp>
-        <p:nvSpPr>
-          <p:cNvPr id="59" name="직사각형 58">
-            <a:extLst>
-              <a:ext uri="{FF2B5EF4-FFF2-40B4-BE49-F238E27FC236}">
-                <a16:creationId xmlns:a16="http://schemas.microsoft.com/office/drawing/2014/main" id="{EC443FEF-E9C1-1A2B-C674-6DE29F314F4E}"/>
-              </a:ext>
-            </a:extLst>
-          </p:cNvPr>
-          <p:cNvSpPr/>
-          <p:nvPr/>
-        </p:nvSpPr>
-        <p:spPr>
-          <a:xfrm>
-            <a:off x="4158213" y="2771541"/>
-            <a:ext cx="1333851" cy="827735"/>
-          </a:xfrm>
-          <a:prstGeom prst="rect">
-            <a:avLst/>
-          </a:prstGeom>
-          <a:solidFill>
-            <a:srgbClr val="FBE5D6"/>
-          </a:solidFill>
-          <a:ln>
-            <a:solidFill>
-              <a:schemeClr val="tx1"/>
-            </a:solidFill>
-          </a:ln>
-        </p:spPr>
-        <p:style>
-          <a:lnRef idx="2">
-            <a:schemeClr val="accent1">
-              <a:shade val="50000"/>
-            </a:schemeClr>
-          </a:lnRef>
-          <a:fillRef idx="1">
-            <a:schemeClr val="accent1"/>
-          </a:fillRef>
-          <a:effectRef idx="0">
-            <a:schemeClr val="accent1"/>
-          </a:effectRef>
-          <a:fontRef idx="minor">
-            <a:schemeClr val="lt1"/>
-          </a:fontRef>
-        </p:style>
-        <p:txBody>
-          <a:bodyPr rtlCol="0" anchor="ctr"/>
-          <a:lstStyle/>
-          <a:p>
-            <a:pPr algn="ctr"/>
-            <a:r>
-              <a:rPr lang="ko-KR" altLang="en-US" sz="1000" dirty="0">
-                <a:solidFill>
-                  <a:schemeClr val="tx1"/>
-                </a:solidFill>
-              </a:rPr>
-              <a:t>강의 이름</a:t>
-            </a:r>
-            <a:endParaRPr lang="en-US" altLang="ko-KR" sz="1000" dirty="0">
-              <a:solidFill>
-                <a:schemeClr val="tx1"/>
-              </a:solidFill>
-            </a:endParaRPr>
-          </a:p>
-          <a:p>
-            <a:pPr algn="ctr"/>
-            <a:r>
-              <a:rPr lang="en-US" altLang="ko-KR" sz="1000" dirty="0">
-                <a:solidFill>
-                  <a:schemeClr val="tx1"/>
-                </a:solidFill>
-              </a:rPr>
-              <a:t>(</a:t>
-            </a:r>
-            <a:r>
-              <a:rPr lang="ko-KR" altLang="en-US" sz="1000" dirty="0" err="1">
-                <a:solidFill>
-                  <a:schemeClr val="tx1"/>
-                </a:solidFill>
-              </a:rPr>
-              <a:t>뒷배경</a:t>
-            </a:r>
-            <a:r>
-              <a:rPr lang="ko-KR" altLang="en-US" sz="1000" dirty="0">
-                <a:solidFill>
-                  <a:schemeClr val="tx1"/>
-                </a:solidFill>
-              </a:rPr>
-              <a:t> 카테고리별</a:t>
-            </a:r>
-            <a:r>
-              <a:rPr lang="en-US" altLang="ko-KR" sz="1000" dirty="0">
-                <a:solidFill>
-                  <a:schemeClr val="tx1"/>
-                </a:solidFill>
-              </a:rPr>
-              <a:t>)</a:t>
-            </a:r>
-            <a:endParaRPr lang="ko-KR" altLang="en-US" sz="1000" dirty="0">
-              <a:solidFill>
-                <a:schemeClr val="tx1"/>
-              </a:solidFill>
-            </a:endParaRPr>
-          </a:p>
-        </p:txBody>
-      </p:sp>
-      <p:sp>
-        <p:nvSpPr>
-          <p:cNvPr id="60" name="직사각형 59">
-            <a:extLst>
-              <a:ext uri="{FF2B5EF4-FFF2-40B4-BE49-F238E27FC236}">
-                <a16:creationId xmlns:a16="http://schemas.microsoft.com/office/drawing/2014/main" id="{6442874E-19F0-D66F-3087-4C918BAB44C0}"/>
-              </a:ext>
-            </a:extLst>
-          </p:cNvPr>
-          <p:cNvSpPr/>
-          <p:nvPr/>
-        </p:nvSpPr>
-        <p:spPr>
-          <a:xfrm>
-            <a:off x="4134772" y="4334150"/>
-            <a:ext cx="738232" cy="146768"/>
-          </a:xfrm>
-          <a:prstGeom prst="rect">
-            <a:avLst/>
-          </a:prstGeom>
-          <a:solidFill>
-            <a:schemeClr val="bg1"/>
-          </a:solidFill>
-          <a:ln>
-            <a:solidFill>
-              <a:schemeClr val="tx1"/>
-            </a:solidFill>
-          </a:ln>
-        </p:spPr>
-        <p:style>
-          <a:lnRef idx="2">
-            <a:schemeClr val="accent1">
-              <a:shade val="50000"/>
-            </a:schemeClr>
-          </a:lnRef>
-          <a:fillRef idx="1">
-            <a:schemeClr val="accent1"/>
-          </a:fillRef>
-          <a:effectRef idx="0">
-            <a:schemeClr val="accent1"/>
-          </a:effectRef>
-          <a:fontRef idx="minor">
-            <a:schemeClr val="lt1"/>
-          </a:fontRef>
-        </p:style>
-        <p:txBody>
-          <a:bodyPr rtlCol="0" anchor="ctr"/>
-          <a:lstStyle/>
-          <a:p>
-            <a:pPr algn="ctr"/>
-            <a:r>
-              <a:rPr lang="ko-KR" altLang="en-US" sz="900" dirty="0">
-                <a:solidFill>
-                  <a:schemeClr val="tx1"/>
-                </a:solidFill>
-              </a:rPr>
-              <a:t>강의 시간</a:t>
-            </a:r>
-          </a:p>
-        </p:txBody>
-      </p:sp>
-      <p:sp>
-        <p:nvSpPr>
-          <p:cNvPr id="61" name="직사각형 60">
-            <a:extLst>
-              <a:ext uri="{FF2B5EF4-FFF2-40B4-BE49-F238E27FC236}">
-                <a16:creationId xmlns:a16="http://schemas.microsoft.com/office/drawing/2014/main" id="{03527440-4061-E3CC-A1BF-ADC80628C7AF}"/>
-              </a:ext>
-            </a:extLst>
-          </p:cNvPr>
-          <p:cNvSpPr/>
-          <p:nvPr/>
-        </p:nvSpPr>
-        <p:spPr>
-          <a:xfrm>
-            <a:off x="4134773" y="3823826"/>
-            <a:ext cx="1322003" cy="146768"/>
-          </a:xfrm>
-          <a:prstGeom prst="rect">
-            <a:avLst/>
-          </a:prstGeom>
-          <a:solidFill>
-            <a:schemeClr val="bg1"/>
-          </a:solidFill>
-          <a:ln>
-            <a:solidFill>
-              <a:schemeClr val="tx1"/>
-            </a:solidFill>
-          </a:ln>
-        </p:spPr>
-        <p:style>
-          <a:lnRef idx="2">
-            <a:schemeClr val="accent1">
-              <a:shade val="50000"/>
-            </a:schemeClr>
-          </a:lnRef>
-          <a:fillRef idx="1">
-            <a:schemeClr val="accent1"/>
-          </a:fillRef>
-          <a:effectRef idx="0">
-            <a:schemeClr val="accent1"/>
-          </a:effectRef>
-          <a:fontRef idx="minor">
-            <a:schemeClr val="lt1"/>
-          </a:fontRef>
-        </p:style>
-        <p:txBody>
-          <a:bodyPr rtlCol="0" anchor="ctr"/>
-          <a:lstStyle/>
-          <a:p>
-            <a:pPr algn="ctr"/>
-            <a:r>
-              <a:rPr lang="ko-KR" altLang="en-US" sz="900" dirty="0" err="1">
-                <a:solidFill>
-                  <a:schemeClr val="tx1"/>
-                </a:solidFill>
-              </a:rPr>
-              <a:t>강의명</a:t>
-            </a:r>
-            <a:endParaRPr lang="ko-KR" altLang="en-US" sz="900" dirty="0">
-              <a:solidFill>
-                <a:schemeClr val="tx1"/>
-              </a:solidFill>
-            </a:endParaRPr>
-          </a:p>
-        </p:txBody>
-      </p:sp>
-      <p:sp>
-        <p:nvSpPr>
-          <p:cNvPr id="62" name="직사각형 61">
-            <a:extLst>
-              <a:ext uri="{FF2B5EF4-FFF2-40B4-BE49-F238E27FC236}">
-                <a16:creationId xmlns:a16="http://schemas.microsoft.com/office/drawing/2014/main" id="{54813341-634C-A06C-C485-B2C6745D92AE}"/>
-              </a:ext>
-            </a:extLst>
-          </p:cNvPr>
-          <p:cNvSpPr/>
-          <p:nvPr/>
-        </p:nvSpPr>
-        <p:spPr>
-          <a:xfrm>
-            <a:off x="4381445" y="2277030"/>
-            <a:ext cx="1262366" cy="226724"/>
-          </a:xfrm>
-          <a:prstGeom prst="rect">
-            <a:avLst/>
-          </a:prstGeom>
-          <a:solidFill>
-            <a:schemeClr val="accent2">
-              <a:lumMod val="20000"/>
-              <a:lumOff val="80000"/>
-            </a:schemeClr>
-          </a:solidFill>
-          <a:ln>
-            <a:noFill/>
-          </a:ln>
-        </p:spPr>
-        <p:style>
-          <a:lnRef idx="2">
-            <a:schemeClr val="accent1">
-              <a:shade val="50000"/>
-            </a:schemeClr>
-          </a:lnRef>
-          <a:fillRef idx="1">
-            <a:schemeClr val="accent1"/>
-          </a:fillRef>
-          <a:effectRef idx="0">
-            <a:schemeClr val="accent1"/>
-          </a:effectRef>
-          <a:fontRef idx="minor">
-            <a:schemeClr val="lt1"/>
-          </a:fontRef>
-        </p:style>
-        <p:txBody>
-          <a:bodyPr rtlCol="0" anchor="ctr"/>
-          <a:lstStyle/>
-          <a:p>
-            <a:pPr algn="ctr"/>
-            <a:r>
-              <a:rPr lang="ko-KR" altLang="en-US" sz="1200" dirty="0">
-                <a:solidFill>
-                  <a:schemeClr val="tx1"/>
-                </a:solidFill>
-                <a:latin typeface="여기어때 잘난체" panose="020B0600000101010101" pitchFamily="50" charset="-127"/>
-                <a:ea typeface="여기어때 잘난체" panose="020B0600000101010101" pitchFamily="50" charset="-127"/>
-              </a:rPr>
-              <a:t>강의 개설하기</a:t>
-            </a:r>
-          </a:p>
-        </p:txBody>
-      </p:sp>
-      <p:sp>
-        <p:nvSpPr>
           <p:cNvPr id="13" name="타원 12">
             <a:extLst>
               <a:ext uri="{FF2B5EF4-FFF2-40B4-BE49-F238E27FC236}">
@@ -29833,25 +29843,914 @@
       </p:pic>
       <p:sp>
         <p:nvSpPr>
-          <p:cNvPr id="63" name="직사각형 62">
-            <a:extLst>
-              <a:ext uri="{FF2B5EF4-FFF2-40B4-BE49-F238E27FC236}">
-                <a16:creationId xmlns:a16="http://schemas.microsoft.com/office/drawing/2014/main" id="{EFCEE7D2-9B93-C5C8-D2D0-5ACF23BE7FFB}"/>
-              </a:ext>
-            </a:extLst>
-          </p:cNvPr>
-          <p:cNvSpPr/>
-          <p:nvPr/>
-        </p:nvSpPr>
-        <p:spPr>
-          <a:xfrm>
-            <a:off x="5962604" y="817232"/>
-            <a:ext cx="3615187" cy="3849657"/>
+          <p:cNvPr id="112" name="직사각형 111">
+            <a:extLst>
+              <a:ext uri="{FF2B5EF4-FFF2-40B4-BE49-F238E27FC236}">
+                <a16:creationId xmlns:a16="http://schemas.microsoft.com/office/drawing/2014/main" id="{D64A8712-5DA3-5413-261D-CBF1957BC370}"/>
+              </a:ext>
+            </a:extLst>
+          </p:cNvPr>
+          <p:cNvSpPr/>
+          <p:nvPr/>
+        </p:nvSpPr>
+        <p:spPr>
+          <a:xfrm>
+            <a:off x="1060080" y="892908"/>
+            <a:ext cx="875827" cy="410670"/>
+          </a:xfrm>
+          <a:prstGeom prst="rect">
+            <a:avLst/>
+          </a:prstGeom>
+          <a:solidFill>
+            <a:schemeClr val="accent2">
+              <a:lumMod val="20000"/>
+              <a:lumOff val="80000"/>
+            </a:schemeClr>
+          </a:solidFill>
+          <a:ln>
+            <a:noFill/>
+          </a:ln>
+        </p:spPr>
+        <p:style>
+          <a:lnRef idx="2">
+            <a:schemeClr val="accent1">
+              <a:shade val="50000"/>
+            </a:schemeClr>
+          </a:lnRef>
+          <a:fillRef idx="1">
+            <a:schemeClr val="accent1"/>
+          </a:fillRef>
+          <a:effectRef idx="0">
+            <a:schemeClr val="accent1"/>
+          </a:effectRef>
+          <a:fontRef idx="minor">
+            <a:schemeClr val="lt1"/>
+          </a:fontRef>
+        </p:style>
+        <p:txBody>
+          <a:bodyPr rtlCol="0" anchor="ctr"/>
+          <a:lstStyle/>
+          <a:p>
+            <a:pPr algn="ctr"/>
+            <a:r>
+              <a:rPr lang="ko-KR" altLang="en-US" sz="1100" dirty="0">
+                <a:solidFill>
+                  <a:schemeClr val="tx1"/>
+                </a:solidFill>
+                <a:latin typeface="여기어때 잘난체" panose="020B0600000101010101" pitchFamily="50" charset="-127"/>
+                <a:ea typeface="여기어때 잘난체" panose="020B0600000101010101" pitchFamily="50" charset="-127"/>
+              </a:rPr>
+              <a:t>강의 목록</a:t>
+            </a:r>
+          </a:p>
+        </p:txBody>
+      </p:sp>
+      <p:sp>
+        <p:nvSpPr>
+          <p:cNvPr id="114" name="직사각형 113">
+            <a:extLst>
+              <a:ext uri="{FF2B5EF4-FFF2-40B4-BE49-F238E27FC236}">
+                <a16:creationId xmlns:a16="http://schemas.microsoft.com/office/drawing/2014/main" id="{FA691B89-DBB2-F182-6AE2-376C2DDDBF89}"/>
+              </a:ext>
+            </a:extLst>
+          </p:cNvPr>
+          <p:cNvSpPr/>
+          <p:nvPr/>
+        </p:nvSpPr>
+        <p:spPr>
+          <a:xfrm>
+            <a:off x="1882235" y="892908"/>
+            <a:ext cx="875827" cy="410670"/>
+          </a:xfrm>
+          <a:prstGeom prst="rect">
+            <a:avLst/>
+          </a:prstGeom>
+          <a:solidFill>
+            <a:schemeClr val="accent2">
+              <a:lumMod val="20000"/>
+              <a:lumOff val="80000"/>
+            </a:schemeClr>
+          </a:solidFill>
+          <a:ln>
+            <a:noFill/>
+          </a:ln>
+        </p:spPr>
+        <p:style>
+          <a:lnRef idx="2">
+            <a:schemeClr val="accent1">
+              <a:shade val="50000"/>
+            </a:schemeClr>
+          </a:lnRef>
+          <a:fillRef idx="1">
+            <a:schemeClr val="accent1"/>
+          </a:fillRef>
+          <a:effectRef idx="0">
+            <a:schemeClr val="accent1"/>
+          </a:effectRef>
+          <a:fontRef idx="minor">
+            <a:schemeClr val="lt1"/>
+          </a:fontRef>
+        </p:style>
+        <p:txBody>
+          <a:bodyPr rtlCol="0" anchor="ctr"/>
+          <a:lstStyle/>
+          <a:p>
+            <a:pPr algn="ctr"/>
+            <a:r>
+              <a:rPr lang="ko-KR" altLang="en-US" sz="1100" dirty="0">
+                <a:solidFill>
+                  <a:schemeClr val="tx1"/>
+                </a:solidFill>
+                <a:latin typeface="여기어때 잘난체" panose="020B0600000101010101" pitchFamily="50" charset="-127"/>
+                <a:ea typeface="여기어때 잘난체" panose="020B0600000101010101" pitchFamily="50" charset="-127"/>
+              </a:rPr>
+              <a:t>수강 내역</a:t>
+            </a:r>
+          </a:p>
+        </p:txBody>
+      </p:sp>
+      <p:sp>
+        <p:nvSpPr>
+          <p:cNvPr id="129" name="직사각형 128">
+            <a:extLst>
+              <a:ext uri="{FF2B5EF4-FFF2-40B4-BE49-F238E27FC236}">
+                <a16:creationId xmlns:a16="http://schemas.microsoft.com/office/drawing/2014/main" id="{E40378C4-B4E8-6504-77DE-B959AB735256}"/>
+              </a:ext>
+            </a:extLst>
+          </p:cNvPr>
+          <p:cNvSpPr/>
+          <p:nvPr/>
+        </p:nvSpPr>
+        <p:spPr>
+          <a:xfrm>
+            <a:off x="2395739" y="1553634"/>
+            <a:ext cx="1262366" cy="226724"/>
           </a:xfrm>
           <a:prstGeom prst="rect">
             <a:avLst/>
           </a:prstGeom>
           <a:noFill/>
+          <a:ln>
+            <a:noFill/>
+          </a:ln>
+        </p:spPr>
+        <p:style>
+          <a:lnRef idx="2">
+            <a:schemeClr val="accent1">
+              <a:shade val="50000"/>
+            </a:schemeClr>
+          </a:lnRef>
+          <a:fillRef idx="1">
+            <a:schemeClr val="accent1"/>
+          </a:fillRef>
+          <a:effectRef idx="0">
+            <a:schemeClr val="accent1"/>
+          </a:effectRef>
+          <a:fontRef idx="minor">
+            <a:schemeClr val="lt1"/>
+          </a:fontRef>
+        </p:style>
+        <p:txBody>
+          <a:bodyPr rtlCol="0" anchor="ctr"/>
+          <a:lstStyle/>
+          <a:p>
+            <a:pPr algn="ctr"/>
+            <a:r>
+              <a:rPr lang="ko-KR" altLang="en-US" sz="1400" dirty="0">
+                <a:solidFill>
+                  <a:schemeClr val="tx1"/>
+                </a:solidFill>
+                <a:latin typeface="여기어때 잘난체" panose="020B0600000101010101" pitchFamily="50" charset="-127"/>
+                <a:ea typeface="여기어때 잘난체" panose="020B0600000101010101" pitchFamily="50" charset="-127"/>
+              </a:rPr>
+              <a:t>마이페이지</a:t>
+            </a:r>
+          </a:p>
+        </p:txBody>
+      </p:sp>
+      <p:sp>
+        <p:nvSpPr>
+          <p:cNvPr id="86" name="타원 85">
+            <a:extLst>
+              <a:ext uri="{FF2B5EF4-FFF2-40B4-BE49-F238E27FC236}">
+                <a16:creationId xmlns:a16="http://schemas.microsoft.com/office/drawing/2014/main" id="{C99A9A93-6D5D-BE9F-56B3-4C5692492776}"/>
+              </a:ext>
+            </a:extLst>
+          </p:cNvPr>
+          <p:cNvSpPr/>
+          <p:nvPr/>
+        </p:nvSpPr>
+        <p:spPr>
+          <a:xfrm>
+            <a:off x="2724639" y="2430051"/>
+            <a:ext cx="461908" cy="410670"/>
+          </a:xfrm>
+          <a:prstGeom prst="ellipse">
+            <a:avLst/>
+          </a:prstGeom>
+          <a:solidFill>
+            <a:schemeClr val="bg2"/>
+          </a:solidFill>
+          <a:ln>
+            <a:noFill/>
+          </a:ln>
+        </p:spPr>
+        <p:style>
+          <a:lnRef idx="2">
+            <a:schemeClr val="accent1">
+              <a:shade val="50000"/>
+            </a:schemeClr>
+          </a:lnRef>
+          <a:fillRef idx="1">
+            <a:schemeClr val="accent1"/>
+          </a:fillRef>
+          <a:effectRef idx="0">
+            <a:schemeClr val="accent1"/>
+          </a:effectRef>
+          <a:fontRef idx="minor">
+            <a:schemeClr val="lt1"/>
+          </a:fontRef>
+        </p:style>
+        <p:txBody>
+          <a:bodyPr rtlCol="0" anchor="ctr"/>
+          <a:lstStyle/>
+          <a:p>
+            <a:pPr algn="ctr"/>
+            <a:endParaRPr lang="ko-KR" altLang="en-US" dirty="0"/>
+          </a:p>
+        </p:txBody>
+      </p:sp>
+      <p:pic>
+        <p:nvPicPr>
+          <p:cNvPr id="123" name="그래픽 122" descr="사용자 윤곽선">
+            <a:extLst>
+              <a:ext uri="{FF2B5EF4-FFF2-40B4-BE49-F238E27FC236}">
+                <a16:creationId xmlns:a16="http://schemas.microsoft.com/office/drawing/2014/main" id="{0C099CAD-711B-EB1A-D363-777D93454A67}"/>
+              </a:ext>
+            </a:extLst>
+          </p:cNvPr>
+          <p:cNvPicPr>
+            <a:picLocks noChangeAspect="1"/>
+          </p:cNvPicPr>
+          <p:nvPr/>
+        </p:nvPicPr>
+        <p:blipFill>
+          <a:blip r:embed="rId2">
+            <a:extLst>
+              <a:ext uri="{28A0092B-C50C-407E-A947-70E740481C1C}">
+                <a14:useLocalDpi xmlns:a14="http://schemas.microsoft.com/office/drawing/2010/main" val="0"/>
+              </a:ext>
+              <a:ext uri="{96DAC541-7B7A-43D3-8B79-37D633B846F1}">
+                <asvg:svgBlip xmlns:asvg="http://schemas.microsoft.com/office/drawing/2016/SVG/main" r:embed="rId3"/>
+              </a:ext>
+            </a:extLst>
+          </a:blip>
+          <a:stretch>
+            <a:fillRect/>
+          </a:stretch>
+        </p:blipFill>
+        <p:spPr>
+          <a:xfrm>
+            <a:off x="2758062" y="2458811"/>
+            <a:ext cx="405287" cy="405287"/>
+          </a:xfrm>
+          <a:prstGeom prst="rect">
+            <a:avLst/>
+          </a:prstGeom>
+        </p:spPr>
+      </p:pic>
+      <p:sp>
+        <p:nvSpPr>
+          <p:cNvPr id="6" name="TextBox 5">
+            <a:extLst>
+              <a:ext uri="{FF2B5EF4-FFF2-40B4-BE49-F238E27FC236}">
+                <a16:creationId xmlns:a16="http://schemas.microsoft.com/office/drawing/2014/main" id="{2EABAF28-B9D5-081F-E3A0-854863F9B82D}"/>
+              </a:ext>
+            </a:extLst>
+          </p:cNvPr>
+          <p:cNvSpPr txBox="1"/>
+          <p:nvPr/>
+        </p:nvSpPr>
+        <p:spPr>
+          <a:xfrm>
+            <a:off x="2213034" y="3630523"/>
+            <a:ext cx="1551963" cy="261610"/>
+          </a:xfrm>
+          <a:prstGeom prst="rect">
+            <a:avLst/>
+          </a:prstGeom>
+          <a:solidFill>
+            <a:schemeClr val="accent1">
+              <a:lumMod val="60000"/>
+              <a:lumOff val="40000"/>
+            </a:schemeClr>
+          </a:solidFill>
+          <a:ln>
+            <a:solidFill>
+              <a:schemeClr val="tx1"/>
+            </a:solidFill>
+          </a:ln>
+        </p:spPr>
+        <p:txBody>
+          <a:bodyPr wrap="square" rtlCol="0">
+            <a:spAutoFit/>
+          </a:bodyPr>
+          <a:lstStyle/>
+          <a:p>
+            <a:pPr algn="ctr"/>
+            <a:r>
+              <a:rPr lang="ko-KR" altLang="en-US" sz="1100" dirty="0"/>
+              <a:t>비밀번호 변경</a:t>
+            </a:r>
+          </a:p>
+        </p:txBody>
+      </p:sp>
+      <p:sp>
+        <p:nvSpPr>
+          <p:cNvPr id="124" name="TextBox 123">
+            <a:extLst>
+              <a:ext uri="{FF2B5EF4-FFF2-40B4-BE49-F238E27FC236}">
+                <a16:creationId xmlns:a16="http://schemas.microsoft.com/office/drawing/2014/main" id="{EE109F1B-598E-A0DB-75E1-90A1AF25D421}"/>
+              </a:ext>
+            </a:extLst>
+          </p:cNvPr>
+          <p:cNvSpPr txBox="1"/>
+          <p:nvPr/>
+        </p:nvSpPr>
+        <p:spPr>
+          <a:xfrm>
+            <a:off x="2213034" y="4216205"/>
+            <a:ext cx="1551963" cy="261610"/>
+          </a:xfrm>
+          <a:prstGeom prst="rect">
+            <a:avLst/>
+          </a:prstGeom>
+          <a:solidFill>
+            <a:srgbClr val="FF5050"/>
+          </a:solidFill>
+          <a:ln>
+            <a:solidFill>
+              <a:schemeClr val="tx1"/>
+            </a:solidFill>
+          </a:ln>
+        </p:spPr>
+        <p:txBody>
+          <a:bodyPr wrap="square" rtlCol="0">
+            <a:spAutoFit/>
+          </a:bodyPr>
+          <a:lstStyle/>
+          <a:p>
+            <a:pPr algn="ctr"/>
+            <a:r>
+              <a:rPr lang="ko-KR" altLang="en-US" sz="1100" dirty="0"/>
+              <a:t>회원 탈퇴</a:t>
+            </a:r>
+          </a:p>
+        </p:txBody>
+      </p:sp>
+      <p:sp>
+        <p:nvSpPr>
+          <p:cNvPr id="8" name="TextBox 7">
+            <a:extLst>
+              <a:ext uri="{FF2B5EF4-FFF2-40B4-BE49-F238E27FC236}">
+                <a16:creationId xmlns:a16="http://schemas.microsoft.com/office/drawing/2014/main" id="{EAED2EDD-D962-541C-3520-7E2D07545C42}"/>
+              </a:ext>
+            </a:extLst>
+          </p:cNvPr>
+          <p:cNvSpPr txBox="1"/>
+          <p:nvPr/>
+        </p:nvSpPr>
+        <p:spPr>
+          <a:xfrm>
+            <a:off x="2213034" y="2966750"/>
+            <a:ext cx="1551963" cy="567463"/>
+          </a:xfrm>
+          <a:prstGeom prst="rect">
+            <a:avLst/>
+          </a:prstGeom>
+          <a:noFill/>
+        </p:spPr>
+        <p:txBody>
+          <a:bodyPr wrap="square" rtlCol="0">
+            <a:spAutoFit/>
+          </a:bodyPr>
+          <a:lstStyle/>
+          <a:p>
+            <a:pPr>
+              <a:lnSpc>
+                <a:spcPct val="150000"/>
+              </a:lnSpc>
+            </a:pPr>
+            <a:r>
+              <a:rPr lang="ko-KR" altLang="en-US" sz="1100" dirty="0"/>
+              <a:t>이름 </a:t>
+            </a:r>
+            <a:r>
+              <a:rPr lang="en-US" altLang="ko-KR" sz="1100" dirty="0"/>
+              <a:t>: ---</a:t>
+            </a:r>
+          </a:p>
+          <a:p>
+            <a:pPr>
+              <a:lnSpc>
+                <a:spcPct val="150000"/>
+              </a:lnSpc>
+            </a:pPr>
+            <a:r>
+              <a:rPr lang="ko-KR" altLang="en-US" sz="1100" dirty="0"/>
+              <a:t>이메일 </a:t>
+            </a:r>
+            <a:r>
+              <a:rPr lang="en-US" altLang="ko-KR" sz="1100" dirty="0"/>
+              <a:t>: ---</a:t>
+            </a:r>
+          </a:p>
+        </p:txBody>
+      </p:sp>
+      <p:sp>
+        <p:nvSpPr>
+          <p:cNvPr id="132" name="TextBox 131">
+            <a:extLst>
+              <a:ext uri="{FF2B5EF4-FFF2-40B4-BE49-F238E27FC236}">
+                <a16:creationId xmlns:a16="http://schemas.microsoft.com/office/drawing/2014/main" id="{1611D94A-5931-53E7-5C3E-08E8B651FEEF}"/>
+              </a:ext>
+            </a:extLst>
+          </p:cNvPr>
+          <p:cNvSpPr txBox="1"/>
+          <p:nvPr/>
+        </p:nvSpPr>
+        <p:spPr>
+          <a:xfrm>
+            <a:off x="2213034" y="3924260"/>
+            <a:ext cx="1551963" cy="261610"/>
+          </a:xfrm>
+          <a:prstGeom prst="rect">
+            <a:avLst/>
+          </a:prstGeom>
+          <a:solidFill>
+            <a:schemeClr val="accent4">
+              <a:lumMod val="60000"/>
+              <a:lumOff val="40000"/>
+            </a:schemeClr>
+          </a:solidFill>
+          <a:ln>
+            <a:solidFill>
+              <a:schemeClr val="tx1"/>
+            </a:solidFill>
+          </a:ln>
+        </p:spPr>
+        <p:txBody>
+          <a:bodyPr wrap="square" rtlCol="0">
+            <a:spAutoFit/>
+          </a:bodyPr>
+          <a:lstStyle/>
+          <a:p>
+            <a:pPr algn="ctr"/>
+            <a:r>
+              <a:rPr lang="ko-KR" altLang="en-US" sz="1100" dirty="0"/>
+              <a:t>로그아웃</a:t>
+            </a:r>
+          </a:p>
+        </p:txBody>
+      </p:sp>
+      <p:sp>
+        <p:nvSpPr>
+          <p:cNvPr id="133" name="직사각형 132">
+            <a:extLst>
+              <a:ext uri="{FF2B5EF4-FFF2-40B4-BE49-F238E27FC236}">
+                <a16:creationId xmlns:a16="http://schemas.microsoft.com/office/drawing/2014/main" id="{8499289C-B262-535F-D91A-F5A87414DA56}"/>
+              </a:ext>
+            </a:extLst>
+          </p:cNvPr>
+          <p:cNvSpPr/>
+          <p:nvPr/>
+        </p:nvSpPr>
+        <p:spPr>
+          <a:xfrm>
+            <a:off x="101108" y="4792918"/>
+            <a:ext cx="2734002" cy="723063"/>
+          </a:xfrm>
+          <a:prstGeom prst="rect">
+            <a:avLst/>
+          </a:prstGeom>
+          <a:solidFill>
+            <a:schemeClr val="bg2"/>
+          </a:solidFill>
+          <a:ln>
+            <a:noFill/>
+          </a:ln>
+        </p:spPr>
+        <p:style>
+          <a:lnRef idx="2">
+            <a:schemeClr val="accent1">
+              <a:shade val="50000"/>
+            </a:schemeClr>
+          </a:lnRef>
+          <a:fillRef idx="1">
+            <a:schemeClr val="accent1"/>
+          </a:fillRef>
+          <a:effectRef idx="0">
+            <a:schemeClr val="accent1"/>
+          </a:effectRef>
+          <a:fontRef idx="minor">
+            <a:schemeClr val="lt1"/>
+          </a:fontRef>
+        </p:style>
+        <p:txBody>
+          <a:bodyPr rtlCol="0" anchor="ctr"/>
+          <a:lstStyle/>
+          <a:p>
+            <a:pPr algn="ctr"/>
+            <a:r>
+              <a:rPr lang="ko-KR" altLang="en-US" sz="1100" dirty="0">
+                <a:solidFill>
+                  <a:schemeClr val="tx1"/>
+                </a:solidFill>
+              </a:rPr>
+              <a:t>로그아웃 하시겠습니까</a:t>
+            </a:r>
+            <a:r>
+              <a:rPr lang="en-US" altLang="ko-KR" sz="1100" dirty="0">
+                <a:solidFill>
+                  <a:schemeClr val="tx1"/>
+                </a:solidFill>
+              </a:rPr>
+              <a:t>?</a:t>
+            </a:r>
+          </a:p>
+          <a:p>
+            <a:pPr algn="ctr"/>
+            <a:endParaRPr lang="ko-KR" altLang="en-US" sz="1100" dirty="0">
+              <a:solidFill>
+                <a:schemeClr val="tx1"/>
+              </a:solidFill>
+            </a:endParaRPr>
+          </a:p>
+        </p:txBody>
+      </p:sp>
+      <p:sp>
+        <p:nvSpPr>
+          <p:cNvPr id="134" name="직사각형 133">
+            <a:extLst>
+              <a:ext uri="{FF2B5EF4-FFF2-40B4-BE49-F238E27FC236}">
+                <a16:creationId xmlns:a16="http://schemas.microsoft.com/office/drawing/2014/main" id="{09EE6367-6D2D-64BE-ED30-B84ED6846D7A}"/>
+              </a:ext>
+            </a:extLst>
+          </p:cNvPr>
+          <p:cNvSpPr/>
+          <p:nvPr/>
+        </p:nvSpPr>
+        <p:spPr>
+          <a:xfrm>
+            <a:off x="433564" y="5239144"/>
+            <a:ext cx="915200" cy="182568"/>
+          </a:xfrm>
+          <a:prstGeom prst="rect">
+            <a:avLst/>
+          </a:prstGeom>
+          <a:solidFill>
+            <a:schemeClr val="accent5"/>
+          </a:solidFill>
+          <a:ln>
+            <a:noFill/>
+          </a:ln>
+        </p:spPr>
+        <p:style>
+          <a:lnRef idx="2">
+            <a:schemeClr val="accent1">
+              <a:shade val="50000"/>
+            </a:schemeClr>
+          </a:lnRef>
+          <a:fillRef idx="1">
+            <a:schemeClr val="accent1"/>
+          </a:fillRef>
+          <a:effectRef idx="0">
+            <a:schemeClr val="accent1"/>
+          </a:effectRef>
+          <a:fontRef idx="minor">
+            <a:schemeClr val="lt1"/>
+          </a:fontRef>
+        </p:style>
+        <p:txBody>
+          <a:bodyPr rtlCol="0" anchor="ctr"/>
+          <a:lstStyle/>
+          <a:p>
+            <a:pPr algn="ctr"/>
+            <a:r>
+              <a:rPr lang="ko-KR" altLang="en-US" sz="1100" dirty="0"/>
+              <a:t>예</a:t>
+            </a:r>
+          </a:p>
+        </p:txBody>
+      </p:sp>
+      <p:sp>
+        <p:nvSpPr>
+          <p:cNvPr id="135" name="직사각형 134">
+            <a:extLst>
+              <a:ext uri="{FF2B5EF4-FFF2-40B4-BE49-F238E27FC236}">
+                <a16:creationId xmlns:a16="http://schemas.microsoft.com/office/drawing/2014/main" id="{DF299682-B01B-F554-4A50-077FE0D46895}"/>
+              </a:ext>
+            </a:extLst>
+          </p:cNvPr>
+          <p:cNvSpPr/>
+          <p:nvPr/>
+        </p:nvSpPr>
+        <p:spPr>
+          <a:xfrm>
+            <a:off x="1617014" y="5239144"/>
+            <a:ext cx="915200" cy="182568"/>
+          </a:xfrm>
+          <a:prstGeom prst="rect">
+            <a:avLst/>
+          </a:prstGeom>
+          <a:solidFill>
+            <a:schemeClr val="accent3"/>
+          </a:solidFill>
+          <a:ln>
+            <a:noFill/>
+          </a:ln>
+        </p:spPr>
+        <p:style>
+          <a:lnRef idx="2">
+            <a:schemeClr val="accent1">
+              <a:shade val="50000"/>
+            </a:schemeClr>
+          </a:lnRef>
+          <a:fillRef idx="1">
+            <a:schemeClr val="accent1"/>
+          </a:fillRef>
+          <a:effectRef idx="0">
+            <a:schemeClr val="accent1"/>
+          </a:effectRef>
+          <a:fontRef idx="minor">
+            <a:schemeClr val="lt1"/>
+          </a:fontRef>
+        </p:style>
+        <p:txBody>
+          <a:bodyPr rtlCol="0" anchor="ctr"/>
+          <a:lstStyle/>
+          <a:p>
+            <a:pPr algn="ctr"/>
+            <a:r>
+              <a:rPr lang="ko-KR" altLang="en-US" sz="1100" dirty="0" err="1"/>
+              <a:t>아니오</a:t>
+            </a:r>
+            <a:endParaRPr lang="ko-KR" altLang="en-US" sz="1100" dirty="0"/>
+          </a:p>
+        </p:txBody>
+      </p:sp>
+      <p:sp>
+        <p:nvSpPr>
+          <p:cNvPr id="136" name="직사각형 135">
+            <a:extLst>
+              <a:ext uri="{FF2B5EF4-FFF2-40B4-BE49-F238E27FC236}">
+                <a16:creationId xmlns:a16="http://schemas.microsoft.com/office/drawing/2014/main" id="{E9C5CA7C-50AD-B12C-064F-04077688989E}"/>
+              </a:ext>
+            </a:extLst>
+          </p:cNvPr>
+          <p:cNvSpPr/>
+          <p:nvPr/>
+        </p:nvSpPr>
+        <p:spPr>
+          <a:xfrm>
+            <a:off x="3158879" y="4792918"/>
+            <a:ext cx="2734002" cy="723063"/>
+          </a:xfrm>
+          <a:prstGeom prst="rect">
+            <a:avLst/>
+          </a:prstGeom>
+          <a:solidFill>
+            <a:schemeClr val="bg2"/>
+          </a:solidFill>
+          <a:ln>
+            <a:noFill/>
+          </a:ln>
+        </p:spPr>
+        <p:style>
+          <a:lnRef idx="2">
+            <a:schemeClr val="accent1">
+              <a:shade val="50000"/>
+            </a:schemeClr>
+          </a:lnRef>
+          <a:fillRef idx="1">
+            <a:schemeClr val="accent1"/>
+          </a:fillRef>
+          <a:effectRef idx="0">
+            <a:schemeClr val="accent1"/>
+          </a:effectRef>
+          <a:fontRef idx="minor">
+            <a:schemeClr val="lt1"/>
+          </a:fontRef>
+        </p:style>
+        <p:txBody>
+          <a:bodyPr rtlCol="0" anchor="ctr"/>
+          <a:lstStyle/>
+          <a:p>
+            <a:pPr algn="ctr"/>
+            <a:r>
+              <a:rPr lang="ko-KR" altLang="en-US" sz="1100" dirty="0">
+                <a:solidFill>
+                  <a:schemeClr val="tx1"/>
+                </a:solidFill>
+              </a:rPr>
+              <a:t>탈퇴 하시겠습니까</a:t>
+            </a:r>
+            <a:r>
+              <a:rPr lang="en-US" altLang="ko-KR" sz="1100" dirty="0">
+                <a:solidFill>
+                  <a:schemeClr val="tx1"/>
+                </a:solidFill>
+              </a:rPr>
+              <a:t>?</a:t>
+            </a:r>
+          </a:p>
+          <a:p>
+            <a:pPr algn="ctr"/>
+            <a:r>
+              <a:rPr lang="en-US" altLang="ko-KR" sz="1100" dirty="0">
+                <a:solidFill>
+                  <a:schemeClr val="tx1"/>
+                </a:solidFill>
+              </a:rPr>
+              <a:t>(</a:t>
+            </a:r>
+            <a:r>
+              <a:rPr lang="ko-KR" altLang="en-US" sz="1100" dirty="0">
+                <a:solidFill>
+                  <a:schemeClr val="tx1"/>
+                </a:solidFill>
+              </a:rPr>
+              <a:t>탈퇴 시</a:t>
+            </a:r>
+            <a:r>
+              <a:rPr lang="en-US" altLang="ko-KR" sz="1100" dirty="0">
+                <a:solidFill>
+                  <a:schemeClr val="tx1"/>
+                </a:solidFill>
+              </a:rPr>
+              <a:t>, </a:t>
+            </a:r>
+            <a:r>
+              <a:rPr lang="ko-KR" altLang="en-US" sz="1100" dirty="0">
+                <a:solidFill>
+                  <a:schemeClr val="tx1"/>
+                </a:solidFill>
+              </a:rPr>
+              <a:t>모든 정보가 삭제됩니다</a:t>
+            </a:r>
+            <a:r>
+              <a:rPr lang="en-US" altLang="ko-KR" sz="1100" dirty="0">
+                <a:solidFill>
+                  <a:schemeClr val="tx1"/>
+                </a:solidFill>
+              </a:rPr>
+              <a:t>.)</a:t>
+            </a:r>
+          </a:p>
+          <a:p>
+            <a:pPr algn="ctr"/>
+            <a:endParaRPr lang="ko-KR" altLang="en-US" sz="1100" dirty="0">
+              <a:solidFill>
+                <a:schemeClr val="tx1"/>
+              </a:solidFill>
+            </a:endParaRPr>
+          </a:p>
+        </p:txBody>
+      </p:sp>
+      <p:sp>
+        <p:nvSpPr>
+          <p:cNvPr id="137" name="직사각형 136">
+            <a:extLst>
+              <a:ext uri="{FF2B5EF4-FFF2-40B4-BE49-F238E27FC236}">
+                <a16:creationId xmlns:a16="http://schemas.microsoft.com/office/drawing/2014/main" id="{CECB74A5-FC99-6233-E74C-4DA77BA912CC}"/>
+              </a:ext>
+            </a:extLst>
+          </p:cNvPr>
+          <p:cNvSpPr/>
+          <p:nvPr/>
+        </p:nvSpPr>
+        <p:spPr>
+          <a:xfrm>
+            <a:off x="3491335" y="5270308"/>
+            <a:ext cx="915200" cy="182568"/>
+          </a:xfrm>
+          <a:prstGeom prst="rect">
+            <a:avLst/>
+          </a:prstGeom>
+          <a:solidFill>
+            <a:srgbClr val="FF3F3F"/>
+          </a:solidFill>
+          <a:ln>
+            <a:noFill/>
+          </a:ln>
+        </p:spPr>
+        <p:style>
+          <a:lnRef idx="2">
+            <a:schemeClr val="accent1">
+              <a:shade val="50000"/>
+            </a:schemeClr>
+          </a:lnRef>
+          <a:fillRef idx="1">
+            <a:schemeClr val="accent1"/>
+          </a:fillRef>
+          <a:effectRef idx="0">
+            <a:schemeClr val="accent1"/>
+          </a:effectRef>
+          <a:fontRef idx="minor">
+            <a:schemeClr val="lt1"/>
+          </a:fontRef>
+        </p:style>
+        <p:txBody>
+          <a:bodyPr rtlCol="0" anchor="ctr"/>
+          <a:lstStyle/>
+          <a:p>
+            <a:pPr algn="ctr"/>
+            <a:r>
+              <a:rPr lang="ko-KR" altLang="en-US" sz="1100" dirty="0"/>
+              <a:t>예</a:t>
+            </a:r>
+          </a:p>
+        </p:txBody>
+      </p:sp>
+      <p:sp>
+        <p:nvSpPr>
+          <p:cNvPr id="138" name="직사각형 137">
+            <a:extLst>
+              <a:ext uri="{FF2B5EF4-FFF2-40B4-BE49-F238E27FC236}">
+                <a16:creationId xmlns:a16="http://schemas.microsoft.com/office/drawing/2014/main" id="{C22FBCA6-F1C1-BDEF-45D7-4C6BDBDA939B}"/>
+              </a:ext>
+            </a:extLst>
+          </p:cNvPr>
+          <p:cNvSpPr/>
+          <p:nvPr/>
+        </p:nvSpPr>
+        <p:spPr>
+          <a:xfrm>
+            <a:off x="4674785" y="5270308"/>
+            <a:ext cx="915200" cy="182568"/>
+          </a:xfrm>
+          <a:prstGeom prst="rect">
+            <a:avLst/>
+          </a:prstGeom>
+          <a:solidFill>
+            <a:schemeClr val="accent3"/>
+          </a:solidFill>
+          <a:ln>
+            <a:noFill/>
+          </a:ln>
+        </p:spPr>
+        <p:style>
+          <a:lnRef idx="2">
+            <a:schemeClr val="accent1">
+              <a:shade val="50000"/>
+            </a:schemeClr>
+          </a:lnRef>
+          <a:fillRef idx="1">
+            <a:schemeClr val="accent1"/>
+          </a:fillRef>
+          <a:effectRef idx="0">
+            <a:schemeClr val="accent1"/>
+          </a:effectRef>
+          <a:fontRef idx="minor">
+            <a:schemeClr val="lt1"/>
+          </a:fontRef>
+        </p:style>
+        <p:txBody>
+          <a:bodyPr rtlCol="0" anchor="ctr"/>
+          <a:lstStyle/>
+          <a:p>
+            <a:pPr algn="ctr"/>
+            <a:r>
+              <a:rPr lang="ko-KR" altLang="en-US" sz="1100" dirty="0" err="1"/>
+              <a:t>아니오</a:t>
+            </a:r>
+            <a:endParaRPr lang="ko-KR" altLang="en-US" sz="1100" dirty="0"/>
+          </a:p>
+        </p:txBody>
+      </p:sp>
+      <p:sp>
+        <p:nvSpPr>
+          <p:cNvPr id="139" name="직사각형 138">
+            <a:extLst>
+              <a:ext uri="{FF2B5EF4-FFF2-40B4-BE49-F238E27FC236}">
+                <a16:creationId xmlns:a16="http://schemas.microsoft.com/office/drawing/2014/main" id="{E4F863F4-4285-71C3-FA9E-44D9A822B418}"/>
+              </a:ext>
+            </a:extLst>
+          </p:cNvPr>
+          <p:cNvSpPr/>
+          <p:nvPr/>
+        </p:nvSpPr>
+        <p:spPr>
+          <a:xfrm>
+            <a:off x="6574381" y="811358"/>
+            <a:ext cx="3240000" cy="4310784"/>
+          </a:xfrm>
+          <a:prstGeom prst="rect">
+            <a:avLst/>
+          </a:prstGeom>
+          <a:solidFill>
+            <a:schemeClr val="bg2"/>
+          </a:solidFill>
           <a:ln>
             <a:solidFill>
               <a:schemeClr val="tx1"/>
@@ -29889,20 +30788,20 @@
       </p:sp>
       <p:sp>
         <p:nvSpPr>
-          <p:cNvPr id="64" name="직사각형 63">
-            <a:extLst>
-              <a:ext uri="{FF2B5EF4-FFF2-40B4-BE49-F238E27FC236}">
-                <a16:creationId xmlns:a16="http://schemas.microsoft.com/office/drawing/2014/main" id="{61A4B39C-5549-AC8B-1A60-00FAFBE43E00}"/>
-              </a:ext>
-            </a:extLst>
-          </p:cNvPr>
-          <p:cNvSpPr/>
-          <p:nvPr/>
-        </p:nvSpPr>
-        <p:spPr>
-          <a:xfrm>
-            <a:off x="6065651" y="892908"/>
-            <a:ext cx="659935" cy="410670"/>
+          <p:cNvPr id="140" name="직사각형 139">
+            <a:extLst>
+              <a:ext uri="{FF2B5EF4-FFF2-40B4-BE49-F238E27FC236}">
+                <a16:creationId xmlns:a16="http://schemas.microsoft.com/office/drawing/2014/main" id="{333A7D70-4677-88B8-219F-599390059A32}"/>
+              </a:ext>
+            </a:extLst>
+          </p:cNvPr>
+          <p:cNvSpPr/>
+          <p:nvPr/>
+        </p:nvSpPr>
+        <p:spPr>
+          <a:xfrm>
+            <a:off x="7077247" y="2687130"/>
+            <a:ext cx="2234268" cy="286653"/>
           </a:xfrm>
           <a:prstGeom prst="rect">
             <a:avLst/>
@@ -29914,261 +30813,76 @@
             </a:schemeClr>
           </a:solidFill>
           <a:ln>
-            <a:solidFill>
-              <a:schemeClr val="tx1"/>
-            </a:solidFill>
-          </a:ln>
-        </p:spPr>
-        <p:style>
-          <a:lnRef idx="2">
-            <a:schemeClr val="accent1">
-              <a:shade val="50000"/>
-            </a:schemeClr>
-          </a:lnRef>
-          <a:fillRef idx="1">
-            <a:schemeClr val="accent1"/>
-          </a:fillRef>
-          <a:effectRef idx="0">
-            <a:schemeClr val="accent1"/>
-          </a:effectRef>
-          <a:fontRef idx="minor">
-            <a:schemeClr val="lt1"/>
-          </a:fontRef>
-        </p:style>
-        <p:txBody>
-          <a:bodyPr rtlCol="0" anchor="ctr"/>
-          <a:lstStyle/>
-          <a:p>
-            <a:pPr algn="ctr"/>
-            <a:r>
-              <a:rPr lang="ko-KR" altLang="en-US" sz="1200" dirty="0" err="1">
+            <a:noFill/>
+          </a:ln>
+        </p:spPr>
+        <p:style>
+          <a:lnRef idx="2">
+            <a:schemeClr val="accent1">
+              <a:shade val="50000"/>
+            </a:schemeClr>
+          </a:lnRef>
+          <a:fillRef idx="1">
+            <a:schemeClr val="accent1"/>
+          </a:fillRef>
+          <a:effectRef idx="0">
+            <a:schemeClr val="accent1"/>
+          </a:effectRef>
+          <a:fontRef idx="minor">
+            <a:schemeClr val="lt1"/>
+          </a:fontRef>
+        </p:style>
+        <p:txBody>
+          <a:bodyPr rtlCol="0" anchor="ctr"/>
+          <a:lstStyle/>
+          <a:p>
+            <a:pPr algn="ctr"/>
+            <a:r>
+              <a:rPr lang="ko-KR" altLang="en-US" sz="1100" dirty="0">
                 <a:solidFill>
                   <a:schemeClr val="tx1"/>
                 </a:solidFill>
                 <a:latin typeface="여기어때 잘난체" panose="020B0600000101010101" pitchFamily="50" charset="-127"/>
                 <a:ea typeface="여기어때 잘난체" panose="020B0600000101010101" pitchFamily="50" charset="-127"/>
               </a:rPr>
-              <a:t>홈버튼</a:t>
-            </a:r>
-            <a:r>
-              <a:rPr lang="ko-KR" altLang="en-US" sz="1200" dirty="0">
+              <a:t>변경할 비밀번호</a:t>
+            </a:r>
+            <a:r>
+              <a:rPr lang="en-US" altLang="ko-KR" sz="1100" dirty="0">
                 <a:solidFill>
                   <a:schemeClr val="tx1"/>
                 </a:solidFill>
                 <a:latin typeface="여기어때 잘난체" panose="020B0600000101010101" pitchFamily="50" charset="-127"/>
                 <a:ea typeface="여기어때 잘난체" panose="020B0600000101010101" pitchFamily="50" charset="-127"/>
               </a:rPr>
-              <a:t> 로고</a:t>
-            </a:r>
-          </a:p>
-        </p:txBody>
-      </p:sp>
-      <p:sp>
-        <p:nvSpPr>
-          <p:cNvPr id="76" name="타원 75">
-            <a:extLst>
-              <a:ext uri="{FF2B5EF4-FFF2-40B4-BE49-F238E27FC236}">
-                <a16:creationId xmlns:a16="http://schemas.microsoft.com/office/drawing/2014/main" id="{9B1B37E0-4C4D-97D7-7711-B82DB2A75E70}"/>
-              </a:ext>
-            </a:extLst>
-          </p:cNvPr>
-          <p:cNvSpPr/>
-          <p:nvPr/>
-        </p:nvSpPr>
-        <p:spPr>
-          <a:xfrm>
-            <a:off x="8986599" y="923582"/>
-            <a:ext cx="461908" cy="410670"/>
-          </a:xfrm>
-          <a:prstGeom prst="ellipse">
-            <a:avLst/>
-          </a:prstGeom>
-          <a:solidFill>
-            <a:schemeClr val="bg2"/>
-          </a:solidFill>
-          <a:ln>
-            <a:noFill/>
-          </a:ln>
-        </p:spPr>
-        <p:style>
-          <a:lnRef idx="2">
-            <a:schemeClr val="accent1">
-              <a:shade val="50000"/>
-            </a:schemeClr>
-          </a:lnRef>
-          <a:fillRef idx="1">
-            <a:schemeClr val="accent1"/>
-          </a:fillRef>
-          <a:effectRef idx="0">
-            <a:schemeClr val="accent1"/>
-          </a:effectRef>
-          <a:fontRef idx="minor">
-            <a:schemeClr val="lt1"/>
-          </a:fontRef>
-        </p:style>
-        <p:txBody>
-          <a:bodyPr rtlCol="0" anchor="ctr"/>
-          <a:lstStyle/>
-          <a:p>
-            <a:pPr algn="ctr"/>
-            <a:endParaRPr lang="ko-KR" altLang="en-US" dirty="0"/>
-          </a:p>
-        </p:txBody>
-      </p:sp>
-      <p:pic>
-        <p:nvPicPr>
-          <p:cNvPr id="77" name="그래픽 76" descr="사용자 윤곽선">
-            <a:extLst>
-              <a:ext uri="{FF2B5EF4-FFF2-40B4-BE49-F238E27FC236}">
-                <a16:creationId xmlns:a16="http://schemas.microsoft.com/office/drawing/2014/main" id="{CC1B5EA2-2052-655D-F20E-9313E1C94177}"/>
-              </a:ext>
-            </a:extLst>
-          </p:cNvPr>
-          <p:cNvPicPr>
-            <a:picLocks noChangeAspect="1"/>
-          </p:cNvPicPr>
-          <p:nvPr/>
-        </p:nvPicPr>
-        <p:blipFill>
-          <a:blip r:embed="rId2">
-            <a:extLst>
-              <a:ext uri="{28A0092B-C50C-407E-A947-70E740481C1C}">
-                <a14:useLocalDpi xmlns:a14="http://schemas.microsoft.com/office/drawing/2010/main" val="0"/>
-              </a:ext>
-              <a:ext uri="{96DAC541-7B7A-43D3-8B79-37D633B846F1}">
-                <asvg:svgBlip xmlns:asvg="http://schemas.microsoft.com/office/drawing/2016/SVG/main" r:embed="rId3"/>
-              </a:ext>
-            </a:extLst>
-          </a:blip>
-          <a:stretch>
-            <a:fillRect/>
-          </a:stretch>
-        </p:blipFill>
-        <p:spPr>
-          <a:xfrm>
-            <a:off x="9020022" y="952342"/>
-            <a:ext cx="405287" cy="405287"/>
-          </a:xfrm>
-          <a:prstGeom prst="rect">
-            <a:avLst/>
-          </a:prstGeom>
-        </p:spPr>
-      </p:pic>
-      <p:cxnSp>
-        <p:nvCxnSpPr>
-          <p:cNvPr id="78" name="직선 연결선 77">
-            <a:extLst>
-              <a:ext uri="{FF2B5EF4-FFF2-40B4-BE49-F238E27FC236}">
-                <a16:creationId xmlns:a16="http://schemas.microsoft.com/office/drawing/2014/main" id="{56A2C5E9-7236-A65F-B3AC-B23E098E8611}"/>
-              </a:ext>
-            </a:extLst>
-          </p:cNvPr>
-          <p:cNvCxnSpPr>
-            <a:cxnSpLocks/>
-          </p:cNvCxnSpPr>
-          <p:nvPr/>
-        </p:nvCxnSpPr>
-        <p:spPr>
-          <a:xfrm>
-            <a:off x="410034" y="2541486"/>
-            <a:ext cx="5233777" cy="0"/>
-          </a:xfrm>
-          <a:prstGeom prst="line">
-            <a:avLst/>
-          </a:prstGeom>
-          <a:ln>
-            <a:solidFill>
-              <a:schemeClr val="bg2"/>
-            </a:solidFill>
-          </a:ln>
-        </p:spPr>
-        <p:style>
-          <a:lnRef idx="1">
-            <a:schemeClr val="accent1"/>
-          </a:lnRef>
-          <a:fillRef idx="0">
-            <a:schemeClr val="accent1"/>
-          </a:fillRef>
-          <a:effectRef idx="0">
-            <a:schemeClr val="accent1"/>
-          </a:effectRef>
-          <a:fontRef idx="minor">
-            <a:schemeClr val="tx1"/>
-          </a:fontRef>
-        </p:style>
-      </p:cxnSp>
-      <p:sp>
-        <p:nvSpPr>
-          <p:cNvPr id="79" name="직사각형 78">
-            <a:extLst>
-              <a:ext uri="{FF2B5EF4-FFF2-40B4-BE49-F238E27FC236}">
-                <a16:creationId xmlns:a16="http://schemas.microsoft.com/office/drawing/2014/main" id="{F9C07D22-53ED-BFD6-B71E-A17A520BE314}"/>
-              </a:ext>
-            </a:extLst>
-          </p:cNvPr>
-          <p:cNvSpPr/>
-          <p:nvPr/>
-        </p:nvSpPr>
-        <p:spPr>
-          <a:xfrm>
-            <a:off x="9728583" y="817232"/>
-            <a:ext cx="2325131" cy="3849657"/>
-          </a:xfrm>
-          <a:prstGeom prst="rect">
-            <a:avLst/>
-          </a:prstGeom>
-          <a:noFill/>
-          <a:ln>
-            <a:solidFill>
-              <a:schemeClr val="tx1"/>
-            </a:solidFill>
-          </a:ln>
-        </p:spPr>
-        <p:style>
-          <a:lnRef idx="2">
-            <a:schemeClr val="accent1">
-              <a:shade val="50000"/>
-            </a:schemeClr>
-          </a:lnRef>
-          <a:fillRef idx="1">
-            <a:schemeClr val="accent1"/>
-          </a:fillRef>
-          <a:effectRef idx="0">
-            <a:schemeClr val="accent1"/>
-          </a:effectRef>
-          <a:fontRef idx="minor">
-            <a:schemeClr val="lt1"/>
-          </a:fontRef>
-        </p:style>
-        <p:txBody>
-          <a:bodyPr rtlCol="0" anchor="ctr"/>
-          <a:lstStyle/>
-          <a:p>
-            <a:pPr algn="ctr"/>
-            <a:endParaRPr lang="ko-KR" altLang="en-US" dirty="0">
+              <a:t>:	 </a:t>
+            </a:r>
+            <a:endParaRPr lang="ko-KR" altLang="en-US" sz="1100" dirty="0">
               <a:solidFill>
                 <a:schemeClr val="tx1"/>
               </a:solidFill>
+              <a:latin typeface="여기어때 잘난체" panose="020B0600000101010101" pitchFamily="50" charset="-127"/>
+              <a:ea typeface="여기어때 잘난체" panose="020B0600000101010101" pitchFamily="50" charset="-127"/>
             </a:endParaRPr>
           </a:p>
         </p:txBody>
       </p:sp>
       <p:sp>
         <p:nvSpPr>
-          <p:cNvPr id="80" name="직사각형 79">
-            <a:extLst>
-              <a:ext uri="{FF2B5EF4-FFF2-40B4-BE49-F238E27FC236}">
-                <a16:creationId xmlns:a16="http://schemas.microsoft.com/office/drawing/2014/main" id="{3DD0D8F7-13E0-421D-DB14-14A52D9D5E3E}"/>
-              </a:ext>
-            </a:extLst>
-          </p:cNvPr>
-          <p:cNvSpPr/>
-          <p:nvPr/>
-        </p:nvSpPr>
-        <p:spPr>
-          <a:xfrm>
-            <a:off x="9831630" y="892908"/>
-            <a:ext cx="659935" cy="410670"/>
+          <p:cNvPr id="141" name="직사각형 140">
+            <a:extLst>
+              <a:ext uri="{FF2B5EF4-FFF2-40B4-BE49-F238E27FC236}">
+                <a16:creationId xmlns:a16="http://schemas.microsoft.com/office/drawing/2014/main" id="{D84964BE-BCEF-8D59-4B1C-E9FBECFF0516}"/>
+              </a:ext>
+            </a:extLst>
+          </p:cNvPr>
+          <p:cNvSpPr/>
+          <p:nvPr/>
+        </p:nvSpPr>
+        <p:spPr>
+          <a:xfrm>
+            <a:off x="7084085" y="3871190"/>
+            <a:ext cx="2234266" cy="286653"/>
           </a:xfrm>
           <a:prstGeom prst="rect">
             <a:avLst/>
@@ -30180,71 +30894,59 @@
             </a:schemeClr>
           </a:solidFill>
           <a:ln>
-            <a:solidFill>
-              <a:schemeClr val="tx1"/>
-            </a:solidFill>
-          </a:ln>
-        </p:spPr>
-        <p:style>
-          <a:lnRef idx="2">
-            <a:schemeClr val="accent1">
-              <a:shade val="50000"/>
-            </a:schemeClr>
-          </a:lnRef>
-          <a:fillRef idx="1">
-            <a:schemeClr val="accent1"/>
-          </a:fillRef>
-          <a:effectRef idx="0">
-            <a:schemeClr val="accent1"/>
-          </a:effectRef>
-          <a:fontRef idx="minor">
-            <a:schemeClr val="lt1"/>
-          </a:fontRef>
-        </p:style>
-        <p:txBody>
-          <a:bodyPr rtlCol="0" anchor="ctr"/>
-          <a:lstStyle/>
-          <a:p>
-            <a:pPr algn="ctr"/>
-            <a:r>
-              <a:rPr lang="ko-KR" altLang="en-US" sz="1200" dirty="0" err="1">
+            <a:noFill/>
+          </a:ln>
+        </p:spPr>
+        <p:style>
+          <a:lnRef idx="2">
+            <a:schemeClr val="accent1">
+              <a:shade val="50000"/>
+            </a:schemeClr>
+          </a:lnRef>
+          <a:fillRef idx="1">
+            <a:schemeClr val="accent1"/>
+          </a:fillRef>
+          <a:effectRef idx="0">
+            <a:schemeClr val="accent1"/>
+          </a:effectRef>
+          <a:fontRef idx="minor">
+            <a:schemeClr val="lt1"/>
+          </a:fontRef>
+        </p:style>
+        <p:txBody>
+          <a:bodyPr rtlCol="0" anchor="ctr"/>
+          <a:lstStyle/>
+          <a:p>
+            <a:pPr algn="ctr"/>
+            <a:r>
+              <a:rPr lang="ko-KR" altLang="en-US" sz="1200" dirty="0">
                 <a:solidFill>
                   <a:schemeClr val="tx1"/>
                 </a:solidFill>
                 <a:latin typeface="여기어때 잘난체" panose="020B0600000101010101" pitchFamily="50" charset="-127"/>
                 <a:ea typeface="여기어때 잘난체" panose="020B0600000101010101" pitchFamily="50" charset="-127"/>
               </a:rPr>
-              <a:t>홈버튼</a:t>
-            </a:r>
-            <a:r>
-              <a:rPr lang="ko-KR" altLang="en-US" sz="1200" dirty="0">
-                <a:solidFill>
-                  <a:schemeClr val="tx1"/>
-                </a:solidFill>
-                <a:latin typeface="여기어때 잘난체" panose="020B0600000101010101" pitchFamily="50" charset="-127"/>
-                <a:ea typeface="여기어때 잘난체" panose="020B0600000101010101" pitchFamily="50" charset="-127"/>
-              </a:rPr>
-              <a:t> 로고</a:t>
-            </a:r>
-          </a:p>
-        </p:txBody>
-      </p:sp>
-      <p:sp>
-        <p:nvSpPr>
-          <p:cNvPr id="81" name="직사각형 80">
-            <a:extLst>
-              <a:ext uri="{FF2B5EF4-FFF2-40B4-BE49-F238E27FC236}">
-                <a16:creationId xmlns:a16="http://schemas.microsoft.com/office/drawing/2014/main" id="{FA3AABCC-DC6E-78AC-94F0-602AA87CD1EC}"/>
-              </a:ext>
-            </a:extLst>
-          </p:cNvPr>
-          <p:cNvSpPr/>
-          <p:nvPr/>
-        </p:nvSpPr>
-        <p:spPr>
-          <a:xfrm>
-            <a:off x="10696043" y="2281785"/>
-            <a:ext cx="1262366" cy="226724"/>
+              <a:t>비밀번호 변경하기</a:t>
+            </a:r>
+          </a:p>
+        </p:txBody>
+      </p:sp>
+      <p:sp>
+        <p:nvSpPr>
+          <p:cNvPr id="144" name="직사각형 143">
+            <a:extLst>
+              <a:ext uri="{FF2B5EF4-FFF2-40B4-BE49-F238E27FC236}">
+                <a16:creationId xmlns:a16="http://schemas.microsoft.com/office/drawing/2014/main" id="{A39DA4B6-E425-FBE5-606C-39B86EF3CED6}"/>
+              </a:ext>
+            </a:extLst>
+          </p:cNvPr>
+          <p:cNvSpPr/>
+          <p:nvPr/>
+        </p:nvSpPr>
+        <p:spPr>
+          <a:xfrm>
+            <a:off x="7286818" y="1118201"/>
+            <a:ext cx="1828800" cy="277536"/>
           </a:xfrm>
           <a:prstGeom prst="rect">
             <a:avLst/>
@@ -30288,2870 +30990,170 @@
                 <a:latin typeface="여기어때 잘난체" panose="020B0600000101010101" pitchFamily="50" charset="-127"/>
                 <a:ea typeface="여기어때 잘난체" panose="020B0600000101010101" pitchFamily="50" charset="-127"/>
               </a:rPr>
-              <a:t>강의 개설하기</a:t>
-            </a:r>
-          </a:p>
-        </p:txBody>
-      </p:sp>
-      <p:sp>
-        <p:nvSpPr>
-          <p:cNvPr id="87" name="직사각형 86">
-            <a:extLst>
-              <a:ext uri="{FF2B5EF4-FFF2-40B4-BE49-F238E27FC236}">
-                <a16:creationId xmlns:a16="http://schemas.microsoft.com/office/drawing/2014/main" id="{21E43AA4-44FA-4E0D-163E-DFF30D297CEF}"/>
-              </a:ext>
-            </a:extLst>
-          </p:cNvPr>
-          <p:cNvSpPr/>
-          <p:nvPr/>
-        </p:nvSpPr>
-        <p:spPr>
-          <a:xfrm>
-            <a:off x="9836617" y="2632666"/>
-            <a:ext cx="2126779" cy="573301"/>
-          </a:xfrm>
-          <a:prstGeom prst="rect">
-            <a:avLst/>
-          </a:prstGeom>
-          <a:solidFill>
-            <a:srgbClr val="FBE5D6"/>
-          </a:solidFill>
-          <a:ln>
-            <a:solidFill>
-              <a:schemeClr val="tx1"/>
-            </a:solidFill>
-          </a:ln>
-        </p:spPr>
-        <p:style>
-          <a:lnRef idx="2">
-            <a:schemeClr val="accent1">
-              <a:shade val="50000"/>
-            </a:schemeClr>
-          </a:lnRef>
-          <a:fillRef idx="1">
-            <a:schemeClr val="accent1"/>
-          </a:fillRef>
-          <a:effectRef idx="0">
-            <a:schemeClr val="accent1"/>
-          </a:effectRef>
-          <a:fontRef idx="minor">
-            <a:schemeClr val="lt1"/>
-          </a:fontRef>
-        </p:style>
-        <p:txBody>
-          <a:bodyPr rtlCol="0" anchor="ctr"/>
-          <a:lstStyle/>
-          <a:p>
-            <a:pPr algn="ctr"/>
-            <a:endParaRPr lang="ko-KR" altLang="en-US" sz="1000" dirty="0">
+              <a:t>비밀번호 재설정</a:t>
+            </a:r>
+          </a:p>
+        </p:txBody>
+      </p:sp>
+      <p:sp>
+        <p:nvSpPr>
+          <p:cNvPr id="146" name="직사각형 145">
+            <a:extLst>
+              <a:ext uri="{FF2B5EF4-FFF2-40B4-BE49-F238E27FC236}">
+                <a16:creationId xmlns:a16="http://schemas.microsoft.com/office/drawing/2014/main" id="{889EDC14-1681-E2CB-48B3-9B38973DB258}"/>
+              </a:ext>
+            </a:extLst>
+          </p:cNvPr>
+          <p:cNvSpPr/>
+          <p:nvPr/>
+        </p:nvSpPr>
+        <p:spPr>
+          <a:xfrm>
+            <a:off x="7077247" y="3046229"/>
+            <a:ext cx="2234268" cy="286653"/>
+          </a:xfrm>
+          <a:prstGeom prst="rect">
+            <a:avLst/>
+          </a:prstGeom>
+          <a:solidFill>
+            <a:schemeClr val="accent2">
+              <a:lumMod val="20000"/>
+              <a:lumOff val="80000"/>
+            </a:schemeClr>
+          </a:solidFill>
+          <a:ln>
+            <a:noFill/>
+          </a:ln>
+        </p:spPr>
+        <p:style>
+          <a:lnRef idx="2">
+            <a:schemeClr val="accent1">
+              <a:shade val="50000"/>
+            </a:schemeClr>
+          </a:lnRef>
+          <a:fillRef idx="1">
+            <a:schemeClr val="accent1"/>
+          </a:fillRef>
+          <a:effectRef idx="0">
+            <a:schemeClr val="accent1"/>
+          </a:effectRef>
+          <a:fontRef idx="minor">
+            <a:schemeClr val="lt1"/>
+          </a:fontRef>
+        </p:style>
+        <p:txBody>
+          <a:bodyPr rtlCol="0" anchor="ctr"/>
+          <a:lstStyle/>
+          <a:p>
+            <a:pPr algn="ctr"/>
+            <a:r>
+              <a:rPr lang="ko-KR" altLang="en-US" sz="1100" dirty="0">
+                <a:solidFill>
+                  <a:schemeClr val="tx1"/>
+                </a:solidFill>
+                <a:latin typeface="여기어때 잘난체" panose="020B0600000101010101" pitchFamily="50" charset="-127"/>
+                <a:ea typeface="여기어때 잘난체" panose="020B0600000101010101" pitchFamily="50" charset="-127"/>
+              </a:rPr>
+              <a:t>변경할 비밀번호 확인</a:t>
+            </a:r>
+            <a:r>
+              <a:rPr lang="en-US" altLang="ko-KR" sz="1100" dirty="0">
+                <a:solidFill>
+                  <a:schemeClr val="tx1"/>
+                </a:solidFill>
+                <a:latin typeface="여기어때 잘난체" panose="020B0600000101010101" pitchFamily="50" charset="-127"/>
+                <a:ea typeface="여기어때 잘난체" panose="020B0600000101010101" pitchFamily="50" charset="-127"/>
+              </a:rPr>
+              <a:t>:	 </a:t>
+            </a:r>
+            <a:endParaRPr lang="ko-KR" altLang="en-US" sz="1100" dirty="0">
               <a:solidFill>
                 <a:schemeClr val="tx1"/>
               </a:solidFill>
+              <a:latin typeface="여기어때 잘난체" panose="020B0600000101010101" pitchFamily="50" charset="-127"/>
+              <a:ea typeface="여기어때 잘난체" panose="020B0600000101010101" pitchFamily="50" charset="-127"/>
             </a:endParaRPr>
           </a:p>
         </p:txBody>
       </p:sp>
       <p:sp>
         <p:nvSpPr>
-          <p:cNvPr id="88" name="직사각형 87">
-            <a:extLst>
-              <a:ext uri="{FF2B5EF4-FFF2-40B4-BE49-F238E27FC236}">
-                <a16:creationId xmlns:a16="http://schemas.microsoft.com/office/drawing/2014/main" id="{74D82E6D-2400-1515-E9F2-6B1C7D3A4F57}"/>
-              </a:ext>
-            </a:extLst>
-          </p:cNvPr>
-          <p:cNvSpPr/>
-          <p:nvPr/>
-        </p:nvSpPr>
-        <p:spPr>
-          <a:xfrm>
-            <a:off x="9943394" y="2715891"/>
-            <a:ext cx="814318" cy="173199"/>
-          </a:xfrm>
-          <a:prstGeom prst="rect">
-            <a:avLst/>
-          </a:prstGeom>
-          <a:solidFill>
-            <a:srgbClr val="FBE5D6"/>
-          </a:solidFill>
-          <a:ln>
-            <a:solidFill>
-              <a:schemeClr val="tx1"/>
-            </a:solidFill>
-          </a:ln>
-        </p:spPr>
-        <p:style>
-          <a:lnRef idx="2">
-            <a:schemeClr val="accent1">
-              <a:shade val="50000"/>
-            </a:schemeClr>
-          </a:lnRef>
-          <a:fillRef idx="1">
-            <a:schemeClr val="accent1"/>
-          </a:fillRef>
-          <a:effectRef idx="0">
-            <a:schemeClr val="accent1"/>
-          </a:effectRef>
-          <a:fontRef idx="minor">
-            <a:schemeClr val="lt1"/>
-          </a:fontRef>
-        </p:style>
-        <p:txBody>
-          <a:bodyPr rtlCol="0" anchor="ctr"/>
-          <a:lstStyle/>
-          <a:p>
-            <a:pPr algn="ctr"/>
-            <a:r>
-              <a:rPr lang="ko-KR" altLang="en-US" sz="1000">
-                <a:solidFill>
-                  <a:schemeClr val="tx1"/>
-                </a:solidFill>
-              </a:rPr>
-              <a:t>강의명</a:t>
-            </a:r>
-            <a:endParaRPr lang="ko-KR" altLang="en-US" sz="1000" dirty="0">
+          <p:cNvPr id="147" name="직사각형 146">
+            <a:extLst>
+              <a:ext uri="{FF2B5EF4-FFF2-40B4-BE49-F238E27FC236}">
+                <a16:creationId xmlns:a16="http://schemas.microsoft.com/office/drawing/2014/main" id="{AD53F7FE-397A-4A29-AFB1-6F2002FB8720}"/>
+              </a:ext>
+            </a:extLst>
+          </p:cNvPr>
+          <p:cNvSpPr/>
+          <p:nvPr/>
+        </p:nvSpPr>
+        <p:spPr>
+          <a:xfrm>
+            <a:off x="7077247" y="2341274"/>
+            <a:ext cx="2234268" cy="286653"/>
+          </a:xfrm>
+          <a:prstGeom prst="rect">
+            <a:avLst/>
+          </a:prstGeom>
+          <a:solidFill>
+            <a:schemeClr val="accent2">
+              <a:lumMod val="20000"/>
+              <a:lumOff val="80000"/>
+            </a:schemeClr>
+          </a:solidFill>
+          <a:ln>
+            <a:noFill/>
+          </a:ln>
+        </p:spPr>
+        <p:style>
+          <a:lnRef idx="2">
+            <a:schemeClr val="accent1">
+              <a:shade val="50000"/>
+            </a:schemeClr>
+          </a:lnRef>
+          <a:fillRef idx="1">
+            <a:schemeClr val="accent1"/>
+          </a:fillRef>
+          <a:effectRef idx="0">
+            <a:schemeClr val="accent1"/>
+          </a:effectRef>
+          <a:fontRef idx="minor">
+            <a:schemeClr val="lt1"/>
+          </a:fontRef>
+        </p:style>
+        <p:txBody>
+          <a:bodyPr rtlCol="0" anchor="ctr"/>
+          <a:lstStyle/>
+          <a:p>
+            <a:pPr algn="ctr"/>
+            <a:r>
+              <a:rPr lang="ko-KR" altLang="en-US" sz="1100" dirty="0">
+                <a:solidFill>
+                  <a:schemeClr val="tx1"/>
+                </a:solidFill>
+                <a:latin typeface="여기어때 잘난체" panose="020B0600000101010101" pitchFamily="50" charset="-127"/>
+                <a:ea typeface="여기어때 잘난체" panose="020B0600000101010101" pitchFamily="50" charset="-127"/>
+              </a:rPr>
+              <a:t>현재 비밀번호</a:t>
+            </a:r>
+            <a:r>
+              <a:rPr lang="en-US" altLang="ko-KR" sz="1100" dirty="0">
+                <a:solidFill>
+                  <a:schemeClr val="tx1"/>
+                </a:solidFill>
+                <a:latin typeface="여기어때 잘난체" panose="020B0600000101010101" pitchFamily="50" charset="-127"/>
+                <a:ea typeface="여기어때 잘난체" panose="020B0600000101010101" pitchFamily="50" charset="-127"/>
+              </a:rPr>
+              <a:t>:	 </a:t>
+            </a:r>
+            <a:endParaRPr lang="ko-KR" altLang="en-US" sz="1100" dirty="0">
               <a:solidFill>
                 <a:schemeClr val="tx1"/>
               </a:solidFill>
+              <a:latin typeface="여기어때 잘난체" panose="020B0600000101010101" pitchFamily="50" charset="-127"/>
+              <a:ea typeface="여기어때 잘난체" panose="020B0600000101010101" pitchFamily="50" charset="-127"/>
             </a:endParaRPr>
-          </a:p>
-        </p:txBody>
-      </p:sp>
-      <p:sp>
-        <p:nvSpPr>
-          <p:cNvPr id="89" name="직사각형 88">
-            <a:extLst>
-              <a:ext uri="{FF2B5EF4-FFF2-40B4-BE49-F238E27FC236}">
-                <a16:creationId xmlns:a16="http://schemas.microsoft.com/office/drawing/2014/main" id="{87CC796E-25C1-DBA1-A9AB-1476730A328E}"/>
-              </a:ext>
-            </a:extLst>
-          </p:cNvPr>
-          <p:cNvSpPr/>
-          <p:nvPr/>
-        </p:nvSpPr>
-        <p:spPr>
-          <a:xfrm>
-            <a:off x="9943394" y="2966750"/>
-            <a:ext cx="814318" cy="173199"/>
-          </a:xfrm>
-          <a:prstGeom prst="rect">
-            <a:avLst/>
-          </a:prstGeom>
-          <a:solidFill>
-            <a:srgbClr val="FBE5D6"/>
-          </a:solidFill>
-          <a:ln>
-            <a:solidFill>
-              <a:schemeClr val="tx1"/>
-            </a:solidFill>
-          </a:ln>
-        </p:spPr>
-        <p:style>
-          <a:lnRef idx="2">
-            <a:schemeClr val="accent1">
-              <a:shade val="50000"/>
-            </a:schemeClr>
-          </a:lnRef>
-          <a:fillRef idx="1">
-            <a:schemeClr val="accent1"/>
-          </a:fillRef>
-          <a:effectRef idx="0">
-            <a:schemeClr val="accent1"/>
-          </a:effectRef>
-          <a:fontRef idx="minor">
-            <a:schemeClr val="lt1"/>
-          </a:fontRef>
-        </p:style>
-        <p:txBody>
-          <a:bodyPr rtlCol="0" anchor="ctr"/>
-          <a:lstStyle/>
-          <a:p>
-            <a:pPr algn="ctr"/>
-            <a:r>
-              <a:rPr lang="ko-KR" altLang="en-US" sz="1000" dirty="0" err="1">
-                <a:solidFill>
-                  <a:schemeClr val="tx1"/>
-                </a:solidFill>
-              </a:rPr>
-              <a:t>강의자</a:t>
-            </a:r>
-            <a:endParaRPr lang="ko-KR" altLang="en-US" sz="1000" dirty="0">
-              <a:solidFill>
-                <a:schemeClr val="tx1"/>
-              </a:solidFill>
-            </a:endParaRPr>
-          </a:p>
-        </p:txBody>
-      </p:sp>
-      <p:sp>
-        <p:nvSpPr>
-          <p:cNvPr id="90" name="직사각형 89">
-            <a:extLst>
-              <a:ext uri="{FF2B5EF4-FFF2-40B4-BE49-F238E27FC236}">
-                <a16:creationId xmlns:a16="http://schemas.microsoft.com/office/drawing/2014/main" id="{23AC0723-1F6B-35A3-432F-3DCF9EFD524D}"/>
-              </a:ext>
-            </a:extLst>
-          </p:cNvPr>
-          <p:cNvSpPr/>
-          <p:nvPr/>
-        </p:nvSpPr>
-        <p:spPr>
-          <a:xfrm>
-            <a:off x="11094329" y="2966750"/>
-            <a:ext cx="814318" cy="173199"/>
-          </a:xfrm>
-          <a:prstGeom prst="rect">
-            <a:avLst/>
-          </a:prstGeom>
-          <a:solidFill>
-            <a:srgbClr val="FBE5D6"/>
-          </a:solidFill>
-          <a:ln>
-            <a:solidFill>
-              <a:schemeClr val="tx1"/>
-            </a:solidFill>
-          </a:ln>
-        </p:spPr>
-        <p:style>
-          <a:lnRef idx="2">
-            <a:schemeClr val="accent1">
-              <a:shade val="50000"/>
-            </a:schemeClr>
-          </a:lnRef>
-          <a:fillRef idx="1">
-            <a:schemeClr val="accent1"/>
-          </a:fillRef>
-          <a:effectRef idx="0">
-            <a:schemeClr val="accent1"/>
-          </a:effectRef>
-          <a:fontRef idx="minor">
-            <a:schemeClr val="lt1"/>
-          </a:fontRef>
-        </p:style>
-        <p:txBody>
-          <a:bodyPr rtlCol="0" anchor="ctr"/>
-          <a:lstStyle/>
-          <a:p>
-            <a:pPr algn="ctr"/>
-            <a:r>
-              <a:rPr lang="ko-KR" altLang="en-US" sz="1000" dirty="0">
-                <a:solidFill>
-                  <a:schemeClr val="tx1"/>
-                </a:solidFill>
-              </a:rPr>
-              <a:t>강의시간</a:t>
-            </a:r>
-          </a:p>
-        </p:txBody>
-      </p:sp>
-      <p:sp>
-        <p:nvSpPr>
-          <p:cNvPr id="91" name="직사각형 90">
-            <a:extLst>
-              <a:ext uri="{FF2B5EF4-FFF2-40B4-BE49-F238E27FC236}">
-                <a16:creationId xmlns:a16="http://schemas.microsoft.com/office/drawing/2014/main" id="{115D0CBC-09AF-1F54-B7F8-334EE1B1A497}"/>
-              </a:ext>
-            </a:extLst>
-          </p:cNvPr>
-          <p:cNvSpPr/>
-          <p:nvPr/>
-        </p:nvSpPr>
-        <p:spPr>
-          <a:xfrm>
-            <a:off x="9836617" y="3279293"/>
-            <a:ext cx="2126779" cy="573301"/>
-          </a:xfrm>
-          <a:prstGeom prst="rect">
-            <a:avLst/>
-          </a:prstGeom>
-          <a:solidFill>
-            <a:srgbClr val="FBE5D6"/>
-          </a:solidFill>
-          <a:ln>
-            <a:solidFill>
-              <a:schemeClr val="tx1"/>
-            </a:solidFill>
-          </a:ln>
-        </p:spPr>
-        <p:style>
-          <a:lnRef idx="2">
-            <a:schemeClr val="accent1">
-              <a:shade val="50000"/>
-            </a:schemeClr>
-          </a:lnRef>
-          <a:fillRef idx="1">
-            <a:schemeClr val="accent1"/>
-          </a:fillRef>
-          <a:effectRef idx="0">
-            <a:schemeClr val="accent1"/>
-          </a:effectRef>
-          <a:fontRef idx="minor">
-            <a:schemeClr val="lt1"/>
-          </a:fontRef>
-        </p:style>
-        <p:txBody>
-          <a:bodyPr rtlCol="0" anchor="ctr"/>
-          <a:lstStyle/>
-          <a:p>
-            <a:pPr algn="ctr"/>
-            <a:endParaRPr lang="ko-KR" altLang="en-US" sz="1000" dirty="0">
-              <a:solidFill>
-                <a:schemeClr val="tx1"/>
-              </a:solidFill>
-            </a:endParaRPr>
-          </a:p>
-        </p:txBody>
-      </p:sp>
-      <p:sp>
-        <p:nvSpPr>
-          <p:cNvPr id="92" name="직사각형 91">
-            <a:extLst>
-              <a:ext uri="{FF2B5EF4-FFF2-40B4-BE49-F238E27FC236}">
-                <a16:creationId xmlns:a16="http://schemas.microsoft.com/office/drawing/2014/main" id="{A8812490-835B-AFCE-7AF0-3292EC1562BA}"/>
-              </a:ext>
-            </a:extLst>
-          </p:cNvPr>
-          <p:cNvSpPr/>
-          <p:nvPr/>
-        </p:nvSpPr>
-        <p:spPr>
-          <a:xfrm>
-            <a:off x="9943394" y="3362518"/>
-            <a:ext cx="814318" cy="173199"/>
-          </a:xfrm>
-          <a:prstGeom prst="rect">
-            <a:avLst/>
-          </a:prstGeom>
-          <a:solidFill>
-            <a:srgbClr val="FBE5D6"/>
-          </a:solidFill>
-          <a:ln>
-            <a:solidFill>
-              <a:schemeClr val="tx1"/>
-            </a:solidFill>
-          </a:ln>
-        </p:spPr>
-        <p:style>
-          <a:lnRef idx="2">
-            <a:schemeClr val="accent1">
-              <a:shade val="50000"/>
-            </a:schemeClr>
-          </a:lnRef>
-          <a:fillRef idx="1">
-            <a:schemeClr val="accent1"/>
-          </a:fillRef>
-          <a:effectRef idx="0">
-            <a:schemeClr val="accent1"/>
-          </a:effectRef>
-          <a:fontRef idx="minor">
-            <a:schemeClr val="lt1"/>
-          </a:fontRef>
-        </p:style>
-        <p:txBody>
-          <a:bodyPr rtlCol="0" anchor="ctr"/>
-          <a:lstStyle/>
-          <a:p>
-            <a:pPr algn="ctr"/>
-            <a:r>
-              <a:rPr lang="ko-KR" altLang="en-US" sz="1000">
-                <a:solidFill>
-                  <a:schemeClr val="tx1"/>
-                </a:solidFill>
-              </a:rPr>
-              <a:t>강의명</a:t>
-            </a:r>
-            <a:endParaRPr lang="ko-KR" altLang="en-US" sz="1000" dirty="0">
-              <a:solidFill>
-                <a:schemeClr val="tx1"/>
-              </a:solidFill>
-            </a:endParaRPr>
-          </a:p>
-        </p:txBody>
-      </p:sp>
-      <p:sp>
-        <p:nvSpPr>
-          <p:cNvPr id="93" name="직사각형 92">
-            <a:extLst>
-              <a:ext uri="{FF2B5EF4-FFF2-40B4-BE49-F238E27FC236}">
-                <a16:creationId xmlns:a16="http://schemas.microsoft.com/office/drawing/2014/main" id="{006BC76B-7B9A-C6DC-881C-160DADE2E6E3}"/>
-              </a:ext>
-            </a:extLst>
-          </p:cNvPr>
-          <p:cNvSpPr/>
-          <p:nvPr/>
-        </p:nvSpPr>
-        <p:spPr>
-          <a:xfrm>
-            <a:off x="9943394" y="3613377"/>
-            <a:ext cx="814318" cy="173199"/>
-          </a:xfrm>
-          <a:prstGeom prst="rect">
-            <a:avLst/>
-          </a:prstGeom>
-          <a:solidFill>
-            <a:srgbClr val="FBE5D6"/>
-          </a:solidFill>
-          <a:ln>
-            <a:solidFill>
-              <a:schemeClr val="tx1"/>
-            </a:solidFill>
-          </a:ln>
-        </p:spPr>
-        <p:style>
-          <a:lnRef idx="2">
-            <a:schemeClr val="accent1">
-              <a:shade val="50000"/>
-            </a:schemeClr>
-          </a:lnRef>
-          <a:fillRef idx="1">
-            <a:schemeClr val="accent1"/>
-          </a:fillRef>
-          <a:effectRef idx="0">
-            <a:schemeClr val="accent1"/>
-          </a:effectRef>
-          <a:fontRef idx="minor">
-            <a:schemeClr val="lt1"/>
-          </a:fontRef>
-        </p:style>
-        <p:txBody>
-          <a:bodyPr rtlCol="0" anchor="ctr"/>
-          <a:lstStyle/>
-          <a:p>
-            <a:pPr algn="ctr"/>
-            <a:r>
-              <a:rPr lang="ko-KR" altLang="en-US" sz="1000" dirty="0" err="1">
-                <a:solidFill>
-                  <a:schemeClr val="tx1"/>
-                </a:solidFill>
-              </a:rPr>
-              <a:t>강의자</a:t>
-            </a:r>
-            <a:endParaRPr lang="ko-KR" altLang="en-US" sz="1000" dirty="0">
-              <a:solidFill>
-                <a:schemeClr val="tx1"/>
-              </a:solidFill>
-            </a:endParaRPr>
-          </a:p>
-        </p:txBody>
-      </p:sp>
-      <p:sp>
-        <p:nvSpPr>
-          <p:cNvPr id="94" name="직사각형 93">
-            <a:extLst>
-              <a:ext uri="{FF2B5EF4-FFF2-40B4-BE49-F238E27FC236}">
-                <a16:creationId xmlns:a16="http://schemas.microsoft.com/office/drawing/2014/main" id="{825379DC-04F3-E3DA-53FD-AE7DB4B4FA78}"/>
-              </a:ext>
-            </a:extLst>
-          </p:cNvPr>
-          <p:cNvSpPr/>
-          <p:nvPr/>
-        </p:nvSpPr>
-        <p:spPr>
-          <a:xfrm>
-            <a:off x="11094329" y="3613377"/>
-            <a:ext cx="814318" cy="173199"/>
-          </a:xfrm>
-          <a:prstGeom prst="rect">
-            <a:avLst/>
-          </a:prstGeom>
-          <a:solidFill>
-            <a:srgbClr val="FBE5D6"/>
-          </a:solidFill>
-          <a:ln>
-            <a:solidFill>
-              <a:schemeClr val="tx1"/>
-            </a:solidFill>
-          </a:ln>
-        </p:spPr>
-        <p:style>
-          <a:lnRef idx="2">
-            <a:schemeClr val="accent1">
-              <a:shade val="50000"/>
-            </a:schemeClr>
-          </a:lnRef>
-          <a:fillRef idx="1">
-            <a:schemeClr val="accent1"/>
-          </a:fillRef>
-          <a:effectRef idx="0">
-            <a:schemeClr val="accent1"/>
-          </a:effectRef>
-          <a:fontRef idx="minor">
-            <a:schemeClr val="lt1"/>
-          </a:fontRef>
-        </p:style>
-        <p:txBody>
-          <a:bodyPr rtlCol="0" anchor="ctr"/>
-          <a:lstStyle/>
-          <a:p>
-            <a:pPr algn="ctr"/>
-            <a:r>
-              <a:rPr lang="ko-KR" altLang="en-US" sz="1000" dirty="0">
-                <a:solidFill>
-                  <a:schemeClr val="tx1"/>
-                </a:solidFill>
-              </a:rPr>
-              <a:t>강의시간</a:t>
-            </a:r>
-          </a:p>
-        </p:txBody>
-      </p:sp>
-      <p:sp>
-        <p:nvSpPr>
-          <p:cNvPr id="95" name="직사각형 94">
-            <a:extLst>
-              <a:ext uri="{FF2B5EF4-FFF2-40B4-BE49-F238E27FC236}">
-                <a16:creationId xmlns:a16="http://schemas.microsoft.com/office/drawing/2014/main" id="{AF9C5930-113F-5A03-9EC0-CC7D2B72C13C}"/>
-              </a:ext>
-            </a:extLst>
-          </p:cNvPr>
-          <p:cNvSpPr/>
-          <p:nvPr/>
-        </p:nvSpPr>
-        <p:spPr>
-          <a:xfrm>
-            <a:off x="9836617" y="3926327"/>
-            <a:ext cx="2126779" cy="573301"/>
-          </a:xfrm>
-          <a:prstGeom prst="rect">
-            <a:avLst/>
-          </a:prstGeom>
-          <a:solidFill>
-            <a:srgbClr val="FBE5D6"/>
-          </a:solidFill>
-          <a:ln>
-            <a:solidFill>
-              <a:schemeClr val="tx1"/>
-            </a:solidFill>
-          </a:ln>
-        </p:spPr>
-        <p:style>
-          <a:lnRef idx="2">
-            <a:schemeClr val="accent1">
-              <a:shade val="50000"/>
-            </a:schemeClr>
-          </a:lnRef>
-          <a:fillRef idx="1">
-            <a:schemeClr val="accent1"/>
-          </a:fillRef>
-          <a:effectRef idx="0">
-            <a:schemeClr val="accent1"/>
-          </a:effectRef>
-          <a:fontRef idx="minor">
-            <a:schemeClr val="lt1"/>
-          </a:fontRef>
-        </p:style>
-        <p:txBody>
-          <a:bodyPr rtlCol="0" anchor="ctr"/>
-          <a:lstStyle/>
-          <a:p>
-            <a:pPr algn="ctr"/>
-            <a:endParaRPr lang="ko-KR" altLang="en-US" sz="1000" dirty="0">
-              <a:solidFill>
-                <a:schemeClr val="tx1"/>
-              </a:solidFill>
-            </a:endParaRPr>
-          </a:p>
-        </p:txBody>
-      </p:sp>
-      <p:sp>
-        <p:nvSpPr>
-          <p:cNvPr id="96" name="직사각형 95">
-            <a:extLst>
-              <a:ext uri="{FF2B5EF4-FFF2-40B4-BE49-F238E27FC236}">
-                <a16:creationId xmlns:a16="http://schemas.microsoft.com/office/drawing/2014/main" id="{4FEC5D1E-4379-6AFB-3A96-1818EE749789}"/>
-              </a:ext>
-            </a:extLst>
-          </p:cNvPr>
-          <p:cNvSpPr/>
-          <p:nvPr/>
-        </p:nvSpPr>
-        <p:spPr>
-          <a:xfrm>
-            <a:off x="9943394" y="4009552"/>
-            <a:ext cx="814318" cy="173199"/>
-          </a:xfrm>
-          <a:prstGeom prst="rect">
-            <a:avLst/>
-          </a:prstGeom>
-          <a:solidFill>
-            <a:srgbClr val="FBE5D6"/>
-          </a:solidFill>
-          <a:ln>
-            <a:solidFill>
-              <a:schemeClr val="tx1"/>
-            </a:solidFill>
-          </a:ln>
-        </p:spPr>
-        <p:style>
-          <a:lnRef idx="2">
-            <a:schemeClr val="accent1">
-              <a:shade val="50000"/>
-            </a:schemeClr>
-          </a:lnRef>
-          <a:fillRef idx="1">
-            <a:schemeClr val="accent1"/>
-          </a:fillRef>
-          <a:effectRef idx="0">
-            <a:schemeClr val="accent1"/>
-          </a:effectRef>
-          <a:fontRef idx="minor">
-            <a:schemeClr val="lt1"/>
-          </a:fontRef>
-        </p:style>
-        <p:txBody>
-          <a:bodyPr rtlCol="0" anchor="ctr"/>
-          <a:lstStyle/>
-          <a:p>
-            <a:pPr algn="ctr"/>
-            <a:r>
-              <a:rPr lang="ko-KR" altLang="en-US" sz="1000">
-                <a:solidFill>
-                  <a:schemeClr val="tx1"/>
-                </a:solidFill>
-              </a:rPr>
-              <a:t>강의명</a:t>
-            </a:r>
-            <a:endParaRPr lang="ko-KR" altLang="en-US" sz="1000" dirty="0">
-              <a:solidFill>
-                <a:schemeClr val="tx1"/>
-              </a:solidFill>
-            </a:endParaRPr>
-          </a:p>
-        </p:txBody>
-      </p:sp>
-      <p:sp>
-        <p:nvSpPr>
-          <p:cNvPr id="97" name="직사각형 96">
-            <a:extLst>
-              <a:ext uri="{FF2B5EF4-FFF2-40B4-BE49-F238E27FC236}">
-                <a16:creationId xmlns:a16="http://schemas.microsoft.com/office/drawing/2014/main" id="{7C474610-D96C-9047-D9B9-B7C7D72F82C1}"/>
-              </a:ext>
-            </a:extLst>
-          </p:cNvPr>
-          <p:cNvSpPr/>
-          <p:nvPr/>
-        </p:nvSpPr>
-        <p:spPr>
-          <a:xfrm>
-            <a:off x="9943394" y="4260411"/>
-            <a:ext cx="814318" cy="173199"/>
-          </a:xfrm>
-          <a:prstGeom prst="rect">
-            <a:avLst/>
-          </a:prstGeom>
-          <a:solidFill>
-            <a:srgbClr val="FBE5D6"/>
-          </a:solidFill>
-          <a:ln>
-            <a:solidFill>
-              <a:schemeClr val="tx1"/>
-            </a:solidFill>
-          </a:ln>
-        </p:spPr>
-        <p:style>
-          <a:lnRef idx="2">
-            <a:schemeClr val="accent1">
-              <a:shade val="50000"/>
-            </a:schemeClr>
-          </a:lnRef>
-          <a:fillRef idx="1">
-            <a:schemeClr val="accent1"/>
-          </a:fillRef>
-          <a:effectRef idx="0">
-            <a:schemeClr val="accent1"/>
-          </a:effectRef>
-          <a:fontRef idx="minor">
-            <a:schemeClr val="lt1"/>
-          </a:fontRef>
-        </p:style>
-        <p:txBody>
-          <a:bodyPr rtlCol="0" anchor="ctr"/>
-          <a:lstStyle/>
-          <a:p>
-            <a:pPr algn="ctr"/>
-            <a:r>
-              <a:rPr lang="ko-KR" altLang="en-US" sz="1000" dirty="0" err="1">
-                <a:solidFill>
-                  <a:schemeClr val="tx1"/>
-                </a:solidFill>
-              </a:rPr>
-              <a:t>강의자</a:t>
-            </a:r>
-            <a:endParaRPr lang="ko-KR" altLang="en-US" sz="1000" dirty="0">
-              <a:solidFill>
-                <a:schemeClr val="tx1"/>
-              </a:solidFill>
-            </a:endParaRPr>
-          </a:p>
-        </p:txBody>
-      </p:sp>
-      <p:sp>
-        <p:nvSpPr>
-          <p:cNvPr id="98" name="직사각형 97">
-            <a:extLst>
-              <a:ext uri="{FF2B5EF4-FFF2-40B4-BE49-F238E27FC236}">
-                <a16:creationId xmlns:a16="http://schemas.microsoft.com/office/drawing/2014/main" id="{0805181D-AA49-A614-8D74-83F42A65EECF}"/>
-              </a:ext>
-            </a:extLst>
-          </p:cNvPr>
-          <p:cNvSpPr/>
-          <p:nvPr/>
-        </p:nvSpPr>
-        <p:spPr>
-          <a:xfrm>
-            <a:off x="11094329" y="4260411"/>
-            <a:ext cx="814318" cy="173199"/>
-          </a:xfrm>
-          <a:prstGeom prst="rect">
-            <a:avLst/>
-          </a:prstGeom>
-          <a:solidFill>
-            <a:srgbClr val="FBE5D6"/>
-          </a:solidFill>
-          <a:ln>
-            <a:solidFill>
-              <a:schemeClr val="tx1"/>
-            </a:solidFill>
-          </a:ln>
-        </p:spPr>
-        <p:style>
-          <a:lnRef idx="2">
-            <a:schemeClr val="accent1">
-              <a:shade val="50000"/>
-            </a:schemeClr>
-          </a:lnRef>
-          <a:fillRef idx="1">
-            <a:schemeClr val="accent1"/>
-          </a:fillRef>
-          <a:effectRef idx="0">
-            <a:schemeClr val="accent1"/>
-          </a:effectRef>
-          <a:fontRef idx="minor">
-            <a:schemeClr val="lt1"/>
-          </a:fontRef>
-        </p:style>
-        <p:txBody>
-          <a:bodyPr rtlCol="0" anchor="ctr"/>
-          <a:lstStyle/>
-          <a:p>
-            <a:pPr algn="ctr"/>
-            <a:r>
-              <a:rPr lang="ko-KR" altLang="en-US" sz="1000" dirty="0">
-                <a:solidFill>
-                  <a:schemeClr val="tx1"/>
-                </a:solidFill>
-              </a:rPr>
-              <a:t>강의시간</a:t>
-            </a:r>
-          </a:p>
-        </p:txBody>
-      </p:sp>
-      <p:sp>
-        <p:nvSpPr>
-          <p:cNvPr id="99" name="직사각형 98">
-            <a:extLst>
-              <a:ext uri="{FF2B5EF4-FFF2-40B4-BE49-F238E27FC236}">
-                <a16:creationId xmlns:a16="http://schemas.microsoft.com/office/drawing/2014/main" id="{4710A846-C74B-5F34-4887-E872F40FE126}"/>
-              </a:ext>
-            </a:extLst>
-          </p:cNvPr>
-          <p:cNvSpPr/>
-          <p:nvPr/>
-        </p:nvSpPr>
-        <p:spPr>
-          <a:xfrm>
-            <a:off x="2248606" y="2626922"/>
-            <a:ext cx="1569185" cy="1929459"/>
-          </a:xfrm>
-          <a:prstGeom prst="rect">
-            <a:avLst/>
-          </a:prstGeom>
-          <a:solidFill>
-            <a:schemeClr val="tx1">
-              <a:alpha val="90000"/>
-            </a:schemeClr>
-          </a:solidFill>
-          <a:ln>
-            <a:noFill/>
-          </a:ln>
-        </p:spPr>
-        <p:style>
-          <a:lnRef idx="2">
-            <a:schemeClr val="accent1">
-              <a:shade val="50000"/>
-            </a:schemeClr>
-          </a:lnRef>
-          <a:fillRef idx="1">
-            <a:schemeClr val="accent1"/>
-          </a:fillRef>
-          <a:effectRef idx="0">
-            <a:schemeClr val="accent1"/>
-          </a:effectRef>
-          <a:fontRef idx="minor">
-            <a:schemeClr val="lt1"/>
-          </a:fontRef>
-        </p:style>
-        <p:txBody>
-          <a:bodyPr rtlCol="0" anchor="ctr"/>
-          <a:lstStyle/>
-          <a:p>
-            <a:pPr algn="ctr"/>
-            <a:endParaRPr lang="ko-KR" altLang="en-US" dirty="0"/>
-          </a:p>
-        </p:txBody>
-      </p:sp>
-      <p:sp>
-        <p:nvSpPr>
-          <p:cNvPr id="100" name="직사각형 99">
-            <a:extLst>
-              <a:ext uri="{FF2B5EF4-FFF2-40B4-BE49-F238E27FC236}">
-                <a16:creationId xmlns:a16="http://schemas.microsoft.com/office/drawing/2014/main" id="{60F9FE2E-A9E8-D737-15A5-6ED509F2B8A4}"/>
-              </a:ext>
-            </a:extLst>
-          </p:cNvPr>
-          <p:cNvSpPr/>
-          <p:nvPr/>
-        </p:nvSpPr>
-        <p:spPr>
-          <a:xfrm>
-            <a:off x="2481991" y="3428503"/>
-            <a:ext cx="1073791" cy="317330"/>
-          </a:xfrm>
-          <a:prstGeom prst="rect">
-            <a:avLst/>
-          </a:prstGeom>
-          <a:solidFill>
-            <a:schemeClr val="tx1"/>
-          </a:solidFill>
-          <a:ln>
-            <a:solidFill>
-              <a:schemeClr val="bg1"/>
-            </a:solidFill>
-          </a:ln>
-        </p:spPr>
-        <p:style>
-          <a:lnRef idx="2">
-            <a:schemeClr val="accent1">
-              <a:shade val="50000"/>
-            </a:schemeClr>
-          </a:lnRef>
-          <a:fillRef idx="1">
-            <a:schemeClr val="accent1"/>
-          </a:fillRef>
-          <a:effectRef idx="0">
-            <a:schemeClr val="accent1"/>
-          </a:effectRef>
-          <a:fontRef idx="minor">
-            <a:schemeClr val="lt1"/>
-          </a:fontRef>
-        </p:style>
-        <p:txBody>
-          <a:bodyPr rtlCol="0" anchor="ctr"/>
-          <a:lstStyle/>
-          <a:p>
-            <a:pPr algn="ctr"/>
-            <a:r>
-              <a:rPr lang="ko-KR" altLang="en-US" sz="1200" dirty="0"/>
-              <a:t>강의 신청</a:t>
-            </a:r>
-          </a:p>
-        </p:txBody>
-      </p:sp>
-      <p:sp>
-        <p:nvSpPr>
-          <p:cNvPr id="103" name="직사각형 102">
-            <a:extLst>
-              <a:ext uri="{FF2B5EF4-FFF2-40B4-BE49-F238E27FC236}">
-                <a16:creationId xmlns:a16="http://schemas.microsoft.com/office/drawing/2014/main" id="{41DCD768-05BD-D85B-0785-8DD14BB03EDF}"/>
-              </a:ext>
-            </a:extLst>
-          </p:cNvPr>
-          <p:cNvSpPr/>
-          <p:nvPr/>
-        </p:nvSpPr>
-        <p:spPr>
-          <a:xfrm>
-            <a:off x="11442583" y="2715891"/>
-            <a:ext cx="466064" cy="173199"/>
-          </a:xfrm>
-          <a:prstGeom prst="rect">
-            <a:avLst/>
-          </a:prstGeom>
-          <a:solidFill>
-            <a:schemeClr val="accent5">
-              <a:lumMod val="20000"/>
-              <a:lumOff val="80000"/>
-            </a:schemeClr>
-          </a:solidFill>
-          <a:ln>
-            <a:solidFill>
-              <a:schemeClr val="tx1"/>
-            </a:solidFill>
-          </a:ln>
-        </p:spPr>
-        <p:style>
-          <a:lnRef idx="2">
-            <a:schemeClr val="accent1">
-              <a:shade val="50000"/>
-            </a:schemeClr>
-          </a:lnRef>
-          <a:fillRef idx="1">
-            <a:schemeClr val="accent1"/>
-          </a:fillRef>
-          <a:effectRef idx="0">
-            <a:schemeClr val="accent1"/>
-          </a:effectRef>
-          <a:fontRef idx="minor">
-            <a:schemeClr val="lt1"/>
-          </a:fontRef>
-        </p:style>
-        <p:txBody>
-          <a:bodyPr rtlCol="0" anchor="ctr"/>
-          <a:lstStyle/>
-          <a:p>
-            <a:pPr algn="ctr"/>
-            <a:r>
-              <a:rPr lang="ko-KR" altLang="en-US" sz="1000" dirty="0">
-                <a:solidFill>
-                  <a:schemeClr val="tx1"/>
-                </a:solidFill>
-              </a:rPr>
-              <a:t>신청</a:t>
-            </a:r>
-          </a:p>
-        </p:txBody>
-      </p:sp>
-      <p:sp>
-        <p:nvSpPr>
-          <p:cNvPr id="104" name="직사각형 103">
-            <a:extLst>
-              <a:ext uri="{FF2B5EF4-FFF2-40B4-BE49-F238E27FC236}">
-                <a16:creationId xmlns:a16="http://schemas.microsoft.com/office/drawing/2014/main" id="{5DB0C6AA-1C2B-5F59-12A4-B7859E4FD6B6}"/>
-              </a:ext>
-            </a:extLst>
-          </p:cNvPr>
-          <p:cNvSpPr/>
-          <p:nvPr/>
-        </p:nvSpPr>
-        <p:spPr>
-          <a:xfrm>
-            <a:off x="11434243" y="3362517"/>
-            <a:ext cx="466064" cy="173199"/>
-          </a:xfrm>
-          <a:prstGeom prst="rect">
-            <a:avLst/>
-          </a:prstGeom>
-          <a:solidFill>
-            <a:schemeClr val="accent5">
-              <a:lumMod val="20000"/>
-              <a:lumOff val="80000"/>
-            </a:schemeClr>
-          </a:solidFill>
-          <a:ln>
-            <a:solidFill>
-              <a:schemeClr val="tx1"/>
-            </a:solidFill>
-          </a:ln>
-        </p:spPr>
-        <p:style>
-          <a:lnRef idx="2">
-            <a:schemeClr val="accent1">
-              <a:shade val="50000"/>
-            </a:schemeClr>
-          </a:lnRef>
-          <a:fillRef idx="1">
-            <a:schemeClr val="accent1"/>
-          </a:fillRef>
-          <a:effectRef idx="0">
-            <a:schemeClr val="accent1"/>
-          </a:effectRef>
-          <a:fontRef idx="minor">
-            <a:schemeClr val="lt1"/>
-          </a:fontRef>
-        </p:style>
-        <p:txBody>
-          <a:bodyPr rtlCol="0" anchor="ctr"/>
-          <a:lstStyle/>
-          <a:p>
-            <a:pPr algn="ctr"/>
-            <a:r>
-              <a:rPr lang="ko-KR" altLang="en-US" sz="1000" dirty="0">
-                <a:solidFill>
-                  <a:schemeClr val="tx1"/>
-                </a:solidFill>
-              </a:rPr>
-              <a:t>신청</a:t>
-            </a:r>
-          </a:p>
-        </p:txBody>
-      </p:sp>
-      <p:sp>
-        <p:nvSpPr>
-          <p:cNvPr id="105" name="직사각형 104">
-            <a:extLst>
-              <a:ext uri="{FF2B5EF4-FFF2-40B4-BE49-F238E27FC236}">
-                <a16:creationId xmlns:a16="http://schemas.microsoft.com/office/drawing/2014/main" id="{13E80656-C68B-259D-ED2F-B05BBCD48945}"/>
-              </a:ext>
-            </a:extLst>
-          </p:cNvPr>
-          <p:cNvSpPr/>
-          <p:nvPr/>
-        </p:nvSpPr>
-        <p:spPr>
-          <a:xfrm>
-            <a:off x="11442583" y="4009112"/>
-            <a:ext cx="466064" cy="173199"/>
-          </a:xfrm>
-          <a:prstGeom prst="rect">
-            <a:avLst/>
-          </a:prstGeom>
-          <a:solidFill>
-            <a:schemeClr val="accent5">
-              <a:lumMod val="20000"/>
-              <a:lumOff val="80000"/>
-            </a:schemeClr>
-          </a:solidFill>
-          <a:ln>
-            <a:solidFill>
-              <a:schemeClr val="tx1"/>
-            </a:solidFill>
-          </a:ln>
-        </p:spPr>
-        <p:style>
-          <a:lnRef idx="2">
-            <a:schemeClr val="accent1">
-              <a:shade val="50000"/>
-            </a:schemeClr>
-          </a:lnRef>
-          <a:fillRef idx="1">
-            <a:schemeClr val="accent1"/>
-          </a:fillRef>
-          <a:effectRef idx="0">
-            <a:schemeClr val="accent1"/>
-          </a:effectRef>
-          <a:fontRef idx="minor">
-            <a:schemeClr val="lt1"/>
-          </a:fontRef>
-        </p:style>
-        <p:txBody>
-          <a:bodyPr rtlCol="0" anchor="ctr"/>
-          <a:lstStyle/>
-          <a:p>
-            <a:pPr algn="ctr"/>
-            <a:r>
-              <a:rPr lang="ko-KR" altLang="en-US" sz="1000" dirty="0">
-                <a:solidFill>
-                  <a:schemeClr val="tx1"/>
-                </a:solidFill>
-              </a:rPr>
-              <a:t>신청</a:t>
-            </a:r>
-          </a:p>
-        </p:txBody>
-      </p:sp>
-      <p:sp>
-        <p:nvSpPr>
-          <p:cNvPr id="109" name="사각형: 둥근 모서리 108">
-            <a:extLst>
-              <a:ext uri="{FF2B5EF4-FFF2-40B4-BE49-F238E27FC236}">
-                <a16:creationId xmlns:a16="http://schemas.microsoft.com/office/drawing/2014/main" id="{E689CC7A-EBD2-1F05-E55C-9725D753C155}"/>
-              </a:ext>
-            </a:extLst>
-          </p:cNvPr>
-          <p:cNvSpPr/>
-          <p:nvPr/>
-        </p:nvSpPr>
-        <p:spPr>
-          <a:xfrm>
-            <a:off x="11761514" y="1004918"/>
-            <a:ext cx="201882" cy="45719"/>
-          </a:xfrm>
-          <a:prstGeom prst="roundRect">
-            <a:avLst/>
-          </a:prstGeom>
-          <a:solidFill>
-            <a:schemeClr val="bg2"/>
-          </a:solidFill>
-          <a:ln>
-            <a:solidFill>
-              <a:schemeClr val="tx1"/>
-            </a:solidFill>
-          </a:ln>
-        </p:spPr>
-        <p:style>
-          <a:lnRef idx="2">
-            <a:schemeClr val="accent1">
-              <a:shade val="50000"/>
-            </a:schemeClr>
-          </a:lnRef>
-          <a:fillRef idx="1">
-            <a:schemeClr val="accent1"/>
-          </a:fillRef>
-          <a:effectRef idx="0">
-            <a:schemeClr val="accent1"/>
-          </a:effectRef>
-          <a:fontRef idx="minor">
-            <a:schemeClr val="lt1"/>
-          </a:fontRef>
-        </p:style>
-        <p:txBody>
-          <a:bodyPr rtlCol="0" anchor="ctr"/>
-          <a:lstStyle/>
-          <a:p>
-            <a:pPr algn="ctr"/>
-            <a:endParaRPr lang="ko-KR" altLang="en-US"/>
-          </a:p>
-        </p:txBody>
-      </p:sp>
-      <p:sp>
-        <p:nvSpPr>
-          <p:cNvPr id="110" name="사각형: 둥근 모서리 109">
-            <a:extLst>
-              <a:ext uri="{FF2B5EF4-FFF2-40B4-BE49-F238E27FC236}">
-                <a16:creationId xmlns:a16="http://schemas.microsoft.com/office/drawing/2014/main" id="{E5FC4DB1-9E68-57B5-FAA0-5005ED21BAD9}"/>
-              </a:ext>
-            </a:extLst>
-          </p:cNvPr>
-          <p:cNvSpPr/>
-          <p:nvPr/>
-        </p:nvSpPr>
-        <p:spPr>
-          <a:xfrm>
-            <a:off x="11761514" y="1070436"/>
-            <a:ext cx="201882" cy="45719"/>
-          </a:xfrm>
-          <a:prstGeom prst="roundRect">
-            <a:avLst/>
-          </a:prstGeom>
-          <a:solidFill>
-            <a:schemeClr val="bg2"/>
-          </a:solidFill>
-          <a:ln>
-            <a:solidFill>
-              <a:schemeClr val="tx1"/>
-            </a:solidFill>
-          </a:ln>
-        </p:spPr>
-        <p:style>
-          <a:lnRef idx="2">
-            <a:schemeClr val="accent1">
-              <a:shade val="50000"/>
-            </a:schemeClr>
-          </a:lnRef>
-          <a:fillRef idx="1">
-            <a:schemeClr val="accent1"/>
-          </a:fillRef>
-          <a:effectRef idx="0">
-            <a:schemeClr val="accent1"/>
-          </a:effectRef>
-          <a:fontRef idx="minor">
-            <a:schemeClr val="lt1"/>
-          </a:fontRef>
-        </p:style>
-        <p:txBody>
-          <a:bodyPr rtlCol="0" anchor="ctr"/>
-          <a:lstStyle/>
-          <a:p>
-            <a:pPr algn="ctr"/>
-            <a:endParaRPr lang="ko-KR" altLang="en-US"/>
-          </a:p>
-        </p:txBody>
-      </p:sp>
-      <p:sp>
-        <p:nvSpPr>
-          <p:cNvPr id="111" name="사각형: 둥근 모서리 110">
-            <a:extLst>
-              <a:ext uri="{FF2B5EF4-FFF2-40B4-BE49-F238E27FC236}">
-                <a16:creationId xmlns:a16="http://schemas.microsoft.com/office/drawing/2014/main" id="{CB7840D5-37B1-51D2-D930-3F8F973CEC4B}"/>
-              </a:ext>
-            </a:extLst>
-          </p:cNvPr>
-          <p:cNvSpPr/>
-          <p:nvPr/>
-        </p:nvSpPr>
-        <p:spPr>
-          <a:xfrm>
-            <a:off x="11761514" y="1140514"/>
-            <a:ext cx="201882" cy="45719"/>
-          </a:xfrm>
-          <a:prstGeom prst="roundRect">
-            <a:avLst/>
-          </a:prstGeom>
-          <a:solidFill>
-            <a:schemeClr val="bg2"/>
-          </a:solidFill>
-          <a:ln>
-            <a:solidFill>
-              <a:schemeClr val="tx1"/>
-            </a:solidFill>
-          </a:ln>
-        </p:spPr>
-        <p:style>
-          <a:lnRef idx="2">
-            <a:schemeClr val="accent1">
-              <a:shade val="50000"/>
-            </a:schemeClr>
-          </a:lnRef>
-          <a:fillRef idx="1">
-            <a:schemeClr val="accent1"/>
-          </a:fillRef>
-          <a:effectRef idx="0">
-            <a:schemeClr val="accent1"/>
-          </a:effectRef>
-          <a:fontRef idx="minor">
-            <a:schemeClr val="lt1"/>
-          </a:fontRef>
-        </p:style>
-        <p:txBody>
-          <a:bodyPr rtlCol="0" anchor="ctr"/>
-          <a:lstStyle/>
-          <a:p>
-            <a:pPr algn="ctr"/>
-            <a:endParaRPr lang="ko-KR" altLang="en-US"/>
-          </a:p>
-        </p:txBody>
-      </p:sp>
-      <p:sp>
-        <p:nvSpPr>
-          <p:cNvPr id="112" name="직사각형 111">
-            <a:extLst>
-              <a:ext uri="{FF2B5EF4-FFF2-40B4-BE49-F238E27FC236}">
-                <a16:creationId xmlns:a16="http://schemas.microsoft.com/office/drawing/2014/main" id="{D64A8712-5DA3-5413-261D-CBF1957BC370}"/>
-              </a:ext>
-            </a:extLst>
-          </p:cNvPr>
-          <p:cNvSpPr/>
-          <p:nvPr/>
-        </p:nvSpPr>
-        <p:spPr>
-          <a:xfrm>
-            <a:off x="1060080" y="892908"/>
-            <a:ext cx="875827" cy="410670"/>
-          </a:xfrm>
-          <a:prstGeom prst="rect">
-            <a:avLst/>
-          </a:prstGeom>
-          <a:solidFill>
-            <a:schemeClr val="accent2">
-              <a:lumMod val="20000"/>
-              <a:lumOff val="80000"/>
-            </a:schemeClr>
-          </a:solidFill>
-          <a:ln>
-            <a:noFill/>
-          </a:ln>
-        </p:spPr>
-        <p:style>
-          <a:lnRef idx="2">
-            <a:schemeClr val="accent1">
-              <a:shade val="50000"/>
-            </a:schemeClr>
-          </a:lnRef>
-          <a:fillRef idx="1">
-            <a:schemeClr val="accent1"/>
-          </a:fillRef>
-          <a:effectRef idx="0">
-            <a:schemeClr val="accent1"/>
-          </a:effectRef>
-          <a:fontRef idx="minor">
-            <a:schemeClr val="lt1"/>
-          </a:fontRef>
-        </p:style>
-        <p:txBody>
-          <a:bodyPr rtlCol="0" anchor="ctr"/>
-          <a:lstStyle/>
-          <a:p>
-            <a:pPr algn="ctr"/>
-            <a:r>
-              <a:rPr lang="ko-KR" altLang="en-US" sz="1100" dirty="0">
-                <a:solidFill>
-                  <a:schemeClr val="tx1"/>
-                </a:solidFill>
-                <a:latin typeface="여기어때 잘난체" panose="020B0600000101010101" pitchFamily="50" charset="-127"/>
-                <a:ea typeface="여기어때 잘난체" panose="020B0600000101010101" pitchFamily="50" charset="-127"/>
-              </a:rPr>
-              <a:t>강의 목록</a:t>
-            </a:r>
-          </a:p>
-        </p:txBody>
-      </p:sp>
-      <p:sp>
-        <p:nvSpPr>
-          <p:cNvPr id="113" name="직사각형 112">
-            <a:extLst>
-              <a:ext uri="{FF2B5EF4-FFF2-40B4-BE49-F238E27FC236}">
-                <a16:creationId xmlns:a16="http://schemas.microsoft.com/office/drawing/2014/main" id="{FAB9FC27-8711-58B6-0948-0920D55136D6}"/>
-              </a:ext>
-            </a:extLst>
-          </p:cNvPr>
-          <p:cNvSpPr/>
-          <p:nvPr/>
-        </p:nvSpPr>
-        <p:spPr>
-          <a:xfrm>
-            <a:off x="6741757" y="892908"/>
-            <a:ext cx="875827" cy="410670"/>
-          </a:xfrm>
-          <a:prstGeom prst="rect">
-            <a:avLst/>
-          </a:prstGeom>
-          <a:solidFill>
-            <a:schemeClr val="accent2">
-              <a:lumMod val="20000"/>
-              <a:lumOff val="80000"/>
-            </a:schemeClr>
-          </a:solidFill>
-          <a:ln>
-            <a:noFill/>
-          </a:ln>
-        </p:spPr>
-        <p:style>
-          <a:lnRef idx="2">
-            <a:schemeClr val="accent1">
-              <a:shade val="50000"/>
-            </a:schemeClr>
-          </a:lnRef>
-          <a:fillRef idx="1">
-            <a:schemeClr val="accent1"/>
-          </a:fillRef>
-          <a:effectRef idx="0">
-            <a:schemeClr val="accent1"/>
-          </a:effectRef>
-          <a:fontRef idx="minor">
-            <a:schemeClr val="lt1"/>
-          </a:fontRef>
-        </p:style>
-        <p:txBody>
-          <a:bodyPr rtlCol="0" anchor="ctr"/>
-          <a:lstStyle/>
-          <a:p>
-            <a:pPr algn="ctr"/>
-            <a:r>
-              <a:rPr lang="ko-KR" altLang="en-US" sz="1100" dirty="0">
-                <a:solidFill>
-                  <a:schemeClr val="tx1"/>
-                </a:solidFill>
-                <a:latin typeface="여기어때 잘난체" panose="020B0600000101010101" pitchFamily="50" charset="-127"/>
-                <a:ea typeface="여기어때 잘난체" panose="020B0600000101010101" pitchFamily="50" charset="-127"/>
-              </a:rPr>
-              <a:t>강의 목록</a:t>
-            </a:r>
-          </a:p>
-        </p:txBody>
-      </p:sp>
-      <p:sp>
-        <p:nvSpPr>
-          <p:cNvPr id="114" name="직사각형 113">
-            <a:extLst>
-              <a:ext uri="{FF2B5EF4-FFF2-40B4-BE49-F238E27FC236}">
-                <a16:creationId xmlns:a16="http://schemas.microsoft.com/office/drawing/2014/main" id="{FA691B89-DBB2-F182-6AE2-376C2DDDBF89}"/>
-              </a:ext>
-            </a:extLst>
-          </p:cNvPr>
-          <p:cNvSpPr/>
-          <p:nvPr/>
-        </p:nvSpPr>
-        <p:spPr>
-          <a:xfrm>
-            <a:off x="1882235" y="892908"/>
-            <a:ext cx="875827" cy="410670"/>
-          </a:xfrm>
-          <a:prstGeom prst="rect">
-            <a:avLst/>
-          </a:prstGeom>
-          <a:solidFill>
-            <a:schemeClr val="accent2">
-              <a:lumMod val="20000"/>
-              <a:lumOff val="80000"/>
-            </a:schemeClr>
-          </a:solidFill>
-          <a:ln>
-            <a:noFill/>
-          </a:ln>
-        </p:spPr>
-        <p:style>
-          <a:lnRef idx="2">
-            <a:schemeClr val="accent1">
-              <a:shade val="50000"/>
-            </a:schemeClr>
-          </a:lnRef>
-          <a:fillRef idx="1">
-            <a:schemeClr val="accent1"/>
-          </a:fillRef>
-          <a:effectRef idx="0">
-            <a:schemeClr val="accent1"/>
-          </a:effectRef>
-          <a:fontRef idx="minor">
-            <a:schemeClr val="lt1"/>
-          </a:fontRef>
-        </p:style>
-        <p:txBody>
-          <a:bodyPr rtlCol="0" anchor="ctr"/>
-          <a:lstStyle/>
-          <a:p>
-            <a:pPr algn="ctr"/>
-            <a:r>
-              <a:rPr lang="ko-KR" altLang="en-US" sz="1100" dirty="0">
-                <a:solidFill>
-                  <a:schemeClr val="tx1"/>
-                </a:solidFill>
-                <a:latin typeface="여기어때 잘난체" panose="020B0600000101010101" pitchFamily="50" charset="-127"/>
-                <a:ea typeface="여기어때 잘난체" panose="020B0600000101010101" pitchFamily="50" charset="-127"/>
-              </a:rPr>
-              <a:t>수강 내역</a:t>
-            </a:r>
-          </a:p>
-        </p:txBody>
-      </p:sp>
-      <p:sp>
-        <p:nvSpPr>
-          <p:cNvPr id="117" name="직사각형 116">
-            <a:extLst>
-              <a:ext uri="{FF2B5EF4-FFF2-40B4-BE49-F238E27FC236}">
-                <a16:creationId xmlns:a16="http://schemas.microsoft.com/office/drawing/2014/main" id="{19934A6E-8EC6-CB5F-9C09-42CEAB039DA1}"/>
-              </a:ext>
-            </a:extLst>
-          </p:cNvPr>
-          <p:cNvSpPr/>
-          <p:nvPr/>
-        </p:nvSpPr>
-        <p:spPr>
-          <a:xfrm>
-            <a:off x="7522831" y="892908"/>
-            <a:ext cx="875827" cy="410670"/>
-          </a:xfrm>
-          <a:prstGeom prst="rect">
-            <a:avLst/>
-          </a:prstGeom>
-          <a:solidFill>
-            <a:schemeClr val="accent2">
-              <a:lumMod val="20000"/>
-              <a:lumOff val="80000"/>
-            </a:schemeClr>
-          </a:solidFill>
-          <a:ln>
-            <a:noFill/>
-          </a:ln>
-        </p:spPr>
-        <p:style>
-          <a:lnRef idx="2">
-            <a:schemeClr val="accent1">
-              <a:shade val="50000"/>
-            </a:schemeClr>
-          </a:lnRef>
-          <a:fillRef idx="1">
-            <a:schemeClr val="accent1"/>
-          </a:fillRef>
-          <a:effectRef idx="0">
-            <a:schemeClr val="accent1"/>
-          </a:effectRef>
-          <a:fontRef idx="minor">
-            <a:schemeClr val="lt1"/>
-          </a:fontRef>
-        </p:style>
-        <p:txBody>
-          <a:bodyPr rtlCol="0" anchor="ctr"/>
-          <a:lstStyle/>
-          <a:p>
-            <a:pPr algn="ctr"/>
-            <a:r>
-              <a:rPr lang="ko-KR" altLang="en-US" sz="1100" dirty="0">
-                <a:solidFill>
-                  <a:schemeClr val="tx1"/>
-                </a:solidFill>
-                <a:latin typeface="여기어때 잘난체" panose="020B0600000101010101" pitchFamily="50" charset="-127"/>
-                <a:ea typeface="여기어때 잘난체" panose="020B0600000101010101" pitchFamily="50" charset="-127"/>
-              </a:rPr>
-              <a:t>수강 내역</a:t>
-            </a:r>
-          </a:p>
-        </p:txBody>
-      </p:sp>
-      <p:sp>
-        <p:nvSpPr>
-          <p:cNvPr id="118" name="말풍선: 사각형 117">
-            <a:extLst>
-              <a:ext uri="{FF2B5EF4-FFF2-40B4-BE49-F238E27FC236}">
-                <a16:creationId xmlns:a16="http://schemas.microsoft.com/office/drawing/2014/main" id="{A235225A-84C3-4E1F-583F-87C3F85292ED}"/>
-              </a:ext>
-            </a:extLst>
-          </p:cNvPr>
-          <p:cNvSpPr/>
-          <p:nvPr/>
-        </p:nvSpPr>
-        <p:spPr>
-          <a:xfrm>
-            <a:off x="12204506" y="952342"/>
-            <a:ext cx="700610" cy="755688"/>
-          </a:xfrm>
-          <a:prstGeom prst="wedgeRectCallout">
-            <a:avLst>
-              <a:gd name="adj1" fmla="val -74405"/>
-              <a:gd name="adj2" fmla="val -36818"/>
-            </a:avLst>
-          </a:prstGeom>
-          <a:solidFill>
-            <a:schemeClr val="bg2"/>
-          </a:solidFill>
-          <a:ln>
-            <a:solidFill>
-              <a:schemeClr val="tx1"/>
-            </a:solidFill>
-          </a:ln>
-        </p:spPr>
-        <p:style>
-          <a:lnRef idx="2">
-            <a:schemeClr val="accent1">
-              <a:shade val="50000"/>
-            </a:schemeClr>
-          </a:lnRef>
-          <a:fillRef idx="1">
-            <a:schemeClr val="accent1"/>
-          </a:fillRef>
-          <a:effectRef idx="0">
-            <a:schemeClr val="accent1"/>
-          </a:effectRef>
-          <a:fontRef idx="minor">
-            <a:schemeClr val="lt1"/>
-          </a:fontRef>
-        </p:style>
-        <p:txBody>
-          <a:bodyPr rtlCol="0" anchor="ctr"/>
-          <a:lstStyle/>
-          <a:p>
-            <a:pPr algn="ctr"/>
-            <a:r>
-              <a:rPr lang="ko-KR" altLang="en-US" sz="700" dirty="0">
-                <a:solidFill>
-                  <a:schemeClr val="tx1"/>
-                </a:solidFill>
-              </a:rPr>
-              <a:t>마이 페이지</a:t>
-            </a:r>
-            <a:endParaRPr lang="en-US" altLang="ko-KR" sz="700" dirty="0">
-              <a:solidFill>
-                <a:schemeClr val="tx1"/>
-              </a:solidFill>
-            </a:endParaRPr>
-          </a:p>
-          <a:p>
-            <a:pPr algn="ctr"/>
-            <a:endParaRPr lang="en-US" altLang="ko-KR" sz="700" dirty="0">
-              <a:solidFill>
-                <a:schemeClr val="tx1"/>
-              </a:solidFill>
-            </a:endParaRPr>
-          </a:p>
-          <a:p>
-            <a:pPr algn="ctr"/>
-            <a:r>
-              <a:rPr lang="ko-KR" altLang="en-US" sz="700" dirty="0">
-                <a:solidFill>
-                  <a:schemeClr val="tx1"/>
-                </a:solidFill>
-              </a:rPr>
-              <a:t>강의 목록</a:t>
-            </a:r>
-            <a:endParaRPr lang="en-US" altLang="ko-KR" sz="700" dirty="0">
-              <a:solidFill>
-                <a:schemeClr val="tx1"/>
-              </a:solidFill>
-            </a:endParaRPr>
-          </a:p>
-          <a:p>
-            <a:pPr algn="ctr"/>
-            <a:endParaRPr lang="en-US" altLang="ko-KR" sz="700" dirty="0">
-              <a:solidFill>
-                <a:schemeClr val="tx1"/>
-              </a:solidFill>
-            </a:endParaRPr>
-          </a:p>
-          <a:p>
-            <a:pPr algn="ctr"/>
-            <a:r>
-              <a:rPr lang="ko-KR" altLang="en-US" sz="700" dirty="0">
-                <a:solidFill>
-                  <a:schemeClr val="tx1"/>
-                </a:solidFill>
-              </a:rPr>
-              <a:t>수강 내역</a:t>
-            </a:r>
-          </a:p>
-        </p:txBody>
-      </p:sp>
-      <p:sp>
-        <p:nvSpPr>
-          <p:cNvPr id="3" name="직사각형 2">
-            <a:extLst>
-              <a:ext uri="{FF2B5EF4-FFF2-40B4-BE49-F238E27FC236}">
-                <a16:creationId xmlns:a16="http://schemas.microsoft.com/office/drawing/2014/main" id="{132AF6EB-CF31-9F85-C45F-A5181468781A}"/>
-              </a:ext>
-            </a:extLst>
-          </p:cNvPr>
-          <p:cNvSpPr/>
-          <p:nvPr/>
-        </p:nvSpPr>
-        <p:spPr>
-          <a:xfrm>
-            <a:off x="1570070" y="2022395"/>
-            <a:ext cx="2993366" cy="196821"/>
-          </a:xfrm>
-          <a:prstGeom prst="rect">
-            <a:avLst/>
-          </a:prstGeom>
-          <a:solidFill>
-            <a:schemeClr val="bg2"/>
-          </a:solidFill>
-          <a:ln>
-            <a:noFill/>
-          </a:ln>
-        </p:spPr>
-        <p:style>
-          <a:lnRef idx="2">
-            <a:schemeClr val="accent1">
-              <a:shade val="50000"/>
-            </a:schemeClr>
-          </a:lnRef>
-          <a:fillRef idx="1">
-            <a:schemeClr val="accent1"/>
-          </a:fillRef>
-          <a:effectRef idx="0">
-            <a:schemeClr val="accent1"/>
-          </a:effectRef>
-          <a:fontRef idx="minor">
-            <a:schemeClr val="lt1"/>
-          </a:fontRef>
-        </p:style>
-        <p:txBody>
-          <a:bodyPr rtlCol="0" anchor="ctr"/>
-          <a:lstStyle/>
-          <a:p>
-            <a:pPr algn="ctr"/>
-            <a:r>
-              <a:rPr lang="ko-KR" altLang="en-US" sz="1200" dirty="0"/>
-              <a:t>검색하기</a:t>
-            </a:r>
-          </a:p>
-        </p:txBody>
-      </p:sp>
-      <p:pic>
-        <p:nvPicPr>
-          <p:cNvPr id="7" name="그래픽 6" descr="돋보기 단색으로 채워진">
-            <a:extLst>
-              <a:ext uri="{FF2B5EF4-FFF2-40B4-BE49-F238E27FC236}">
-                <a16:creationId xmlns:a16="http://schemas.microsoft.com/office/drawing/2014/main" id="{E65183F9-1702-71D0-FEEA-C71037CA62B8}"/>
-              </a:ext>
-            </a:extLst>
-          </p:cNvPr>
-          <p:cNvPicPr>
-            <a:picLocks noChangeAspect="1"/>
-          </p:cNvPicPr>
-          <p:nvPr/>
-        </p:nvPicPr>
-        <p:blipFill>
-          <a:blip r:embed="rId4">
-            <a:extLst>
-              <a:ext uri="{28A0092B-C50C-407E-A947-70E740481C1C}">
-                <a14:useLocalDpi xmlns:a14="http://schemas.microsoft.com/office/drawing/2010/main" val="0"/>
-              </a:ext>
-              <a:ext uri="{96DAC541-7B7A-43D3-8B79-37D633B846F1}">
-                <asvg:svgBlip xmlns:asvg="http://schemas.microsoft.com/office/drawing/2016/SVG/main" r:embed="rId5"/>
-              </a:ext>
-            </a:extLst>
-          </a:blip>
-          <a:stretch>
-            <a:fillRect/>
-          </a:stretch>
-        </p:blipFill>
-        <p:spPr>
-          <a:xfrm>
-            <a:off x="2534490" y="2037946"/>
-            <a:ext cx="159437" cy="159437"/>
-          </a:xfrm>
-          <a:prstGeom prst="rect">
-            <a:avLst/>
-          </a:prstGeom>
-        </p:spPr>
-      </p:pic>
-      <p:sp>
-        <p:nvSpPr>
-          <p:cNvPr id="82" name="직사각형 81">
-            <a:extLst>
-              <a:ext uri="{FF2B5EF4-FFF2-40B4-BE49-F238E27FC236}">
-                <a16:creationId xmlns:a16="http://schemas.microsoft.com/office/drawing/2014/main" id="{7A69536C-C579-A48D-9677-32A7231C109F}"/>
-              </a:ext>
-            </a:extLst>
-          </p:cNvPr>
-          <p:cNvSpPr/>
-          <p:nvPr/>
-        </p:nvSpPr>
-        <p:spPr>
-          <a:xfrm>
-            <a:off x="6078327" y="2635439"/>
-            <a:ext cx="1569185" cy="1912209"/>
-          </a:xfrm>
-          <a:prstGeom prst="rect">
-            <a:avLst/>
-          </a:prstGeom>
-          <a:solidFill>
-            <a:schemeClr val="bg1">
-              <a:lumMod val="95000"/>
-            </a:schemeClr>
-          </a:solidFill>
-          <a:ln>
-            <a:solidFill>
-              <a:schemeClr val="tx1"/>
-            </a:solidFill>
-          </a:ln>
-        </p:spPr>
-        <p:style>
-          <a:lnRef idx="2">
-            <a:schemeClr val="accent1">
-              <a:shade val="50000"/>
-            </a:schemeClr>
-          </a:lnRef>
-          <a:fillRef idx="1">
-            <a:schemeClr val="accent1"/>
-          </a:fillRef>
-          <a:effectRef idx="0">
-            <a:schemeClr val="accent1"/>
-          </a:effectRef>
-          <a:fontRef idx="minor">
-            <a:schemeClr val="lt1"/>
-          </a:fontRef>
-        </p:style>
-        <p:txBody>
-          <a:bodyPr rtlCol="0" anchor="ctr"/>
-          <a:lstStyle/>
-          <a:p>
-            <a:pPr algn="ctr"/>
-            <a:endParaRPr lang="ko-KR" altLang="en-US"/>
-          </a:p>
-        </p:txBody>
-      </p:sp>
-      <p:sp>
-        <p:nvSpPr>
-          <p:cNvPr id="83" name="직사각형 82">
-            <a:extLst>
-              <a:ext uri="{FF2B5EF4-FFF2-40B4-BE49-F238E27FC236}">
-                <a16:creationId xmlns:a16="http://schemas.microsoft.com/office/drawing/2014/main" id="{C4A050E1-ABCA-AABA-B300-51AEC17BCE67}"/>
-              </a:ext>
-            </a:extLst>
-          </p:cNvPr>
-          <p:cNvSpPr/>
-          <p:nvPr/>
-        </p:nvSpPr>
-        <p:spPr>
-          <a:xfrm>
-            <a:off x="6158243" y="4103183"/>
-            <a:ext cx="738231" cy="146768"/>
-          </a:xfrm>
-          <a:prstGeom prst="rect">
-            <a:avLst/>
-          </a:prstGeom>
-          <a:solidFill>
-            <a:schemeClr val="bg1"/>
-          </a:solidFill>
-          <a:ln>
-            <a:solidFill>
-              <a:schemeClr val="tx1"/>
-            </a:solidFill>
-          </a:ln>
-        </p:spPr>
-        <p:style>
-          <a:lnRef idx="2">
-            <a:schemeClr val="accent1">
-              <a:shade val="50000"/>
-            </a:schemeClr>
-          </a:lnRef>
-          <a:fillRef idx="1">
-            <a:schemeClr val="accent1"/>
-          </a:fillRef>
-          <a:effectRef idx="0">
-            <a:schemeClr val="accent1"/>
-          </a:effectRef>
-          <a:fontRef idx="minor">
-            <a:schemeClr val="lt1"/>
-          </a:fontRef>
-        </p:style>
-        <p:txBody>
-          <a:bodyPr rtlCol="0" anchor="ctr"/>
-          <a:lstStyle/>
-          <a:p>
-            <a:pPr algn="ctr"/>
-            <a:r>
-              <a:rPr lang="ko-KR" altLang="en-US" sz="900" dirty="0" err="1">
-                <a:solidFill>
-                  <a:schemeClr val="tx1"/>
-                </a:solidFill>
-              </a:rPr>
-              <a:t>강의자</a:t>
-            </a:r>
-            <a:endParaRPr lang="ko-KR" altLang="en-US" sz="900" dirty="0">
-              <a:solidFill>
-                <a:schemeClr val="tx1"/>
-              </a:solidFill>
-            </a:endParaRPr>
-          </a:p>
-        </p:txBody>
-      </p:sp>
-      <p:sp>
-        <p:nvSpPr>
-          <p:cNvPr id="84" name="직사각형 83">
-            <a:extLst>
-              <a:ext uri="{FF2B5EF4-FFF2-40B4-BE49-F238E27FC236}">
-                <a16:creationId xmlns:a16="http://schemas.microsoft.com/office/drawing/2014/main" id="{BAA10648-EA74-0304-DEF1-7956FFDFAF91}"/>
-              </a:ext>
-            </a:extLst>
-          </p:cNvPr>
-          <p:cNvSpPr/>
-          <p:nvPr/>
-        </p:nvSpPr>
-        <p:spPr>
-          <a:xfrm>
-            <a:off x="6181683" y="2762806"/>
-            <a:ext cx="1333851" cy="827735"/>
-          </a:xfrm>
-          <a:prstGeom prst="rect">
-            <a:avLst/>
-          </a:prstGeom>
-          <a:solidFill>
-            <a:srgbClr val="FBE5D6"/>
-          </a:solidFill>
-          <a:ln>
-            <a:solidFill>
-              <a:schemeClr val="tx1"/>
-            </a:solidFill>
-          </a:ln>
-        </p:spPr>
-        <p:style>
-          <a:lnRef idx="2">
-            <a:schemeClr val="accent1">
-              <a:shade val="50000"/>
-            </a:schemeClr>
-          </a:lnRef>
-          <a:fillRef idx="1">
-            <a:schemeClr val="accent1"/>
-          </a:fillRef>
-          <a:effectRef idx="0">
-            <a:schemeClr val="accent1"/>
-          </a:effectRef>
-          <a:fontRef idx="minor">
-            <a:schemeClr val="lt1"/>
-          </a:fontRef>
-        </p:style>
-        <p:txBody>
-          <a:bodyPr rtlCol="0" anchor="ctr"/>
-          <a:lstStyle/>
-          <a:p>
-            <a:pPr algn="ctr"/>
-            <a:r>
-              <a:rPr lang="ko-KR" altLang="en-US" sz="1000" dirty="0">
-                <a:solidFill>
-                  <a:schemeClr val="tx1"/>
-                </a:solidFill>
-              </a:rPr>
-              <a:t>강의 이름</a:t>
-            </a:r>
-            <a:endParaRPr lang="en-US" altLang="ko-KR" sz="1000" dirty="0">
-              <a:solidFill>
-                <a:schemeClr val="tx1"/>
-              </a:solidFill>
-            </a:endParaRPr>
-          </a:p>
-          <a:p>
-            <a:pPr algn="ctr"/>
-            <a:r>
-              <a:rPr lang="en-US" altLang="ko-KR" sz="1000" dirty="0">
-                <a:solidFill>
-                  <a:schemeClr val="tx1"/>
-                </a:solidFill>
-              </a:rPr>
-              <a:t>(</a:t>
-            </a:r>
-            <a:r>
-              <a:rPr lang="ko-KR" altLang="en-US" sz="1000" dirty="0" err="1">
-                <a:solidFill>
-                  <a:schemeClr val="tx1"/>
-                </a:solidFill>
-              </a:rPr>
-              <a:t>뒷배경</a:t>
-            </a:r>
-            <a:r>
-              <a:rPr lang="ko-KR" altLang="en-US" sz="1000" dirty="0">
-                <a:solidFill>
-                  <a:schemeClr val="tx1"/>
-                </a:solidFill>
-              </a:rPr>
-              <a:t> 카테고리별</a:t>
-            </a:r>
-            <a:r>
-              <a:rPr lang="en-US" altLang="ko-KR" sz="1000" dirty="0">
-                <a:solidFill>
-                  <a:schemeClr val="tx1"/>
-                </a:solidFill>
-              </a:rPr>
-              <a:t>)</a:t>
-            </a:r>
-            <a:endParaRPr lang="ko-KR" altLang="en-US" sz="1000" dirty="0">
-              <a:solidFill>
-                <a:schemeClr val="tx1"/>
-              </a:solidFill>
-            </a:endParaRPr>
-          </a:p>
-        </p:txBody>
-      </p:sp>
-      <p:sp>
-        <p:nvSpPr>
-          <p:cNvPr id="85" name="직사각형 84">
-            <a:extLst>
-              <a:ext uri="{FF2B5EF4-FFF2-40B4-BE49-F238E27FC236}">
-                <a16:creationId xmlns:a16="http://schemas.microsoft.com/office/drawing/2014/main" id="{7411F8B5-6F13-9AB8-BF8A-4FFDE43B6FD1}"/>
-              </a:ext>
-            </a:extLst>
-          </p:cNvPr>
-          <p:cNvSpPr/>
-          <p:nvPr/>
-        </p:nvSpPr>
-        <p:spPr>
-          <a:xfrm>
-            <a:off x="6158242" y="4325415"/>
-            <a:ext cx="738232" cy="146768"/>
-          </a:xfrm>
-          <a:prstGeom prst="rect">
-            <a:avLst/>
-          </a:prstGeom>
-          <a:solidFill>
-            <a:schemeClr val="bg1"/>
-          </a:solidFill>
-          <a:ln>
-            <a:solidFill>
-              <a:schemeClr val="tx1"/>
-            </a:solidFill>
-          </a:ln>
-        </p:spPr>
-        <p:style>
-          <a:lnRef idx="2">
-            <a:schemeClr val="accent1">
-              <a:shade val="50000"/>
-            </a:schemeClr>
-          </a:lnRef>
-          <a:fillRef idx="1">
-            <a:schemeClr val="accent1"/>
-          </a:fillRef>
-          <a:effectRef idx="0">
-            <a:schemeClr val="accent1"/>
-          </a:effectRef>
-          <a:fontRef idx="minor">
-            <a:schemeClr val="lt1"/>
-          </a:fontRef>
-        </p:style>
-        <p:txBody>
-          <a:bodyPr rtlCol="0" anchor="ctr"/>
-          <a:lstStyle/>
-          <a:p>
-            <a:pPr algn="ctr"/>
-            <a:r>
-              <a:rPr lang="ko-KR" altLang="en-US" sz="900" dirty="0">
-                <a:solidFill>
-                  <a:schemeClr val="tx1"/>
-                </a:solidFill>
-              </a:rPr>
-              <a:t>강의 시간</a:t>
-            </a:r>
-          </a:p>
-        </p:txBody>
-      </p:sp>
-      <p:sp>
-        <p:nvSpPr>
-          <p:cNvPr id="101" name="직사각형 100">
-            <a:extLst>
-              <a:ext uri="{FF2B5EF4-FFF2-40B4-BE49-F238E27FC236}">
-                <a16:creationId xmlns:a16="http://schemas.microsoft.com/office/drawing/2014/main" id="{83F8B3D4-168C-A269-23B8-9E351CF94AB5}"/>
-              </a:ext>
-            </a:extLst>
-          </p:cNvPr>
-          <p:cNvSpPr/>
-          <p:nvPr/>
-        </p:nvSpPr>
-        <p:spPr>
-          <a:xfrm>
-            <a:off x="6158243" y="3815091"/>
-            <a:ext cx="1322003" cy="146768"/>
-          </a:xfrm>
-          <a:prstGeom prst="rect">
-            <a:avLst/>
-          </a:prstGeom>
-          <a:solidFill>
-            <a:schemeClr val="bg1"/>
-          </a:solidFill>
-          <a:ln>
-            <a:solidFill>
-              <a:schemeClr val="tx1"/>
-            </a:solidFill>
-          </a:ln>
-        </p:spPr>
-        <p:style>
-          <a:lnRef idx="2">
-            <a:schemeClr val="accent1">
-              <a:shade val="50000"/>
-            </a:schemeClr>
-          </a:lnRef>
-          <a:fillRef idx="1">
-            <a:schemeClr val="accent1"/>
-          </a:fillRef>
-          <a:effectRef idx="0">
-            <a:schemeClr val="accent1"/>
-          </a:effectRef>
-          <a:fontRef idx="minor">
-            <a:schemeClr val="lt1"/>
-          </a:fontRef>
-        </p:style>
-        <p:txBody>
-          <a:bodyPr rtlCol="0" anchor="ctr"/>
-          <a:lstStyle/>
-          <a:p>
-            <a:pPr algn="ctr"/>
-            <a:r>
-              <a:rPr lang="ko-KR" altLang="en-US" sz="900" dirty="0" err="1">
-                <a:solidFill>
-                  <a:schemeClr val="tx1"/>
-                </a:solidFill>
-              </a:rPr>
-              <a:t>강의명</a:t>
-            </a:r>
-            <a:endParaRPr lang="ko-KR" altLang="en-US" sz="900" dirty="0">
-              <a:solidFill>
-                <a:schemeClr val="tx1"/>
-              </a:solidFill>
-            </a:endParaRPr>
-          </a:p>
-        </p:txBody>
-      </p:sp>
-      <p:sp>
-        <p:nvSpPr>
-          <p:cNvPr id="102" name="직사각형 101">
-            <a:extLst>
-              <a:ext uri="{FF2B5EF4-FFF2-40B4-BE49-F238E27FC236}">
-                <a16:creationId xmlns:a16="http://schemas.microsoft.com/office/drawing/2014/main" id="{C5349FF0-0CEC-F25E-675F-4949CEFCAEBA}"/>
-              </a:ext>
-            </a:extLst>
-          </p:cNvPr>
-          <p:cNvSpPr/>
-          <p:nvPr/>
-        </p:nvSpPr>
-        <p:spPr>
-          <a:xfrm>
-            <a:off x="7884578" y="2644174"/>
-            <a:ext cx="1569185" cy="1912209"/>
-          </a:xfrm>
-          <a:prstGeom prst="rect">
-            <a:avLst/>
-          </a:prstGeom>
-          <a:solidFill>
-            <a:schemeClr val="bg1">
-              <a:lumMod val="95000"/>
-            </a:schemeClr>
-          </a:solidFill>
-          <a:ln>
-            <a:solidFill>
-              <a:schemeClr val="tx1"/>
-            </a:solidFill>
-          </a:ln>
-        </p:spPr>
-        <p:style>
-          <a:lnRef idx="2">
-            <a:schemeClr val="accent1">
-              <a:shade val="50000"/>
-            </a:schemeClr>
-          </a:lnRef>
-          <a:fillRef idx="1">
-            <a:schemeClr val="accent1"/>
-          </a:fillRef>
-          <a:effectRef idx="0">
-            <a:schemeClr val="accent1"/>
-          </a:effectRef>
-          <a:fontRef idx="minor">
-            <a:schemeClr val="lt1"/>
-          </a:fontRef>
-        </p:style>
-        <p:txBody>
-          <a:bodyPr rtlCol="0" anchor="ctr"/>
-          <a:lstStyle/>
-          <a:p>
-            <a:pPr algn="ctr"/>
-            <a:endParaRPr lang="ko-KR" altLang="en-US"/>
-          </a:p>
-        </p:txBody>
-      </p:sp>
-      <p:sp>
-        <p:nvSpPr>
-          <p:cNvPr id="115" name="직사각형 114">
-            <a:extLst>
-              <a:ext uri="{FF2B5EF4-FFF2-40B4-BE49-F238E27FC236}">
-                <a16:creationId xmlns:a16="http://schemas.microsoft.com/office/drawing/2014/main" id="{62B10D66-08AA-758C-5CC0-19EDB9C61200}"/>
-              </a:ext>
-            </a:extLst>
-          </p:cNvPr>
-          <p:cNvSpPr/>
-          <p:nvPr/>
-        </p:nvSpPr>
-        <p:spPr>
-          <a:xfrm>
-            <a:off x="7964494" y="4111918"/>
-            <a:ext cx="738231" cy="146768"/>
-          </a:xfrm>
-          <a:prstGeom prst="rect">
-            <a:avLst/>
-          </a:prstGeom>
-          <a:solidFill>
-            <a:schemeClr val="bg1"/>
-          </a:solidFill>
-          <a:ln>
-            <a:solidFill>
-              <a:schemeClr val="tx1"/>
-            </a:solidFill>
-          </a:ln>
-        </p:spPr>
-        <p:style>
-          <a:lnRef idx="2">
-            <a:schemeClr val="accent1">
-              <a:shade val="50000"/>
-            </a:schemeClr>
-          </a:lnRef>
-          <a:fillRef idx="1">
-            <a:schemeClr val="accent1"/>
-          </a:fillRef>
-          <a:effectRef idx="0">
-            <a:schemeClr val="accent1"/>
-          </a:effectRef>
-          <a:fontRef idx="minor">
-            <a:schemeClr val="lt1"/>
-          </a:fontRef>
-        </p:style>
-        <p:txBody>
-          <a:bodyPr rtlCol="0" anchor="ctr"/>
-          <a:lstStyle/>
-          <a:p>
-            <a:pPr algn="ctr"/>
-            <a:r>
-              <a:rPr lang="ko-KR" altLang="en-US" sz="900" dirty="0" err="1">
-                <a:solidFill>
-                  <a:schemeClr val="tx1"/>
-                </a:solidFill>
-              </a:rPr>
-              <a:t>강의자</a:t>
-            </a:r>
-            <a:endParaRPr lang="ko-KR" altLang="en-US" sz="900" dirty="0">
-              <a:solidFill>
-                <a:schemeClr val="tx1"/>
-              </a:solidFill>
-            </a:endParaRPr>
-          </a:p>
-        </p:txBody>
-      </p:sp>
-      <p:sp>
-        <p:nvSpPr>
-          <p:cNvPr id="116" name="직사각형 115">
-            <a:extLst>
-              <a:ext uri="{FF2B5EF4-FFF2-40B4-BE49-F238E27FC236}">
-                <a16:creationId xmlns:a16="http://schemas.microsoft.com/office/drawing/2014/main" id="{07FA39D9-34EC-9A46-1E86-8F51CFECD166}"/>
-              </a:ext>
-            </a:extLst>
-          </p:cNvPr>
-          <p:cNvSpPr/>
-          <p:nvPr/>
-        </p:nvSpPr>
-        <p:spPr>
-          <a:xfrm>
-            <a:off x="7987934" y="2771541"/>
-            <a:ext cx="1333851" cy="827735"/>
-          </a:xfrm>
-          <a:prstGeom prst="rect">
-            <a:avLst/>
-          </a:prstGeom>
-          <a:solidFill>
-            <a:srgbClr val="FBE5D6"/>
-          </a:solidFill>
-          <a:ln>
-            <a:solidFill>
-              <a:schemeClr val="tx1"/>
-            </a:solidFill>
-          </a:ln>
-        </p:spPr>
-        <p:style>
-          <a:lnRef idx="2">
-            <a:schemeClr val="accent1">
-              <a:shade val="50000"/>
-            </a:schemeClr>
-          </a:lnRef>
-          <a:fillRef idx="1">
-            <a:schemeClr val="accent1"/>
-          </a:fillRef>
-          <a:effectRef idx="0">
-            <a:schemeClr val="accent1"/>
-          </a:effectRef>
-          <a:fontRef idx="minor">
-            <a:schemeClr val="lt1"/>
-          </a:fontRef>
-        </p:style>
-        <p:txBody>
-          <a:bodyPr rtlCol="0" anchor="ctr"/>
-          <a:lstStyle/>
-          <a:p>
-            <a:pPr algn="ctr"/>
-            <a:r>
-              <a:rPr lang="ko-KR" altLang="en-US" sz="1000" dirty="0">
-                <a:solidFill>
-                  <a:schemeClr val="tx1"/>
-                </a:solidFill>
-              </a:rPr>
-              <a:t>강의 이름</a:t>
-            </a:r>
-            <a:endParaRPr lang="en-US" altLang="ko-KR" sz="1000" dirty="0">
-              <a:solidFill>
-                <a:schemeClr val="tx1"/>
-              </a:solidFill>
-            </a:endParaRPr>
-          </a:p>
-          <a:p>
-            <a:pPr algn="ctr"/>
-            <a:r>
-              <a:rPr lang="en-US" altLang="ko-KR" sz="1000" dirty="0">
-                <a:solidFill>
-                  <a:schemeClr val="tx1"/>
-                </a:solidFill>
-              </a:rPr>
-              <a:t>(</a:t>
-            </a:r>
-            <a:r>
-              <a:rPr lang="ko-KR" altLang="en-US" sz="1000" dirty="0" err="1">
-                <a:solidFill>
-                  <a:schemeClr val="tx1"/>
-                </a:solidFill>
-              </a:rPr>
-              <a:t>뒷배경</a:t>
-            </a:r>
-            <a:r>
-              <a:rPr lang="ko-KR" altLang="en-US" sz="1000" dirty="0">
-                <a:solidFill>
-                  <a:schemeClr val="tx1"/>
-                </a:solidFill>
-              </a:rPr>
-              <a:t> 카테고리별</a:t>
-            </a:r>
-            <a:r>
-              <a:rPr lang="en-US" altLang="ko-KR" sz="1000" dirty="0">
-                <a:solidFill>
-                  <a:schemeClr val="tx1"/>
-                </a:solidFill>
-              </a:rPr>
-              <a:t>)</a:t>
-            </a:r>
-            <a:endParaRPr lang="ko-KR" altLang="en-US" sz="1000" dirty="0">
-              <a:solidFill>
-                <a:schemeClr val="tx1"/>
-              </a:solidFill>
-            </a:endParaRPr>
-          </a:p>
-        </p:txBody>
-      </p:sp>
-      <p:sp>
-        <p:nvSpPr>
-          <p:cNvPr id="119" name="직사각형 118">
-            <a:extLst>
-              <a:ext uri="{FF2B5EF4-FFF2-40B4-BE49-F238E27FC236}">
-                <a16:creationId xmlns:a16="http://schemas.microsoft.com/office/drawing/2014/main" id="{34F2967B-2F78-9438-9EED-F9D5B8978D5E}"/>
-              </a:ext>
-            </a:extLst>
-          </p:cNvPr>
-          <p:cNvSpPr/>
-          <p:nvPr/>
-        </p:nvSpPr>
-        <p:spPr>
-          <a:xfrm>
-            <a:off x="7964493" y="4334150"/>
-            <a:ext cx="738232" cy="146768"/>
-          </a:xfrm>
-          <a:prstGeom prst="rect">
-            <a:avLst/>
-          </a:prstGeom>
-          <a:solidFill>
-            <a:schemeClr val="bg1"/>
-          </a:solidFill>
-          <a:ln>
-            <a:solidFill>
-              <a:schemeClr val="tx1"/>
-            </a:solidFill>
-          </a:ln>
-        </p:spPr>
-        <p:style>
-          <a:lnRef idx="2">
-            <a:schemeClr val="accent1">
-              <a:shade val="50000"/>
-            </a:schemeClr>
-          </a:lnRef>
-          <a:fillRef idx="1">
-            <a:schemeClr val="accent1"/>
-          </a:fillRef>
-          <a:effectRef idx="0">
-            <a:schemeClr val="accent1"/>
-          </a:effectRef>
-          <a:fontRef idx="minor">
-            <a:schemeClr val="lt1"/>
-          </a:fontRef>
-        </p:style>
-        <p:txBody>
-          <a:bodyPr rtlCol="0" anchor="ctr"/>
-          <a:lstStyle/>
-          <a:p>
-            <a:pPr algn="ctr"/>
-            <a:r>
-              <a:rPr lang="ko-KR" altLang="en-US" sz="900" dirty="0">
-                <a:solidFill>
-                  <a:schemeClr val="tx1"/>
-                </a:solidFill>
-              </a:rPr>
-              <a:t>강의 시간</a:t>
-            </a:r>
-          </a:p>
-        </p:txBody>
-      </p:sp>
-      <p:sp>
-        <p:nvSpPr>
-          <p:cNvPr id="120" name="직사각형 119">
-            <a:extLst>
-              <a:ext uri="{FF2B5EF4-FFF2-40B4-BE49-F238E27FC236}">
-                <a16:creationId xmlns:a16="http://schemas.microsoft.com/office/drawing/2014/main" id="{A536960C-CC37-7ED7-456E-A062F6F2836D}"/>
-              </a:ext>
-            </a:extLst>
-          </p:cNvPr>
-          <p:cNvSpPr/>
-          <p:nvPr/>
-        </p:nvSpPr>
-        <p:spPr>
-          <a:xfrm>
-            <a:off x="7964494" y="3823826"/>
-            <a:ext cx="1322003" cy="146768"/>
-          </a:xfrm>
-          <a:prstGeom prst="rect">
-            <a:avLst/>
-          </a:prstGeom>
-          <a:solidFill>
-            <a:schemeClr val="bg1"/>
-          </a:solidFill>
-          <a:ln>
-            <a:solidFill>
-              <a:schemeClr val="tx1"/>
-            </a:solidFill>
-          </a:ln>
-        </p:spPr>
-        <p:style>
-          <a:lnRef idx="2">
-            <a:schemeClr val="accent1">
-              <a:shade val="50000"/>
-            </a:schemeClr>
-          </a:lnRef>
-          <a:fillRef idx="1">
-            <a:schemeClr val="accent1"/>
-          </a:fillRef>
-          <a:effectRef idx="0">
-            <a:schemeClr val="accent1"/>
-          </a:effectRef>
-          <a:fontRef idx="minor">
-            <a:schemeClr val="lt1"/>
-          </a:fontRef>
-        </p:style>
-        <p:txBody>
-          <a:bodyPr rtlCol="0" anchor="ctr"/>
-          <a:lstStyle/>
-          <a:p>
-            <a:pPr algn="ctr"/>
-            <a:r>
-              <a:rPr lang="ko-KR" altLang="en-US" sz="900" dirty="0" err="1">
-                <a:solidFill>
-                  <a:schemeClr val="tx1"/>
-                </a:solidFill>
-              </a:rPr>
-              <a:t>강의명</a:t>
-            </a:r>
-            <a:endParaRPr lang="ko-KR" altLang="en-US" sz="900" dirty="0">
-              <a:solidFill>
-                <a:schemeClr val="tx1"/>
-              </a:solidFill>
-            </a:endParaRPr>
-          </a:p>
-        </p:txBody>
-      </p:sp>
-      <p:sp>
-        <p:nvSpPr>
-          <p:cNvPr id="121" name="직사각형 120">
-            <a:extLst>
-              <a:ext uri="{FF2B5EF4-FFF2-40B4-BE49-F238E27FC236}">
-                <a16:creationId xmlns:a16="http://schemas.microsoft.com/office/drawing/2014/main" id="{C614B9B2-6E7D-AC96-F392-783FF014923D}"/>
-              </a:ext>
-            </a:extLst>
-          </p:cNvPr>
-          <p:cNvSpPr/>
-          <p:nvPr/>
-        </p:nvSpPr>
-        <p:spPr>
-          <a:xfrm>
-            <a:off x="8211166" y="2277030"/>
-            <a:ext cx="1262366" cy="226724"/>
-          </a:xfrm>
-          <a:prstGeom prst="rect">
-            <a:avLst/>
-          </a:prstGeom>
-          <a:solidFill>
-            <a:schemeClr val="accent2">
-              <a:lumMod val="20000"/>
-              <a:lumOff val="80000"/>
-            </a:schemeClr>
-          </a:solidFill>
-          <a:ln>
-            <a:noFill/>
-          </a:ln>
-        </p:spPr>
-        <p:style>
-          <a:lnRef idx="2">
-            <a:schemeClr val="accent1">
-              <a:shade val="50000"/>
-            </a:schemeClr>
-          </a:lnRef>
-          <a:fillRef idx="1">
-            <a:schemeClr val="accent1"/>
-          </a:fillRef>
-          <a:effectRef idx="0">
-            <a:schemeClr val="accent1"/>
-          </a:effectRef>
-          <a:fontRef idx="minor">
-            <a:schemeClr val="lt1"/>
-          </a:fontRef>
-        </p:style>
-        <p:txBody>
-          <a:bodyPr rtlCol="0" anchor="ctr"/>
-          <a:lstStyle/>
-          <a:p>
-            <a:pPr algn="ctr"/>
-            <a:r>
-              <a:rPr lang="ko-KR" altLang="en-US" sz="1200" dirty="0">
-                <a:solidFill>
-                  <a:schemeClr val="tx1"/>
-                </a:solidFill>
-                <a:latin typeface="여기어때 잘난체" panose="020B0600000101010101" pitchFamily="50" charset="-127"/>
-                <a:ea typeface="여기어때 잘난체" panose="020B0600000101010101" pitchFamily="50" charset="-127"/>
-              </a:rPr>
-              <a:t>강의 개설하기</a:t>
-            </a:r>
-          </a:p>
-        </p:txBody>
-      </p:sp>
-      <p:cxnSp>
-        <p:nvCxnSpPr>
-          <p:cNvPr id="122" name="직선 연결선 121">
-            <a:extLst>
-              <a:ext uri="{FF2B5EF4-FFF2-40B4-BE49-F238E27FC236}">
-                <a16:creationId xmlns:a16="http://schemas.microsoft.com/office/drawing/2014/main" id="{FBE182A8-D2CB-8FCC-2AEC-C24BA7E5F561}"/>
-              </a:ext>
-            </a:extLst>
-          </p:cNvPr>
-          <p:cNvCxnSpPr>
-            <a:cxnSpLocks/>
-          </p:cNvCxnSpPr>
-          <p:nvPr/>
-        </p:nvCxnSpPr>
-        <p:spPr>
-          <a:xfrm>
-            <a:off x="4239755" y="2541486"/>
-            <a:ext cx="5233777" cy="0"/>
-          </a:xfrm>
-          <a:prstGeom prst="line">
-            <a:avLst/>
-          </a:prstGeom>
-          <a:ln>
-            <a:solidFill>
-              <a:schemeClr val="bg2"/>
-            </a:solidFill>
-          </a:ln>
-        </p:spPr>
-        <p:style>
-          <a:lnRef idx="1">
-            <a:schemeClr val="accent1"/>
-          </a:lnRef>
-          <a:fillRef idx="0">
-            <a:schemeClr val="accent1"/>
-          </a:fillRef>
-          <a:effectRef idx="0">
-            <a:schemeClr val="accent1"/>
-          </a:effectRef>
-          <a:fontRef idx="minor">
-            <a:schemeClr val="tx1"/>
-          </a:fontRef>
-        </p:style>
-      </p:cxnSp>
-      <p:sp>
-        <p:nvSpPr>
-          <p:cNvPr id="125" name="직사각형 124">
-            <a:extLst>
-              <a:ext uri="{FF2B5EF4-FFF2-40B4-BE49-F238E27FC236}">
-                <a16:creationId xmlns:a16="http://schemas.microsoft.com/office/drawing/2014/main" id="{ACBB125F-56B6-21FD-7329-6C3B034D162A}"/>
-              </a:ext>
-            </a:extLst>
-          </p:cNvPr>
-          <p:cNvSpPr/>
-          <p:nvPr/>
-        </p:nvSpPr>
-        <p:spPr>
-          <a:xfrm>
-            <a:off x="6293131" y="2022395"/>
-            <a:ext cx="2993366" cy="196821"/>
-          </a:xfrm>
-          <a:prstGeom prst="rect">
-            <a:avLst/>
-          </a:prstGeom>
-          <a:solidFill>
-            <a:schemeClr val="bg2"/>
-          </a:solidFill>
-          <a:ln>
-            <a:noFill/>
-          </a:ln>
-        </p:spPr>
-        <p:style>
-          <a:lnRef idx="2">
-            <a:schemeClr val="accent1">
-              <a:shade val="50000"/>
-            </a:schemeClr>
-          </a:lnRef>
-          <a:fillRef idx="1">
-            <a:schemeClr val="accent1"/>
-          </a:fillRef>
-          <a:effectRef idx="0">
-            <a:schemeClr val="accent1"/>
-          </a:effectRef>
-          <a:fontRef idx="minor">
-            <a:schemeClr val="lt1"/>
-          </a:fontRef>
-        </p:style>
-        <p:txBody>
-          <a:bodyPr rtlCol="0" anchor="ctr"/>
-          <a:lstStyle/>
-          <a:p>
-            <a:pPr algn="ctr"/>
-            <a:r>
-              <a:rPr lang="ko-KR" altLang="en-US" sz="1200"/>
-              <a:t>검색하기</a:t>
-            </a:r>
-          </a:p>
-        </p:txBody>
-      </p:sp>
-      <p:pic>
-        <p:nvPicPr>
-          <p:cNvPr id="126" name="그래픽 125" descr="돋보기 단색으로 채워진">
-            <a:extLst>
-              <a:ext uri="{FF2B5EF4-FFF2-40B4-BE49-F238E27FC236}">
-                <a16:creationId xmlns:a16="http://schemas.microsoft.com/office/drawing/2014/main" id="{F6D3557A-E08D-81AE-E671-8BB3FF470FFE}"/>
-              </a:ext>
-            </a:extLst>
-          </p:cNvPr>
-          <p:cNvPicPr>
-            <a:picLocks noChangeAspect="1"/>
-          </p:cNvPicPr>
-          <p:nvPr/>
-        </p:nvPicPr>
-        <p:blipFill>
-          <a:blip r:embed="rId4">
-            <a:extLst>
-              <a:ext uri="{28A0092B-C50C-407E-A947-70E740481C1C}">
-                <a14:useLocalDpi xmlns:a14="http://schemas.microsoft.com/office/drawing/2010/main" val="0"/>
-              </a:ext>
-              <a:ext uri="{96DAC541-7B7A-43D3-8B79-37D633B846F1}">
-                <asvg:svgBlip xmlns:asvg="http://schemas.microsoft.com/office/drawing/2016/SVG/main" r:embed="rId5"/>
-              </a:ext>
-            </a:extLst>
-          </a:blip>
-          <a:stretch>
-            <a:fillRect/>
-          </a:stretch>
-        </p:blipFill>
-        <p:spPr>
-          <a:xfrm>
-            <a:off x="7257551" y="2037946"/>
-            <a:ext cx="159437" cy="159437"/>
-          </a:xfrm>
-          <a:prstGeom prst="rect">
-            <a:avLst/>
-          </a:prstGeom>
-        </p:spPr>
-      </p:pic>
-      <p:sp>
-        <p:nvSpPr>
-          <p:cNvPr id="127" name="직사각형 126">
-            <a:extLst>
-              <a:ext uri="{FF2B5EF4-FFF2-40B4-BE49-F238E27FC236}">
-                <a16:creationId xmlns:a16="http://schemas.microsoft.com/office/drawing/2014/main" id="{5508190C-4E64-0706-66E7-5115255DCD8B}"/>
-              </a:ext>
-            </a:extLst>
-          </p:cNvPr>
-          <p:cNvSpPr/>
-          <p:nvPr/>
-        </p:nvSpPr>
-        <p:spPr>
-          <a:xfrm>
-            <a:off x="9831630" y="2022395"/>
-            <a:ext cx="2126779" cy="196821"/>
-          </a:xfrm>
-          <a:prstGeom prst="rect">
-            <a:avLst/>
-          </a:prstGeom>
-          <a:solidFill>
-            <a:schemeClr val="bg2"/>
-          </a:solidFill>
-          <a:ln>
-            <a:noFill/>
-          </a:ln>
-        </p:spPr>
-        <p:style>
-          <a:lnRef idx="2">
-            <a:schemeClr val="accent1">
-              <a:shade val="50000"/>
-            </a:schemeClr>
-          </a:lnRef>
-          <a:fillRef idx="1">
-            <a:schemeClr val="accent1"/>
-          </a:fillRef>
-          <a:effectRef idx="0">
-            <a:schemeClr val="accent1"/>
-          </a:effectRef>
-          <a:fontRef idx="minor">
-            <a:schemeClr val="lt1"/>
-          </a:fontRef>
-        </p:style>
-        <p:txBody>
-          <a:bodyPr rtlCol="0" anchor="ctr"/>
-          <a:lstStyle/>
-          <a:p>
-            <a:pPr algn="ctr"/>
-            <a:r>
-              <a:rPr lang="ko-KR" altLang="en-US" sz="1200"/>
-              <a:t>검색하기</a:t>
-            </a:r>
-          </a:p>
-        </p:txBody>
-      </p:sp>
-      <p:pic>
-        <p:nvPicPr>
-          <p:cNvPr id="128" name="그래픽 127" descr="돋보기 단색으로 채워진">
-            <a:extLst>
-              <a:ext uri="{FF2B5EF4-FFF2-40B4-BE49-F238E27FC236}">
-                <a16:creationId xmlns:a16="http://schemas.microsoft.com/office/drawing/2014/main" id="{5BAC2D47-F500-980E-2BA2-561AD9F1F55B}"/>
-              </a:ext>
-            </a:extLst>
-          </p:cNvPr>
-          <p:cNvPicPr>
-            <a:picLocks noChangeAspect="1"/>
-          </p:cNvPicPr>
-          <p:nvPr/>
-        </p:nvPicPr>
-        <p:blipFill>
-          <a:blip r:embed="rId4">
-            <a:extLst>
-              <a:ext uri="{28A0092B-C50C-407E-A947-70E740481C1C}">
-                <a14:useLocalDpi xmlns:a14="http://schemas.microsoft.com/office/drawing/2010/main" val="0"/>
-              </a:ext>
-              <a:ext uri="{96DAC541-7B7A-43D3-8B79-37D633B846F1}">
-                <asvg:svgBlip xmlns:asvg="http://schemas.microsoft.com/office/drawing/2016/SVG/main" r:embed="rId5"/>
-              </a:ext>
-            </a:extLst>
-          </a:blip>
-          <a:stretch>
-            <a:fillRect/>
-          </a:stretch>
-        </p:blipFill>
-        <p:spPr>
-          <a:xfrm>
-            <a:off x="10382774" y="2037946"/>
-            <a:ext cx="159437" cy="159437"/>
-          </a:xfrm>
-          <a:prstGeom prst="rect">
-            <a:avLst/>
-          </a:prstGeom>
-        </p:spPr>
-      </p:pic>
-      <p:sp>
-        <p:nvSpPr>
-          <p:cNvPr id="129" name="직사각형 128">
-            <a:extLst>
-              <a:ext uri="{FF2B5EF4-FFF2-40B4-BE49-F238E27FC236}">
-                <a16:creationId xmlns:a16="http://schemas.microsoft.com/office/drawing/2014/main" id="{E40378C4-B4E8-6504-77DE-B959AB735256}"/>
-              </a:ext>
-            </a:extLst>
-          </p:cNvPr>
-          <p:cNvSpPr/>
-          <p:nvPr/>
-        </p:nvSpPr>
-        <p:spPr>
-          <a:xfrm>
-            <a:off x="2395739" y="1553634"/>
-            <a:ext cx="1262366" cy="226724"/>
-          </a:xfrm>
-          <a:prstGeom prst="rect">
-            <a:avLst/>
-          </a:prstGeom>
-          <a:noFill/>
-          <a:ln>
-            <a:noFill/>
-          </a:ln>
-        </p:spPr>
-        <p:style>
-          <a:lnRef idx="2">
-            <a:schemeClr val="accent1">
-              <a:shade val="50000"/>
-            </a:schemeClr>
-          </a:lnRef>
-          <a:fillRef idx="1">
-            <a:schemeClr val="accent1"/>
-          </a:fillRef>
-          <a:effectRef idx="0">
-            <a:schemeClr val="accent1"/>
-          </a:effectRef>
-          <a:fontRef idx="minor">
-            <a:schemeClr val="lt1"/>
-          </a:fontRef>
-        </p:style>
-        <p:txBody>
-          <a:bodyPr rtlCol="0" anchor="ctr"/>
-          <a:lstStyle/>
-          <a:p>
-            <a:pPr algn="ctr"/>
-            <a:r>
-              <a:rPr lang="ko-KR" altLang="en-US" sz="1400" dirty="0">
-                <a:solidFill>
-                  <a:schemeClr val="tx1"/>
-                </a:solidFill>
-                <a:latin typeface="여기어때 잘난체" panose="020B0600000101010101" pitchFamily="50" charset="-127"/>
-                <a:ea typeface="여기어때 잘난체" panose="020B0600000101010101" pitchFamily="50" charset="-127"/>
-              </a:rPr>
-              <a:t>강의 목록</a:t>
-            </a:r>
-          </a:p>
-        </p:txBody>
-      </p:sp>
-      <p:sp>
-        <p:nvSpPr>
-          <p:cNvPr id="130" name="직사각형 129">
-            <a:extLst>
-              <a:ext uri="{FF2B5EF4-FFF2-40B4-BE49-F238E27FC236}">
-                <a16:creationId xmlns:a16="http://schemas.microsoft.com/office/drawing/2014/main" id="{7149C5FB-891C-8ECB-C5D0-3A731D8CD860}"/>
-              </a:ext>
-            </a:extLst>
-          </p:cNvPr>
-          <p:cNvSpPr/>
-          <p:nvPr/>
-        </p:nvSpPr>
-        <p:spPr>
-          <a:xfrm>
-            <a:off x="7158631" y="1553634"/>
-            <a:ext cx="1262366" cy="226724"/>
-          </a:xfrm>
-          <a:prstGeom prst="rect">
-            <a:avLst/>
-          </a:prstGeom>
-          <a:noFill/>
-          <a:ln>
-            <a:noFill/>
-          </a:ln>
-        </p:spPr>
-        <p:style>
-          <a:lnRef idx="2">
-            <a:schemeClr val="accent1">
-              <a:shade val="50000"/>
-            </a:schemeClr>
-          </a:lnRef>
-          <a:fillRef idx="1">
-            <a:schemeClr val="accent1"/>
-          </a:fillRef>
-          <a:effectRef idx="0">
-            <a:schemeClr val="accent1"/>
-          </a:effectRef>
-          <a:fontRef idx="minor">
-            <a:schemeClr val="lt1"/>
-          </a:fontRef>
-        </p:style>
-        <p:txBody>
-          <a:bodyPr rtlCol="0" anchor="ctr"/>
-          <a:lstStyle/>
-          <a:p>
-            <a:pPr algn="ctr"/>
-            <a:r>
-              <a:rPr lang="ko-KR" altLang="en-US" sz="1400" dirty="0">
-                <a:solidFill>
-                  <a:schemeClr val="tx1"/>
-                </a:solidFill>
-                <a:latin typeface="여기어때 잘난체" panose="020B0600000101010101" pitchFamily="50" charset="-127"/>
-                <a:ea typeface="여기어때 잘난체" panose="020B0600000101010101" pitchFamily="50" charset="-127"/>
-              </a:rPr>
-              <a:t>강의 목록</a:t>
-            </a:r>
-          </a:p>
-        </p:txBody>
-      </p:sp>
-      <p:sp>
-        <p:nvSpPr>
-          <p:cNvPr id="131" name="직사각형 130">
-            <a:extLst>
-              <a:ext uri="{FF2B5EF4-FFF2-40B4-BE49-F238E27FC236}">
-                <a16:creationId xmlns:a16="http://schemas.microsoft.com/office/drawing/2014/main" id="{E2BA896A-BF73-A9A1-EF9A-496BD36404E0}"/>
-              </a:ext>
-            </a:extLst>
-          </p:cNvPr>
-          <p:cNvSpPr/>
-          <p:nvPr/>
-        </p:nvSpPr>
-        <p:spPr>
-          <a:xfrm>
-            <a:off x="10259965" y="1553634"/>
-            <a:ext cx="1262366" cy="226724"/>
-          </a:xfrm>
-          <a:prstGeom prst="rect">
-            <a:avLst/>
-          </a:prstGeom>
-          <a:noFill/>
-          <a:ln>
-            <a:noFill/>
-          </a:ln>
-        </p:spPr>
-        <p:style>
-          <a:lnRef idx="2">
-            <a:schemeClr val="accent1">
-              <a:shade val="50000"/>
-            </a:schemeClr>
-          </a:lnRef>
-          <a:fillRef idx="1">
-            <a:schemeClr val="accent1"/>
-          </a:fillRef>
-          <a:effectRef idx="0">
-            <a:schemeClr val="accent1"/>
-          </a:effectRef>
-          <a:fontRef idx="minor">
-            <a:schemeClr val="lt1"/>
-          </a:fontRef>
-        </p:style>
-        <p:txBody>
-          <a:bodyPr rtlCol="0" anchor="ctr"/>
-          <a:lstStyle/>
-          <a:p>
-            <a:pPr algn="ctr"/>
-            <a:r>
-              <a:rPr lang="ko-KR" altLang="en-US" sz="1400" dirty="0">
-                <a:solidFill>
-                  <a:schemeClr val="tx1"/>
-                </a:solidFill>
-                <a:latin typeface="여기어때 잘난체" panose="020B0600000101010101" pitchFamily="50" charset="-127"/>
-                <a:ea typeface="여기어때 잘난체" panose="020B0600000101010101" pitchFamily="50" charset="-127"/>
-              </a:rPr>
-              <a:t>강의 목록</a:t>
-            </a:r>
           </a:p>
         </p:txBody>
       </p:sp>
